--- a/PRESENTATION/امن کردن پروتکل HTTP از طریق  SSL و.pptx
+++ b/PRESENTATION/امن کردن پروتکل HTTP از طریق  SSL و.pptx
@@ -6,32 +6,30 @@
   </p:sldMasterIdLst>
   <p:sldIdLst>
     <p:sldId id="256" r:id="rId2"/>
-    <p:sldId id="257" r:id="rId3"/>
-    <p:sldId id="261" r:id="rId4"/>
+    <p:sldId id="285" r:id="rId3"/>
+    <p:sldId id="286" r:id="rId4"/>
     <p:sldId id="260" r:id="rId5"/>
     <p:sldId id="263" r:id="rId6"/>
-    <p:sldId id="262" r:id="rId7"/>
-    <p:sldId id="258" r:id="rId8"/>
-    <p:sldId id="259" r:id="rId9"/>
-    <p:sldId id="278" r:id="rId10"/>
-    <p:sldId id="264" r:id="rId11"/>
-    <p:sldId id="265" r:id="rId12"/>
-    <p:sldId id="279" r:id="rId13"/>
-    <p:sldId id="266" r:id="rId14"/>
-    <p:sldId id="267" r:id="rId15"/>
-    <p:sldId id="268" r:id="rId16"/>
-    <p:sldId id="269" r:id="rId17"/>
-    <p:sldId id="270" r:id="rId18"/>
-    <p:sldId id="271" r:id="rId19"/>
-    <p:sldId id="272" r:id="rId20"/>
-    <p:sldId id="273" r:id="rId21"/>
-    <p:sldId id="274" r:id="rId22"/>
-    <p:sldId id="275" r:id="rId23"/>
-    <p:sldId id="276" r:id="rId24"/>
-    <p:sldId id="277" r:id="rId25"/>
-    <p:sldId id="282" r:id="rId26"/>
-    <p:sldId id="280" r:id="rId27"/>
-    <p:sldId id="281" r:id="rId28"/>
+    <p:sldId id="258" r:id="rId7"/>
+    <p:sldId id="259" r:id="rId8"/>
+    <p:sldId id="278" r:id="rId9"/>
+    <p:sldId id="265" r:id="rId10"/>
+    <p:sldId id="279" r:id="rId11"/>
+    <p:sldId id="266" r:id="rId12"/>
+    <p:sldId id="267" r:id="rId13"/>
+    <p:sldId id="268" r:id="rId14"/>
+    <p:sldId id="269" r:id="rId15"/>
+    <p:sldId id="270" r:id="rId16"/>
+    <p:sldId id="271" r:id="rId17"/>
+    <p:sldId id="272" r:id="rId18"/>
+    <p:sldId id="273" r:id="rId19"/>
+    <p:sldId id="274" r:id="rId20"/>
+    <p:sldId id="275" r:id="rId21"/>
+    <p:sldId id="276" r:id="rId22"/>
+    <p:sldId id="283" r:id="rId23"/>
+    <p:sldId id="284" r:id="rId24"/>
+    <p:sldId id="280" r:id="rId25"/>
+    <p:sldId id="281" r:id="rId26"/>
   </p:sldIdLst>
   <p:sldSz cx="12192000" cy="6858000"/>
   <p:notesSz cx="6858000" cy="9144000"/>
@@ -7888,880 +7886,6 @@
                 <a:latin typeface="B Nazanin+ Regular" panose="01000506000000020004" pitchFamily="2" charset="-78"/>
                 <a:cs typeface="B Nazanin+ Regular" panose="01000506000000020004" pitchFamily="2" charset="-78"/>
               </a:rPr>
-              <a:t>چارچوب </a:t>
-            </a:r>
-            <a:endParaRPr lang="en-US" sz="4800" b="1" dirty="0">
-              <a:solidFill>
-                <a:schemeClr val="accent6">
-                  <a:lumMod val="75000"/>
-                </a:schemeClr>
-              </a:solidFill>
-              <a:latin typeface="B Nazanin+ Regular" panose="01000506000000020004" pitchFamily="2" charset="-78"/>
-              <a:cs typeface="B Nazanin+ Regular" panose="01000506000000020004" pitchFamily="2" charset="-78"/>
-            </a:endParaRPr>
-          </a:p>
-        </p:txBody>
-      </p:sp>
-      <p:sp>
-        <p:nvSpPr>
-          <p:cNvPr id="3" name="Content Placeholder 2"/>
-          <p:cNvSpPr>
-            <a:spLocks noGrp="1"/>
-          </p:cNvSpPr>
-          <p:nvPr>
-            <p:ph idx="1"/>
-          </p:nvPr>
-        </p:nvSpPr>
-        <p:spPr>
-          <a:xfrm>
-            <a:off x="2081463" y="1371600"/>
-            <a:ext cx="9423149" cy="5125453"/>
-          </a:xfrm>
-        </p:spPr>
-        <p:txBody>
-          <a:bodyPr>
-            <a:normAutofit/>
-          </a:bodyPr>
-          <a:lstStyle/>
-          <a:p>
-            <a:pPr algn="r" rtl="1">
-              <a:buFont typeface="Wingdings" panose="05000000000000000000" pitchFamily="2" charset="2"/>
-              <a:buChar char="v"/>
-            </a:pPr>
-            <a:r>
-              <a:rPr lang="en-US" sz="3200" dirty="0" smtClean="0">
-                <a:solidFill>
-                  <a:schemeClr val="bg1">
-                    <a:lumMod val="75000"/>
-                  </a:schemeClr>
-                </a:solidFill>
-                <a:latin typeface="B Nazanin+ Regular" panose="01000506000000020004" pitchFamily="2" charset="-78"/>
-                <a:cs typeface="B Nazanin+ Regular" panose="01000506000000020004" pitchFamily="2" charset="-78"/>
-              </a:rPr>
-              <a:t>  </a:t>
-            </a:r>
-            <a:r>
-              <a:rPr lang="fa-IR" sz="3200" dirty="0" smtClean="0">
-                <a:solidFill>
-                  <a:schemeClr val="bg1">
-                    <a:lumMod val="75000"/>
-                  </a:schemeClr>
-                </a:solidFill>
-                <a:latin typeface="B Nazanin+ Regular" panose="01000506000000020004" pitchFamily="2" charset="-78"/>
-                <a:cs typeface="B Nazanin+ Regular" panose="01000506000000020004" pitchFamily="2" charset="-78"/>
-              </a:rPr>
-              <a:t>مقدمه </a:t>
-            </a:r>
-          </a:p>
-          <a:p>
-            <a:pPr algn="r" rtl="1">
-              <a:buFont typeface="Wingdings" panose="05000000000000000000" pitchFamily="2" charset="2"/>
-              <a:buChar char="v"/>
-            </a:pPr>
-            <a:r>
-              <a:rPr lang="fa-IR" sz="3200" dirty="0">
-                <a:solidFill>
-                  <a:schemeClr val="bg1">
-                    <a:lumMod val="75000"/>
-                  </a:schemeClr>
-                </a:solidFill>
-                <a:latin typeface="B Nazanin+ Regular" panose="01000506000000020004" pitchFamily="2" charset="-78"/>
-                <a:cs typeface="B Nazanin+ Regular" panose="01000506000000020004" pitchFamily="2" charset="-78"/>
-              </a:rPr>
-              <a:t> </a:t>
-            </a:r>
-            <a:r>
-              <a:rPr lang="en-US" sz="3200" dirty="0" smtClean="0">
-                <a:solidFill>
-                  <a:schemeClr val="bg1">
-                    <a:lumMod val="75000"/>
-                  </a:schemeClr>
-                </a:solidFill>
-                <a:latin typeface="B Nazanin+ Regular" panose="01000506000000020004" pitchFamily="2" charset="-78"/>
-                <a:cs typeface="B Nazanin+ Regular" panose="01000506000000020004" pitchFamily="2" charset="-78"/>
-              </a:rPr>
-              <a:t> </a:t>
-            </a:r>
-            <a:r>
-              <a:rPr lang="fa-IR" sz="3200" dirty="0" smtClean="0">
-                <a:solidFill>
-                  <a:schemeClr val="bg1">
-                    <a:lumMod val="75000"/>
-                  </a:schemeClr>
-                </a:solidFill>
-                <a:latin typeface="B Nazanin+ Regular" panose="01000506000000020004" pitchFamily="2" charset="-78"/>
-                <a:cs typeface="B Nazanin+ Regular" panose="01000506000000020004" pitchFamily="2" charset="-78"/>
-              </a:rPr>
-              <a:t>پروکسی (</a:t>
-            </a:r>
-            <a:r>
-              <a:rPr lang="en-US" sz="3200" dirty="0" smtClean="0">
-                <a:solidFill>
-                  <a:schemeClr val="bg1">
-                    <a:lumMod val="75000"/>
-                  </a:schemeClr>
-                </a:solidFill>
-                <a:latin typeface="B Nazanin+ Regular" panose="01000506000000020004" pitchFamily="2" charset="-78"/>
-                <a:cs typeface="B Nazanin+ Regular" panose="01000506000000020004" pitchFamily="2" charset="-78"/>
-              </a:rPr>
-              <a:t>proxy</a:t>
-            </a:r>
-            <a:r>
-              <a:rPr lang="fa-IR" sz="3200" dirty="0" smtClean="0">
-                <a:solidFill>
-                  <a:schemeClr val="bg1">
-                    <a:lumMod val="75000"/>
-                  </a:schemeClr>
-                </a:solidFill>
-                <a:latin typeface="B Nazanin+ Regular" panose="01000506000000020004" pitchFamily="2" charset="-78"/>
-                <a:cs typeface="B Nazanin+ Regular" panose="01000506000000020004" pitchFamily="2" charset="-78"/>
-              </a:rPr>
-              <a:t>)</a:t>
-            </a:r>
-            <a:endParaRPr lang="en-US" sz="3200" dirty="0" smtClean="0">
-              <a:solidFill>
-                <a:schemeClr val="bg1">
-                  <a:lumMod val="75000"/>
-                </a:schemeClr>
-              </a:solidFill>
-              <a:latin typeface="B Nazanin+ Regular" panose="01000506000000020004" pitchFamily="2" charset="-78"/>
-              <a:cs typeface="B Nazanin+ Regular" panose="01000506000000020004" pitchFamily="2" charset="-78"/>
-            </a:endParaRPr>
-          </a:p>
-          <a:p>
-            <a:pPr algn="r" rtl="1">
-              <a:buFont typeface="Wingdings" panose="05000000000000000000" pitchFamily="2" charset="2"/>
-              <a:buChar char="v"/>
-            </a:pPr>
-            <a:r>
-              <a:rPr lang="en-US" sz="3200" dirty="0" smtClean="0">
-                <a:solidFill>
-                  <a:schemeClr val="tx1"/>
-                </a:solidFill>
-                <a:latin typeface="B Nazanin+ Regular" panose="01000506000000020004" pitchFamily="2" charset="-78"/>
-                <a:cs typeface="B Nazanin+ Regular" panose="01000506000000020004" pitchFamily="2" charset="-78"/>
-              </a:rPr>
-              <a:t>  HTTPS </a:t>
-            </a:r>
-            <a:endParaRPr lang="en-US" sz="3200" dirty="0" smtClean="0">
-              <a:solidFill>
-                <a:schemeClr val="tx1"/>
-              </a:solidFill>
-              <a:latin typeface="B Nazanin+ Regular" panose="01000506000000020004" pitchFamily="2" charset="-78"/>
-              <a:cs typeface="B Nazanin+ Regular" panose="01000506000000020004" pitchFamily="2" charset="-78"/>
-            </a:endParaRPr>
-          </a:p>
-          <a:p>
-            <a:pPr algn="r" rtl="1">
-              <a:buFont typeface="Wingdings" panose="05000000000000000000" pitchFamily="2" charset="2"/>
-              <a:buChar char="v"/>
-            </a:pPr>
-            <a:r>
-              <a:rPr lang="en-US" sz="3200" dirty="0">
-                <a:solidFill>
-                  <a:schemeClr val="bg1">
-                    <a:lumMod val="75000"/>
-                  </a:schemeClr>
-                </a:solidFill>
-                <a:latin typeface="B Nazanin+ Regular" panose="01000506000000020004" pitchFamily="2" charset="-78"/>
-                <a:cs typeface="B Nazanin+ Regular" panose="01000506000000020004" pitchFamily="2" charset="-78"/>
-              </a:rPr>
-              <a:t> </a:t>
-            </a:r>
-            <a:r>
-              <a:rPr lang="fa-IR" sz="3200" dirty="0" smtClean="0">
-                <a:solidFill>
-                  <a:schemeClr val="bg1">
-                    <a:lumMod val="75000"/>
-                  </a:schemeClr>
-                </a:solidFill>
-                <a:latin typeface="B Nazanin+ Regular" panose="01000506000000020004" pitchFamily="2" charset="-78"/>
-                <a:cs typeface="B Nazanin+ Regular" panose="01000506000000020004" pitchFamily="2" charset="-78"/>
-              </a:rPr>
-              <a:t>کدگذاری </a:t>
-            </a:r>
-            <a:endParaRPr lang="en-US" sz="3200" dirty="0" smtClean="0">
-              <a:solidFill>
-                <a:schemeClr val="bg1">
-                  <a:lumMod val="75000"/>
-                </a:schemeClr>
-              </a:solidFill>
-              <a:latin typeface="B Nazanin+ Regular" panose="01000506000000020004" pitchFamily="2" charset="-78"/>
-              <a:cs typeface="B Nazanin+ Regular" panose="01000506000000020004" pitchFamily="2" charset="-78"/>
-            </a:endParaRPr>
-          </a:p>
-          <a:p>
-            <a:pPr algn="r" rtl="1">
-              <a:buFont typeface="Wingdings" panose="05000000000000000000" pitchFamily="2" charset="2"/>
-              <a:buChar char="v"/>
-            </a:pPr>
-            <a:r>
-              <a:rPr lang="en-US" sz="3200" dirty="0">
-                <a:solidFill>
-                  <a:schemeClr val="bg1">
-                    <a:lumMod val="75000"/>
-                  </a:schemeClr>
-                </a:solidFill>
-                <a:latin typeface="B Nazanin+ Regular" panose="01000506000000020004" pitchFamily="2" charset="-78"/>
-                <a:cs typeface="B Nazanin+ Regular" panose="01000506000000020004" pitchFamily="2" charset="-78"/>
-              </a:rPr>
-              <a:t> </a:t>
-            </a:r>
-            <a:r>
-              <a:rPr lang="fa-IR" sz="3200" dirty="0" smtClean="0">
-                <a:solidFill>
-                  <a:schemeClr val="bg1">
-                    <a:lumMod val="75000"/>
-                  </a:schemeClr>
-                </a:solidFill>
-                <a:latin typeface="B Nazanin+ Regular" panose="01000506000000020004" pitchFamily="2" charset="-78"/>
-                <a:cs typeface="B Nazanin+ Regular" panose="01000506000000020004" pitchFamily="2" charset="-78"/>
-              </a:rPr>
-              <a:t>گواهی نامه ی </a:t>
-            </a:r>
-            <a:r>
-              <a:rPr lang="en-US" sz="3200" dirty="0" smtClean="0">
-                <a:solidFill>
-                  <a:schemeClr val="bg1">
-                    <a:lumMod val="75000"/>
-                  </a:schemeClr>
-                </a:solidFill>
-                <a:latin typeface="B Nazanin+ Regular" panose="01000506000000020004" pitchFamily="2" charset="-78"/>
-                <a:cs typeface="B Nazanin+ Regular" panose="01000506000000020004" pitchFamily="2" charset="-78"/>
-              </a:rPr>
-              <a:t>SSL </a:t>
-            </a:r>
-            <a:r>
-              <a:rPr lang="fa-IR" sz="3200" dirty="0" smtClean="0">
-                <a:solidFill>
-                  <a:schemeClr val="bg1">
-                    <a:lumMod val="75000"/>
-                  </a:schemeClr>
-                </a:solidFill>
-                <a:latin typeface="B Nazanin+ Regular" panose="01000506000000020004" pitchFamily="2" charset="-78"/>
-                <a:cs typeface="B Nazanin+ Regular" panose="01000506000000020004" pitchFamily="2" charset="-78"/>
-              </a:rPr>
-              <a:t> یا </a:t>
-            </a:r>
-            <a:r>
-              <a:rPr lang="en-US" sz="3200" dirty="0" smtClean="0">
-                <a:solidFill>
-                  <a:schemeClr val="bg1">
-                    <a:lumMod val="75000"/>
-                  </a:schemeClr>
-                </a:solidFill>
-                <a:latin typeface="B Nazanin+ Regular" panose="01000506000000020004" pitchFamily="2" charset="-78"/>
-                <a:cs typeface="B Nazanin+ Regular" panose="01000506000000020004" pitchFamily="2" charset="-78"/>
-              </a:rPr>
-              <a:t>TLS</a:t>
-            </a:r>
-            <a:endParaRPr lang="fa-IR" sz="3200" dirty="0" smtClean="0">
-              <a:solidFill>
-                <a:schemeClr val="bg1">
-                  <a:lumMod val="75000"/>
-                </a:schemeClr>
-              </a:solidFill>
-              <a:latin typeface="B Nazanin+ Regular" panose="01000506000000020004" pitchFamily="2" charset="-78"/>
-              <a:cs typeface="B Nazanin+ Regular" panose="01000506000000020004" pitchFamily="2" charset="-78"/>
-            </a:endParaRPr>
-          </a:p>
-          <a:p>
-            <a:pPr algn="r" rtl="1">
-              <a:buFont typeface="Wingdings" panose="05000000000000000000" pitchFamily="2" charset="2"/>
-              <a:buChar char="v"/>
-            </a:pPr>
-            <a:r>
-              <a:rPr lang="en-US" sz="3200" dirty="0" smtClean="0">
-                <a:solidFill>
-                  <a:schemeClr val="bg1">
-                    <a:lumMod val="75000"/>
-                  </a:schemeClr>
-                </a:solidFill>
-                <a:latin typeface="B Nazanin+ Regular" panose="01000506000000020004" pitchFamily="2" charset="-78"/>
-                <a:cs typeface="B Nazanin+ Regular" panose="01000506000000020004" pitchFamily="2" charset="-78"/>
-              </a:rPr>
-              <a:t> </a:t>
-            </a:r>
-            <a:r>
-              <a:rPr lang="fa-IR" sz="3200" dirty="0" smtClean="0">
-                <a:solidFill>
-                  <a:schemeClr val="bg1">
-                    <a:lumMod val="75000"/>
-                  </a:schemeClr>
-                </a:solidFill>
-                <a:latin typeface="B Nazanin+ Regular" panose="01000506000000020004" pitchFamily="2" charset="-78"/>
-                <a:cs typeface="B Nazanin+ Regular" panose="01000506000000020004" pitchFamily="2" charset="-78"/>
-              </a:rPr>
-              <a:t>ارزیابی کارائی پروتکل </a:t>
-            </a:r>
-            <a:r>
-              <a:rPr lang="en-US" sz="3200" dirty="0" smtClean="0">
-                <a:solidFill>
-                  <a:schemeClr val="bg1">
-                    <a:lumMod val="75000"/>
-                  </a:schemeClr>
-                </a:solidFill>
-                <a:latin typeface="B Nazanin+ Regular" panose="01000506000000020004" pitchFamily="2" charset="-78"/>
-                <a:cs typeface="B Nazanin+ Regular" panose="01000506000000020004" pitchFamily="2" charset="-78"/>
-              </a:rPr>
-              <a:t>HTTPS</a:t>
-            </a:r>
-            <a:endParaRPr lang="fa-IR" sz="3200" dirty="0" smtClean="0">
-              <a:solidFill>
-                <a:schemeClr val="bg1">
-                  <a:lumMod val="75000"/>
-                </a:schemeClr>
-              </a:solidFill>
-              <a:latin typeface="B Nazanin+ Regular" panose="01000506000000020004" pitchFamily="2" charset="-78"/>
-              <a:cs typeface="B Nazanin+ Regular" panose="01000506000000020004" pitchFamily="2" charset="-78"/>
-            </a:endParaRPr>
-          </a:p>
-          <a:p>
-            <a:pPr algn="r" rtl="1">
-              <a:buFont typeface="Wingdings" panose="05000000000000000000" pitchFamily="2" charset="2"/>
-              <a:buChar char="v"/>
-            </a:pPr>
-            <a:r>
-              <a:rPr lang="fa-IR" sz="3200" dirty="0">
-                <a:solidFill>
-                  <a:schemeClr val="bg1">
-                    <a:lumMod val="75000"/>
-                  </a:schemeClr>
-                </a:solidFill>
-                <a:latin typeface="B Nazanin+ Regular" panose="01000506000000020004" pitchFamily="2" charset="-78"/>
-                <a:cs typeface="B Nazanin+ Regular" panose="01000506000000020004" pitchFamily="2" charset="-78"/>
-              </a:rPr>
-              <a:t> </a:t>
-            </a:r>
-            <a:r>
-              <a:rPr lang="fa-IR" sz="3200" dirty="0" smtClean="0">
-                <a:solidFill>
-                  <a:schemeClr val="bg1">
-                    <a:lumMod val="75000"/>
-                  </a:schemeClr>
-                </a:solidFill>
-                <a:latin typeface="B Nazanin+ Regular" panose="01000506000000020004" pitchFamily="2" charset="-78"/>
-                <a:cs typeface="B Nazanin+ Regular" panose="01000506000000020004" pitchFamily="2" charset="-78"/>
-              </a:rPr>
-              <a:t>در چه جاهائی باید از </a:t>
-            </a:r>
-            <a:r>
-              <a:rPr lang="en-US" sz="3200" dirty="0" smtClean="0">
-                <a:solidFill>
-                  <a:schemeClr val="bg1">
-                    <a:lumMod val="75000"/>
-                  </a:schemeClr>
-                </a:solidFill>
-                <a:latin typeface="B Nazanin+ Regular" panose="01000506000000020004" pitchFamily="2" charset="-78"/>
-                <a:cs typeface="B Nazanin+ Regular" panose="01000506000000020004" pitchFamily="2" charset="-78"/>
-              </a:rPr>
-              <a:t>HTTPS</a:t>
-            </a:r>
-            <a:r>
-              <a:rPr lang="fa-IR" sz="3200" dirty="0" smtClean="0">
-                <a:solidFill>
-                  <a:schemeClr val="bg1">
-                    <a:lumMod val="75000"/>
-                  </a:schemeClr>
-                </a:solidFill>
-                <a:latin typeface="B Nazanin+ Regular" panose="01000506000000020004" pitchFamily="2" charset="-78"/>
-                <a:cs typeface="B Nazanin+ Regular" panose="01000506000000020004" pitchFamily="2" charset="-78"/>
-              </a:rPr>
-              <a:t> استفاده کنیم .</a:t>
-            </a:r>
-            <a:endParaRPr lang="en-US" sz="3200" dirty="0" smtClean="0">
-              <a:solidFill>
-                <a:schemeClr val="bg1">
-                  <a:lumMod val="75000"/>
-                </a:schemeClr>
-              </a:solidFill>
-              <a:latin typeface="B Nazanin+ Regular" panose="01000506000000020004" pitchFamily="2" charset="-78"/>
-              <a:cs typeface="B Nazanin+ Regular" panose="01000506000000020004" pitchFamily="2" charset="-78"/>
-            </a:endParaRPr>
-          </a:p>
-          <a:p>
-            <a:pPr algn="r" rtl="1">
-              <a:buFont typeface="Wingdings" panose="05000000000000000000" pitchFamily="2" charset="2"/>
-              <a:buChar char="v"/>
-            </a:pPr>
-            <a:r>
-              <a:rPr lang="en-US" sz="3200" dirty="0">
-                <a:solidFill>
-                  <a:schemeClr val="bg1">
-                    <a:lumMod val="75000"/>
-                  </a:schemeClr>
-                </a:solidFill>
-                <a:latin typeface="B Nazanin+ Regular" panose="01000506000000020004" pitchFamily="2" charset="-78"/>
-                <a:cs typeface="B Nazanin+ Regular" panose="01000506000000020004" pitchFamily="2" charset="-78"/>
-              </a:rPr>
-              <a:t> </a:t>
-            </a:r>
-            <a:r>
-              <a:rPr lang="fa-IR" sz="3200" dirty="0" smtClean="0">
-                <a:solidFill>
-                  <a:schemeClr val="bg1">
-                    <a:lumMod val="75000"/>
-                  </a:schemeClr>
-                </a:solidFill>
-                <a:latin typeface="B Nazanin+ Regular" panose="01000506000000020004" pitchFamily="2" charset="-78"/>
-                <a:cs typeface="B Nazanin+ Regular" panose="01000506000000020004" pitchFamily="2" charset="-78"/>
-              </a:rPr>
-              <a:t>مراجع </a:t>
-            </a:r>
-            <a:endParaRPr lang="en-US" sz="3200" dirty="0">
-              <a:solidFill>
-                <a:schemeClr val="bg1">
-                  <a:lumMod val="75000"/>
-                </a:schemeClr>
-              </a:solidFill>
-              <a:latin typeface="B Nazanin+ Regular" panose="01000506000000020004" pitchFamily="2" charset="-78"/>
-              <a:cs typeface="B Nazanin+ Regular" panose="01000506000000020004" pitchFamily="2" charset="-78"/>
-            </a:endParaRPr>
-          </a:p>
-        </p:txBody>
-      </p:sp>
-    </p:spTree>
-    <p:extLst>
-      <p:ext uri="{BB962C8B-B14F-4D97-AF65-F5344CB8AC3E}">
-        <p14:creationId xmlns:p14="http://schemas.microsoft.com/office/powerpoint/2010/main" val="695106940"/>
-      </p:ext>
-    </p:extLst>
-  </p:cSld>
-  <p:clrMapOvr>
-    <a:masterClrMapping/>
-  </p:clrMapOvr>
-  <p:timing>
-    <p:tnLst>
-      <p:par>
-        <p:cTn id="1" dur="indefinite" restart="never" nodeType="tmRoot"/>
-      </p:par>
-    </p:tnLst>
-  </p:timing>
-</p:sld>
-</file>
-
-<file path=ppt/slides/slide11.xml><?xml version="1.0" encoding="utf-8"?>
-<p:sld xmlns:a="http://schemas.openxmlformats.org/drawingml/2006/main" xmlns:r="http://schemas.openxmlformats.org/officeDocument/2006/relationships" xmlns:p="http://schemas.openxmlformats.org/presentationml/2006/main">
-  <p:cSld>
-    <p:spTree>
-      <p:nvGrpSpPr>
-        <p:cNvPr id="1" name=""/>
-        <p:cNvGrpSpPr/>
-        <p:nvPr/>
-      </p:nvGrpSpPr>
-      <p:grpSpPr>
-        <a:xfrm>
-          <a:off x="0" y="0"/>
-          <a:ext cx="0" cy="0"/>
-          <a:chOff x="0" y="0"/>
-          <a:chExt cx="0" cy="0"/>
-        </a:xfrm>
-      </p:grpSpPr>
-      <p:sp>
-        <p:nvSpPr>
-          <p:cNvPr id="2" name="Title 1"/>
-          <p:cNvSpPr>
-            <a:spLocks noGrp="1"/>
-          </p:cNvSpPr>
-          <p:nvPr>
-            <p:ph type="title"/>
-          </p:nvPr>
-        </p:nvSpPr>
-        <p:spPr>
-          <a:xfrm>
-            <a:off x="2592925" y="407542"/>
-            <a:ext cx="8911687" cy="964058"/>
-          </a:xfrm>
-        </p:spPr>
-        <p:txBody>
-          <a:bodyPr>
-            <a:normAutofit/>
-          </a:bodyPr>
-          <a:lstStyle/>
-          <a:p>
-            <a:pPr algn="r" rtl="1"/>
-            <a:r>
-              <a:rPr lang="en-US" sz="4800" b="1" dirty="0" smtClean="0">
-                <a:solidFill>
-                  <a:schemeClr val="accent6">
-                    <a:lumMod val="75000"/>
-                  </a:schemeClr>
-                </a:solidFill>
-                <a:latin typeface="B Nazanin+ Regular" panose="01000506000000020004" pitchFamily="2" charset="-78"/>
-                <a:cs typeface="B Nazanin+ Regular" panose="01000506000000020004" pitchFamily="2" charset="-78"/>
-              </a:rPr>
-              <a:t>HTTPS</a:t>
-            </a:r>
-            <a:endParaRPr lang="en-US" sz="4800" b="1" dirty="0">
-              <a:solidFill>
-                <a:schemeClr val="accent6">
-                  <a:lumMod val="75000"/>
-                </a:schemeClr>
-              </a:solidFill>
-              <a:latin typeface="B Nazanin+ Regular" panose="01000506000000020004" pitchFamily="2" charset="-78"/>
-              <a:cs typeface="B Nazanin+ Regular" panose="01000506000000020004" pitchFamily="2" charset="-78"/>
-            </a:endParaRPr>
-          </a:p>
-        </p:txBody>
-      </p:sp>
-      <p:sp>
-        <p:nvSpPr>
-          <p:cNvPr id="3" name="Content Placeholder 2"/>
-          <p:cNvSpPr>
-            <a:spLocks noGrp="1"/>
-          </p:cNvSpPr>
-          <p:nvPr>
-            <p:ph idx="1"/>
-          </p:nvPr>
-        </p:nvSpPr>
-        <p:spPr>
-          <a:xfrm>
-            <a:off x="1503947" y="1371600"/>
-            <a:ext cx="10000665" cy="5125453"/>
-          </a:xfrm>
-        </p:spPr>
-        <p:txBody>
-          <a:bodyPr>
-            <a:noAutofit/>
-          </a:bodyPr>
-          <a:lstStyle/>
-          <a:p>
-            <a:pPr algn="r" rtl="1">
-              <a:buFont typeface="Wingdings" panose="05000000000000000000" pitchFamily="2" charset="2"/>
-              <a:buChar char="v"/>
-            </a:pPr>
-            <a:r>
-              <a:rPr lang="fa-IR" sz="3600" b="1" dirty="0">
-                <a:solidFill>
-                  <a:schemeClr val="tx1"/>
-                </a:solidFill>
-                <a:latin typeface="B Nazanin+ Regular" panose="01000506000000020004" pitchFamily="2" charset="-78"/>
-                <a:cs typeface="B Nazanin+ Regular" panose="01000506000000020004" pitchFamily="2" charset="-78"/>
-              </a:rPr>
-              <a:t> </a:t>
-            </a:r>
-            <a:r>
-              <a:rPr lang="fa-IR" sz="3600" b="1" dirty="0" smtClean="0">
-                <a:solidFill>
-                  <a:schemeClr val="tx1"/>
-                </a:solidFill>
-                <a:latin typeface="B Nazanin+ Regular" panose="01000506000000020004" pitchFamily="2" charset="-78"/>
-                <a:cs typeface="B Nazanin+ Regular" panose="01000506000000020004" pitchFamily="2" charset="-78"/>
-              </a:rPr>
-              <a:t>تعریف :</a:t>
-            </a:r>
-          </a:p>
-          <a:p>
-            <a:pPr marL="400050" lvl="1" indent="0" algn="r" rtl="1">
-              <a:buNone/>
-            </a:pPr>
-            <a:r>
-              <a:rPr lang="fa-IR" sz="3400" b="1" dirty="0" smtClean="0">
-                <a:solidFill>
-                  <a:schemeClr val="tx1"/>
-                </a:solidFill>
-                <a:latin typeface="B Nazanin+ Regular" panose="01000506000000020004" pitchFamily="2" charset="-78"/>
-                <a:cs typeface="B Nazanin+ Regular" panose="01000506000000020004" pitchFamily="2" charset="-78"/>
-              </a:rPr>
-              <a:t>همان پروتکل </a:t>
-            </a:r>
-            <a:r>
-              <a:rPr lang="en-US" sz="3400" b="1" dirty="0" smtClean="0">
-                <a:solidFill>
-                  <a:schemeClr val="tx1"/>
-                </a:solidFill>
-                <a:latin typeface="B Nazanin+ Regular" panose="01000506000000020004" pitchFamily="2" charset="-78"/>
-                <a:cs typeface="B Nazanin+ Regular" panose="01000506000000020004" pitchFamily="2" charset="-78"/>
-              </a:rPr>
-              <a:t>HTTP</a:t>
-            </a:r>
-            <a:r>
-              <a:rPr lang="fa-IR" sz="3400" b="1" dirty="0" smtClean="0">
-                <a:solidFill>
-                  <a:schemeClr val="tx1"/>
-                </a:solidFill>
-                <a:latin typeface="B Nazanin+ Regular" panose="01000506000000020004" pitchFamily="2" charset="-78"/>
-                <a:cs typeface="B Nazanin+ Regular" panose="01000506000000020004" pitchFamily="2" charset="-78"/>
-              </a:rPr>
-              <a:t> است با این تفاوت که قابلیت </a:t>
-            </a:r>
-            <a:r>
-              <a:rPr lang="en-US" sz="3400" b="1" dirty="0" smtClean="0">
-                <a:solidFill>
-                  <a:schemeClr val="tx1"/>
-                </a:solidFill>
-                <a:latin typeface="B Nazanin+ Regular" panose="01000506000000020004" pitchFamily="2" charset="-78"/>
-                <a:cs typeface="B Nazanin+ Regular" panose="01000506000000020004" pitchFamily="2" charset="-78"/>
-              </a:rPr>
-              <a:t>“</a:t>
-            </a:r>
-            <a:r>
-              <a:rPr lang="fa-IR" sz="3400" b="1" dirty="0" smtClean="0">
-                <a:solidFill>
-                  <a:schemeClr val="tx1"/>
-                </a:solidFill>
-                <a:latin typeface="B Nazanin+ Regular" panose="01000506000000020004" pitchFamily="2" charset="-78"/>
-                <a:cs typeface="B Nazanin+ Regular" panose="01000506000000020004" pitchFamily="2" charset="-78"/>
-              </a:rPr>
-              <a:t>امنیت</a:t>
-            </a:r>
-            <a:r>
-              <a:rPr lang="en-US" sz="3400" b="1" dirty="0" smtClean="0">
-                <a:solidFill>
-                  <a:schemeClr val="tx1"/>
-                </a:solidFill>
-                <a:latin typeface="B Nazanin+ Regular" panose="01000506000000020004" pitchFamily="2" charset="-78"/>
-                <a:cs typeface="B Nazanin+ Regular" panose="01000506000000020004" pitchFamily="2" charset="-78"/>
-              </a:rPr>
-              <a:t>”</a:t>
-            </a:r>
-            <a:r>
-              <a:rPr lang="fa-IR" sz="3400" b="1" dirty="0" smtClean="0">
-                <a:solidFill>
-                  <a:schemeClr val="tx1"/>
-                </a:solidFill>
-                <a:latin typeface="B Nazanin+ Regular" panose="01000506000000020004" pitchFamily="2" charset="-78"/>
-                <a:cs typeface="B Nazanin+ Regular" panose="01000506000000020004" pitchFamily="2" charset="-78"/>
-              </a:rPr>
-              <a:t> به آن اضافه شده است .</a:t>
-            </a:r>
-            <a:endParaRPr lang="en-US" sz="3400" b="1" dirty="0" smtClean="0">
-              <a:solidFill>
-                <a:schemeClr val="tx1"/>
-              </a:solidFill>
-              <a:latin typeface="B Nazanin+ Regular" panose="01000506000000020004" pitchFamily="2" charset="-78"/>
-              <a:cs typeface="B Nazanin+ Regular" panose="01000506000000020004" pitchFamily="2" charset="-78"/>
-            </a:endParaRPr>
-          </a:p>
-          <a:p>
-            <a:pPr marL="400050" lvl="1" indent="0" rtl="1">
-              <a:buNone/>
-            </a:pPr>
-            <a:r>
-              <a:rPr lang="en-US" sz="3400" b="1" dirty="0" smtClean="0">
-                <a:solidFill>
-                  <a:schemeClr val="tx1"/>
-                </a:solidFill>
-                <a:latin typeface="B Nazanin+ Regular" panose="01000506000000020004" pitchFamily="2" charset="-78"/>
-                <a:cs typeface="B Nazanin+ Regular" panose="01000506000000020004" pitchFamily="2" charset="-78"/>
-              </a:rPr>
-              <a:t>HTTP + Secure Layer = HTTPS</a:t>
-            </a:r>
-            <a:endParaRPr lang="fa-IR" sz="3400" b="1" dirty="0">
-              <a:solidFill>
-                <a:schemeClr val="tx1"/>
-              </a:solidFill>
-              <a:latin typeface="B Nazanin+ Regular" panose="01000506000000020004" pitchFamily="2" charset="-78"/>
-              <a:cs typeface="B Nazanin+ Regular" panose="01000506000000020004" pitchFamily="2" charset="-78"/>
-            </a:endParaRPr>
-          </a:p>
-          <a:p>
-            <a:pPr algn="r" rtl="1">
-              <a:buFont typeface="Wingdings" panose="05000000000000000000" pitchFamily="2" charset="2"/>
-              <a:buChar char="v"/>
-            </a:pPr>
-            <a:r>
-              <a:rPr lang="fa-IR" sz="3600" b="1" dirty="0">
-                <a:solidFill>
-                  <a:schemeClr val="tx1"/>
-                </a:solidFill>
-                <a:latin typeface="B Nazanin+ Regular" panose="01000506000000020004" pitchFamily="2" charset="-78"/>
-                <a:cs typeface="B Nazanin+ Regular" panose="01000506000000020004" pitchFamily="2" charset="-78"/>
-              </a:rPr>
-              <a:t> </a:t>
-            </a:r>
-            <a:r>
-              <a:rPr lang="fa-IR" sz="3600" b="1" dirty="0" smtClean="0">
-                <a:solidFill>
-                  <a:schemeClr val="tx1"/>
-                </a:solidFill>
-                <a:latin typeface="B Nazanin+ Regular" panose="01000506000000020004" pitchFamily="2" charset="-78"/>
-                <a:cs typeface="B Nazanin+ Regular" panose="01000506000000020004" pitchFamily="2" charset="-78"/>
-              </a:rPr>
-              <a:t>برای تأمین امنیت یک لایه ی امنیتی به پروتکل </a:t>
-            </a:r>
-            <a:r>
-              <a:rPr lang="en-US" sz="3600" b="1" dirty="0" smtClean="0">
-                <a:solidFill>
-                  <a:schemeClr val="tx1"/>
-                </a:solidFill>
-                <a:latin typeface="B Nazanin+ Regular" panose="01000506000000020004" pitchFamily="2" charset="-78"/>
-                <a:cs typeface="B Nazanin+ Regular" panose="01000506000000020004" pitchFamily="2" charset="-78"/>
-              </a:rPr>
-              <a:t>HTTP</a:t>
-            </a:r>
-            <a:r>
-              <a:rPr lang="fa-IR" sz="3600" b="1" dirty="0" smtClean="0">
-                <a:solidFill>
-                  <a:schemeClr val="tx1"/>
-                </a:solidFill>
-                <a:latin typeface="B Nazanin+ Regular" panose="01000506000000020004" pitchFamily="2" charset="-78"/>
-                <a:cs typeface="B Nazanin+ Regular" panose="01000506000000020004" pitchFamily="2" charset="-78"/>
-              </a:rPr>
-              <a:t> اضافه شده است .</a:t>
-            </a:r>
-          </a:p>
-          <a:p>
-            <a:pPr algn="r" rtl="1">
-              <a:buFont typeface="Wingdings" panose="05000000000000000000" pitchFamily="2" charset="2"/>
-              <a:buChar char="v"/>
-            </a:pPr>
-            <a:r>
-              <a:rPr lang="fa-IR" sz="3600" b="1" dirty="0">
-                <a:solidFill>
-                  <a:schemeClr val="tx1"/>
-                </a:solidFill>
-                <a:latin typeface="B Nazanin+ Regular" panose="01000506000000020004" pitchFamily="2" charset="-78"/>
-                <a:cs typeface="B Nazanin+ Regular" panose="01000506000000020004" pitchFamily="2" charset="-78"/>
-              </a:rPr>
-              <a:t> </a:t>
-            </a:r>
-            <a:r>
-              <a:rPr lang="fa-IR" sz="3600" b="1" dirty="0" smtClean="0">
-                <a:solidFill>
-                  <a:schemeClr val="tx1"/>
-                </a:solidFill>
-                <a:latin typeface="B Nazanin+ Regular" panose="01000506000000020004" pitchFamily="2" charset="-78"/>
-                <a:cs typeface="B Nazanin+ Regular" panose="01000506000000020004" pitchFamily="2" charset="-78"/>
-              </a:rPr>
-              <a:t>این لایه </a:t>
-            </a:r>
-            <a:r>
-              <a:rPr lang="en-US" sz="3600" b="1" dirty="0" smtClean="0">
-                <a:solidFill>
-                  <a:schemeClr val="tx1"/>
-                </a:solidFill>
-                <a:latin typeface="B Nazanin+ Regular" panose="01000506000000020004" pitchFamily="2" charset="-78"/>
-                <a:cs typeface="B Nazanin+ Regular" panose="01000506000000020004" pitchFamily="2" charset="-78"/>
-              </a:rPr>
-              <a:t>TLS</a:t>
-            </a:r>
-            <a:r>
-              <a:rPr lang="fa-IR" sz="3600" b="1" dirty="0" smtClean="0">
-                <a:solidFill>
-                  <a:schemeClr val="tx1"/>
-                </a:solidFill>
-                <a:latin typeface="B Nazanin+ Regular" panose="01000506000000020004" pitchFamily="2" charset="-78"/>
-                <a:cs typeface="B Nazanin+ Regular" panose="01000506000000020004" pitchFamily="2" charset="-78"/>
-              </a:rPr>
-              <a:t> است یا </a:t>
-            </a:r>
-            <a:r>
-              <a:rPr lang="en-US" sz="3600" b="1" dirty="0" smtClean="0">
-                <a:solidFill>
-                  <a:schemeClr val="tx1"/>
-                </a:solidFill>
-                <a:latin typeface="B Nazanin+ Regular" panose="01000506000000020004" pitchFamily="2" charset="-78"/>
-                <a:cs typeface="B Nazanin+ Regular" panose="01000506000000020004" pitchFamily="2" charset="-78"/>
-              </a:rPr>
-              <a:t>SSL</a:t>
-            </a:r>
-            <a:endParaRPr lang="fa-IR" sz="3600" b="1" dirty="0" smtClean="0">
-              <a:solidFill>
-                <a:schemeClr val="tx1"/>
-              </a:solidFill>
-              <a:latin typeface="B Nazanin+ Regular" panose="01000506000000020004" pitchFamily="2" charset="-78"/>
-              <a:cs typeface="B Nazanin+ Regular" panose="01000506000000020004" pitchFamily="2" charset="-78"/>
-            </a:endParaRPr>
-          </a:p>
-          <a:p>
-            <a:pPr algn="r" rtl="1">
-              <a:buFont typeface="Wingdings" panose="05000000000000000000" pitchFamily="2" charset="2"/>
-              <a:buChar char="v"/>
-            </a:pPr>
-            <a:r>
-              <a:rPr lang="fa-IR" sz="3600" b="1" dirty="0">
-                <a:solidFill>
-                  <a:schemeClr val="tx1"/>
-                </a:solidFill>
-                <a:latin typeface="B Nazanin+ Regular" panose="01000506000000020004" pitchFamily="2" charset="-78"/>
-                <a:cs typeface="B Nazanin+ Regular" panose="01000506000000020004" pitchFamily="2" charset="-78"/>
-              </a:rPr>
-              <a:t> </a:t>
-            </a:r>
-            <a:r>
-              <a:rPr lang="fa-IR" sz="3600" b="1" dirty="0" smtClean="0">
-                <a:solidFill>
-                  <a:schemeClr val="tx1"/>
-                </a:solidFill>
-                <a:latin typeface="B Nazanin+ Regular" panose="01000506000000020004" pitchFamily="2" charset="-78"/>
-                <a:cs typeface="B Nazanin+ Regular" panose="01000506000000020004" pitchFamily="2" charset="-78"/>
-              </a:rPr>
-              <a:t>این لایه برای ایجاد امنیت از رمز گذاری اطلاعات استفاده می کند .</a:t>
-            </a:r>
-          </a:p>
-        </p:txBody>
-      </p:sp>
-    </p:spTree>
-    <p:extLst>
-      <p:ext uri="{BB962C8B-B14F-4D97-AF65-F5344CB8AC3E}">
-        <p14:creationId xmlns:p14="http://schemas.microsoft.com/office/powerpoint/2010/main" val="1966253356"/>
-      </p:ext>
-    </p:extLst>
-  </p:cSld>
-  <p:clrMapOvr>
-    <a:masterClrMapping/>
-  </p:clrMapOvr>
-  <p:timing>
-    <p:tnLst>
-      <p:par>
-        <p:cTn id="1" dur="indefinite" restart="never" nodeType="tmRoot"/>
-      </p:par>
-    </p:tnLst>
-  </p:timing>
-</p:sld>
-</file>
-
-<file path=ppt/slides/slide12.xml><?xml version="1.0" encoding="utf-8"?>
-<p:sld xmlns:a="http://schemas.openxmlformats.org/drawingml/2006/main" xmlns:r="http://schemas.openxmlformats.org/officeDocument/2006/relationships" xmlns:p="http://schemas.openxmlformats.org/presentationml/2006/main">
-  <p:cSld>
-    <p:spTree>
-      <p:nvGrpSpPr>
-        <p:cNvPr id="1" name=""/>
-        <p:cNvGrpSpPr/>
-        <p:nvPr/>
-      </p:nvGrpSpPr>
-      <p:grpSpPr>
-        <a:xfrm>
-          <a:off x="0" y="0"/>
-          <a:ext cx="0" cy="0"/>
-          <a:chOff x="0" y="0"/>
-          <a:chExt cx="0" cy="0"/>
-        </a:xfrm>
-      </p:grpSpPr>
-      <p:sp>
-        <p:nvSpPr>
-          <p:cNvPr id="2" name="Title 1"/>
-          <p:cNvSpPr>
-            <a:spLocks noGrp="1"/>
-          </p:cNvSpPr>
-          <p:nvPr>
-            <p:ph type="title"/>
-          </p:nvPr>
-        </p:nvSpPr>
-        <p:spPr>
-          <a:xfrm>
-            <a:off x="2592925" y="407542"/>
-            <a:ext cx="8911687" cy="964058"/>
-          </a:xfrm>
-        </p:spPr>
-        <p:txBody>
-          <a:bodyPr>
-            <a:normAutofit/>
-          </a:bodyPr>
-          <a:lstStyle/>
-          <a:p>
-            <a:pPr algn="r" rtl="1"/>
-            <a:r>
-              <a:rPr lang="fa-IR" sz="4800" b="1" dirty="0" smtClean="0">
-                <a:solidFill>
-                  <a:schemeClr val="accent6">
-                    <a:lumMod val="75000"/>
-                  </a:schemeClr>
-                </a:solidFill>
-                <a:latin typeface="B Nazanin+ Regular" panose="01000506000000020004" pitchFamily="2" charset="-78"/>
-                <a:cs typeface="B Nazanin+ Regular" panose="01000506000000020004" pitchFamily="2" charset="-78"/>
-              </a:rPr>
               <a:t>تفاوت</a:t>
             </a:r>
             <a:r>
@@ -8861,7 +7985,7 @@
 </p:sld>
 </file>
 
-<file path=ppt/slides/slide13.xml><?xml version="1.0" encoding="utf-8"?>
+<file path=ppt/slides/slide11.xml><?xml version="1.0" encoding="utf-8"?>
 <p:sld xmlns:a="http://schemas.openxmlformats.org/drawingml/2006/main" xmlns:r="http://schemas.openxmlformats.org/officeDocument/2006/relationships" xmlns:p="http://schemas.openxmlformats.org/presentationml/2006/main">
   <p:cSld>
     <p:spTree>
@@ -9251,7 +8375,7 @@
 </p:sld>
 </file>
 
-<file path=ppt/slides/slide14.xml><?xml version="1.0" encoding="utf-8"?>
+<file path=ppt/slides/slide12.xml><?xml version="1.0" encoding="utf-8"?>
 <p:sld xmlns:a="http://schemas.openxmlformats.org/drawingml/2006/main" xmlns:r="http://schemas.openxmlformats.org/officeDocument/2006/relationships" xmlns:p="http://schemas.openxmlformats.org/presentationml/2006/main">
   <p:cSld>
     <p:spTree>
@@ -9479,7 +8603,7 @@
 </p:sld>
 </file>
 
-<file path=ppt/slides/slide15.xml><?xml version="1.0" encoding="utf-8"?>
+<file path=ppt/slides/slide13.xml><?xml version="1.0" encoding="utf-8"?>
 <p:sld xmlns:a="http://schemas.openxmlformats.org/drawingml/2006/main" xmlns:r="http://schemas.openxmlformats.org/officeDocument/2006/relationships" xmlns:p="http://schemas.openxmlformats.org/presentationml/2006/main">
   <p:cSld>
     <p:spTree>
@@ -9684,7 +8808,7 @@
 </p:sld>
 </file>
 
-<file path=ppt/slides/slide16.xml><?xml version="1.0" encoding="utf-8"?>
+<file path=ppt/slides/slide14.xml><?xml version="1.0" encoding="utf-8"?>
 <p:sld xmlns:a="http://schemas.openxmlformats.org/drawingml/2006/main" xmlns:r="http://schemas.openxmlformats.org/officeDocument/2006/relationships" xmlns:p="http://schemas.openxmlformats.org/presentationml/2006/main">
   <p:cSld>
     <p:spTree>
@@ -9938,7 +9062,7 @@
 </p:sld>
 </file>
 
-<file path=ppt/slides/slide17.xml><?xml version="1.0" encoding="utf-8"?>
+<file path=ppt/slides/slide15.xml><?xml version="1.0" encoding="utf-8"?>
 <p:sld xmlns:a="http://schemas.openxmlformats.org/drawingml/2006/main" xmlns:r="http://schemas.openxmlformats.org/officeDocument/2006/relationships" xmlns:p="http://schemas.openxmlformats.org/presentationml/2006/main">
   <p:cSld>
     <p:spTree>
@@ -10129,7 +9253,7 @@
 </p:sld>
 </file>
 
-<file path=ppt/slides/slide18.xml><?xml version="1.0" encoding="utf-8"?>
+<file path=ppt/slides/slide16.xml><?xml version="1.0" encoding="utf-8"?>
 <p:sld xmlns:a="http://schemas.openxmlformats.org/drawingml/2006/main" xmlns:r="http://schemas.openxmlformats.org/officeDocument/2006/relationships" xmlns:p="http://schemas.openxmlformats.org/presentationml/2006/main">
   <p:cSld>
     <p:spTree>
@@ -10196,7 +9320,7 @@
 </p:sld>
 </file>
 
-<file path=ppt/slides/slide19.xml><?xml version="1.0" encoding="utf-8"?>
+<file path=ppt/slides/slide17.xml><?xml version="1.0" encoding="utf-8"?>
 <p:sld xmlns:a="http://schemas.openxmlformats.org/drawingml/2006/main" xmlns:r="http://schemas.openxmlformats.org/officeDocument/2006/relationships" xmlns:p="http://schemas.openxmlformats.org/presentationml/2006/main">
   <p:cSld>
     <p:spTree>
@@ -10407,401 +9531,7 @@
 </p:sld>
 </file>
 
-<file path=ppt/slides/slide2.xml><?xml version="1.0" encoding="utf-8"?>
-<p:sld xmlns:a="http://schemas.openxmlformats.org/drawingml/2006/main" xmlns:r="http://schemas.openxmlformats.org/officeDocument/2006/relationships" xmlns:p="http://schemas.openxmlformats.org/presentationml/2006/main">
-  <p:cSld>
-    <p:spTree>
-      <p:nvGrpSpPr>
-        <p:cNvPr id="1" name=""/>
-        <p:cNvGrpSpPr/>
-        <p:nvPr/>
-      </p:nvGrpSpPr>
-      <p:grpSpPr>
-        <a:xfrm>
-          <a:off x="0" y="0"/>
-          <a:ext cx="0" cy="0"/>
-          <a:chOff x="0" y="0"/>
-          <a:chExt cx="0" cy="0"/>
-        </a:xfrm>
-      </p:grpSpPr>
-      <p:sp>
-        <p:nvSpPr>
-          <p:cNvPr id="2" name="Title 1"/>
-          <p:cNvSpPr>
-            <a:spLocks noGrp="1"/>
-          </p:cNvSpPr>
-          <p:nvPr>
-            <p:ph type="title"/>
-          </p:nvPr>
-        </p:nvSpPr>
-        <p:spPr>
-          <a:xfrm>
-            <a:off x="2592925" y="407542"/>
-            <a:ext cx="8911687" cy="964058"/>
-          </a:xfrm>
-        </p:spPr>
-        <p:txBody>
-          <a:bodyPr>
-            <a:normAutofit/>
-          </a:bodyPr>
-          <a:lstStyle/>
-          <a:p>
-            <a:pPr algn="r" rtl="1"/>
-            <a:r>
-              <a:rPr lang="fa-IR" sz="4800" b="1" dirty="0" smtClean="0">
-                <a:solidFill>
-                  <a:schemeClr val="accent6">
-                    <a:lumMod val="75000"/>
-                  </a:schemeClr>
-                </a:solidFill>
-                <a:latin typeface="B Nazanin+ Regular" panose="01000506000000020004" pitchFamily="2" charset="-78"/>
-                <a:cs typeface="B Nazanin+ Regular" panose="01000506000000020004" pitchFamily="2" charset="-78"/>
-              </a:rPr>
-              <a:t>چارچوب </a:t>
-            </a:r>
-            <a:endParaRPr lang="en-US" sz="4800" b="1" dirty="0">
-              <a:solidFill>
-                <a:schemeClr val="accent6">
-                  <a:lumMod val="75000"/>
-                </a:schemeClr>
-              </a:solidFill>
-              <a:latin typeface="B Nazanin+ Regular" panose="01000506000000020004" pitchFamily="2" charset="-78"/>
-              <a:cs typeface="B Nazanin+ Regular" panose="01000506000000020004" pitchFamily="2" charset="-78"/>
-            </a:endParaRPr>
-          </a:p>
-        </p:txBody>
-      </p:sp>
-      <p:sp>
-        <p:nvSpPr>
-          <p:cNvPr id="3" name="Content Placeholder 2"/>
-          <p:cNvSpPr>
-            <a:spLocks noGrp="1"/>
-          </p:cNvSpPr>
-          <p:nvPr>
-            <p:ph idx="1"/>
-          </p:nvPr>
-        </p:nvSpPr>
-        <p:spPr>
-          <a:xfrm>
-            <a:off x="2081463" y="1371600"/>
-            <a:ext cx="9423149" cy="5125453"/>
-          </a:xfrm>
-        </p:spPr>
-        <p:txBody>
-          <a:bodyPr>
-            <a:normAutofit/>
-          </a:bodyPr>
-          <a:lstStyle/>
-          <a:p>
-            <a:pPr algn="r" rtl="1">
-              <a:buFont typeface="Wingdings" panose="05000000000000000000" pitchFamily="2" charset="2"/>
-              <a:buChar char="v"/>
-            </a:pPr>
-            <a:r>
-              <a:rPr lang="en-US" sz="3200" dirty="0" smtClean="0">
-                <a:solidFill>
-                  <a:schemeClr val="tx1"/>
-                </a:solidFill>
-                <a:latin typeface="B Nazanin+ Regular" panose="01000506000000020004" pitchFamily="2" charset="-78"/>
-                <a:cs typeface="B Nazanin+ Regular" panose="01000506000000020004" pitchFamily="2" charset="-78"/>
-              </a:rPr>
-              <a:t>  </a:t>
-            </a:r>
-            <a:r>
-              <a:rPr lang="fa-IR" sz="3200" dirty="0" smtClean="0">
-                <a:solidFill>
-                  <a:schemeClr val="tx1"/>
-                </a:solidFill>
-                <a:latin typeface="B Nazanin+ Regular" panose="01000506000000020004" pitchFamily="2" charset="-78"/>
-                <a:cs typeface="B Nazanin+ Regular" panose="01000506000000020004" pitchFamily="2" charset="-78"/>
-              </a:rPr>
-              <a:t>مقدمه </a:t>
-            </a:r>
-          </a:p>
-          <a:p>
-            <a:pPr algn="r" rtl="1">
-              <a:buFont typeface="Wingdings" panose="05000000000000000000" pitchFamily="2" charset="2"/>
-              <a:buChar char="v"/>
-            </a:pPr>
-            <a:r>
-              <a:rPr lang="fa-IR" sz="3200" dirty="0">
-                <a:solidFill>
-                  <a:schemeClr val="tx1"/>
-                </a:solidFill>
-                <a:latin typeface="B Nazanin+ Regular" panose="01000506000000020004" pitchFamily="2" charset="-78"/>
-                <a:cs typeface="B Nazanin+ Regular" panose="01000506000000020004" pitchFamily="2" charset="-78"/>
-              </a:rPr>
-              <a:t> </a:t>
-            </a:r>
-            <a:r>
-              <a:rPr lang="en-US" sz="3200" dirty="0" smtClean="0">
-                <a:solidFill>
-                  <a:schemeClr val="tx1"/>
-                </a:solidFill>
-                <a:latin typeface="B Nazanin+ Regular" panose="01000506000000020004" pitchFamily="2" charset="-78"/>
-                <a:cs typeface="B Nazanin+ Regular" panose="01000506000000020004" pitchFamily="2" charset="-78"/>
-              </a:rPr>
-              <a:t> </a:t>
-            </a:r>
-            <a:r>
-              <a:rPr lang="fa-IR" sz="3200" dirty="0" smtClean="0">
-                <a:solidFill>
-                  <a:schemeClr val="tx1"/>
-                </a:solidFill>
-                <a:latin typeface="B Nazanin+ Regular" panose="01000506000000020004" pitchFamily="2" charset="-78"/>
-                <a:cs typeface="B Nazanin+ Regular" panose="01000506000000020004" pitchFamily="2" charset="-78"/>
-              </a:rPr>
-              <a:t>پروکسی (</a:t>
-            </a:r>
-            <a:r>
-              <a:rPr lang="en-US" sz="3200" dirty="0" smtClean="0">
-                <a:solidFill>
-                  <a:schemeClr val="tx1"/>
-                </a:solidFill>
-                <a:latin typeface="B Nazanin+ Regular" panose="01000506000000020004" pitchFamily="2" charset="-78"/>
-                <a:cs typeface="B Nazanin+ Regular" panose="01000506000000020004" pitchFamily="2" charset="-78"/>
-              </a:rPr>
-              <a:t>proxy</a:t>
-            </a:r>
-            <a:r>
-              <a:rPr lang="fa-IR" sz="3200" dirty="0" smtClean="0">
-                <a:solidFill>
-                  <a:schemeClr val="tx1"/>
-                </a:solidFill>
-                <a:latin typeface="B Nazanin+ Regular" panose="01000506000000020004" pitchFamily="2" charset="-78"/>
-                <a:cs typeface="B Nazanin+ Regular" panose="01000506000000020004" pitchFamily="2" charset="-78"/>
-              </a:rPr>
-              <a:t>)</a:t>
-            </a:r>
-            <a:endParaRPr lang="en-US" sz="3200" dirty="0" smtClean="0">
-              <a:solidFill>
-                <a:schemeClr val="tx1"/>
-              </a:solidFill>
-              <a:latin typeface="B Nazanin+ Regular" panose="01000506000000020004" pitchFamily="2" charset="-78"/>
-              <a:cs typeface="B Nazanin+ Regular" panose="01000506000000020004" pitchFamily="2" charset="-78"/>
-            </a:endParaRPr>
-          </a:p>
-          <a:p>
-            <a:pPr algn="r" rtl="1">
-              <a:buFont typeface="Wingdings" panose="05000000000000000000" pitchFamily="2" charset="2"/>
-              <a:buChar char="v"/>
-            </a:pPr>
-            <a:r>
-              <a:rPr lang="en-US" sz="3200" dirty="0" smtClean="0">
-                <a:solidFill>
-                  <a:schemeClr val="tx1"/>
-                </a:solidFill>
-                <a:latin typeface="B Nazanin+ Regular" panose="01000506000000020004" pitchFamily="2" charset="-78"/>
-                <a:cs typeface="B Nazanin+ Regular" panose="01000506000000020004" pitchFamily="2" charset="-78"/>
-              </a:rPr>
-              <a:t> TLS  </a:t>
-            </a:r>
-            <a:r>
-              <a:rPr lang="fa-IR" sz="3200" dirty="0" smtClean="0">
-                <a:solidFill>
-                  <a:schemeClr val="tx1"/>
-                </a:solidFill>
-                <a:latin typeface="B Nazanin+ Regular" panose="01000506000000020004" pitchFamily="2" charset="-78"/>
-                <a:cs typeface="B Nazanin+ Regular" panose="01000506000000020004" pitchFamily="2" charset="-78"/>
-              </a:rPr>
-              <a:t>و </a:t>
-            </a:r>
-            <a:r>
-              <a:rPr lang="en-US" sz="3200" dirty="0" smtClean="0">
-                <a:solidFill>
-                  <a:schemeClr val="tx1"/>
-                </a:solidFill>
-                <a:latin typeface="B Nazanin+ Regular" panose="01000506000000020004" pitchFamily="2" charset="-78"/>
-                <a:cs typeface="B Nazanin+ Regular" panose="01000506000000020004" pitchFamily="2" charset="-78"/>
-              </a:rPr>
-              <a:t>SSL</a:t>
-            </a:r>
-          </a:p>
-          <a:p>
-            <a:pPr algn="r" rtl="1">
-              <a:buFont typeface="Wingdings" panose="05000000000000000000" pitchFamily="2" charset="2"/>
-              <a:buChar char="v"/>
-            </a:pPr>
-            <a:r>
-              <a:rPr lang="en-US" sz="3200" dirty="0">
-                <a:solidFill>
-                  <a:schemeClr val="tx1"/>
-                </a:solidFill>
-                <a:latin typeface="B Nazanin+ Regular" panose="01000506000000020004" pitchFamily="2" charset="-78"/>
-                <a:cs typeface="B Nazanin+ Regular" panose="01000506000000020004" pitchFamily="2" charset="-78"/>
-              </a:rPr>
-              <a:t> </a:t>
-            </a:r>
-            <a:r>
-              <a:rPr lang="fa-IR" sz="3200" dirty="0" smtClean="0">
-                <a:solidFill>
-                  <a:schemeClr val="tx1"/>
-                </a:solidFill>
-                <a:latin typeface="B Nazanin+ Regular" panose="01000506000000020004" pitchFamily="2" charset="-78"/>
-                <a:cs typeface="B Nazanin+ Regular" panose="01000506000000020004" pitchFamily="2" charset="-78"/>
-              </a:rPr>
-              <a:t>کدگذاری </a:t>
-            </a:r>
-            <a:endParaRPr lang="en-US" sz="3200" dirty="0" smtClean="0">
-              <a:solidFill>
-                <a:schemeClr val="tx1"/>
-              </a:solidFill>
-              <a:latin typeface="B Nazanin+ Regular" panose="01000506000000020004" pitchFamily="2" charset="-78"/>
-              <a:cs typeface="B Nazanin+ Regular" panose="01000506000000020004" pitchFamily="2" charset="-78"/>
-            </a:endParaRPr>
-          </a:p>
-          <a:p>
-            <a:pPr algn="r" rtl="1">
-              <a:buFont typeface="Wingdings" panose="05000000000000000000" pitchFamily="2" charset="2"/>
-              <a:buChar char="v"/>
-            </a:pPr>
-            <a:r>
-              <a:rPr lang="en-US" sz="3200" dirty="0">
-                <a:solidFill>
-                  <a:schemeClr val="tx1"/>
-                </a:solidFill>
-                <a:latin typeface="B Nazanin+ Regular" panose="01000506000000020004" pitchFamily="2" charset="-78"/>
-                <a:cs typeface="B Nazanin+ Regular" panose="01000506000000020004" pitchFamily="2" charset="-78"/>
-              </a:rPr>
-              <a:t> </a:t>
-            </a:r>
-            <a:r>
-              <a:rPr lang="fa-IR" sz="3200" dirty="0" smtClean="0">
-                <a:solidFill>
-                  <a:schemeClr val="tx1"/>
-                </a:solidFill>
-                <a:latin typeface="B Nazanin+ Regular" panose="01000506000000020004" pitchFamily="2" charset="-78"/>
-                <a:cs typeface="B Nazanin+ Regular" panose="01000506000000020004" pitchFamily="2" charset="-78"/>
-              </a:rPr>
-              <a:t>گواهی نامه ی </a:t>
-            </a:r>
-            <a:r>
-              <a:rPr lang="en-US" sz="3200" dirty="0" smtClean="0">
-                <a:solidFill>
-                  <a:schemeClr val="tx1"/>
-                </a:solidFill>
-                <a:latin typeface="B Nazanin+ Regular" panose="01000506000000020004" pitchFamily="2" charset="-78"/>
-                <a:cs typeface="B Nazanin+ Regular" panose="01000506000000020004" pitchFamily="2" charset="-78"/>
-              </a:rPr>
-              <a:t>SSL </a:t>
-            </a:r>
-            <a:r>
-              <a:rPr lang="fa-IR" sz="3200" dirty="0" smtClean="0">
-                <a:solidFill>
-                  <a:schemeClr val="tx1"/>
-                </a:solidFill>
-                <a:latin typeface="B Nazanin+ Regular" panose="01000506000000020004" pitchFamily="2" charset="-78"/>
-                <a:cs typeface="B Nazanin+ Regular" panose="01000506000000020004" pitchFamily="2" charset="-78"/>
-              </a:rPr>
-              <a:t> یا </a:t>
-            </a:r>
-            <a:r>
-              <a:rPr lang="en-US" sz="3200" dirty="0" smtClean="0">
-                <a:solidFill>
-                  <a:schemeClr val="tx1"/>
-                </a:solidFill>
-                <a:latin typeface="B Nazanin+ Regular" panose="01000506000000020004" pitchFamily="2" charset="-78"/>
-                <a:cs typeface="B Nazanin+ Regular" panose="01000506000000020004" pitchFamily="2" charset="-78"/>
-              </a:rPr>
-              <a:t>TLS</a:t>
-            </a:r>
-            <a:endParaRPr lang="fa-IR" sz="3200" dirty="0" smtClean="0">
-              <a:solidFill>
-                <a:schemeClr val="tx1"/>
-              </a:solidFill>
-              <a:latin typeface="B Nazanin+ Regular" panose="01000506000000020004" pitchFamily="2" charset="-78"/>
-              <a:cs typeface="B Nazanin+ Regular" panose="01000506000000020004" pitchFamily="2" charset="-78"/>
-            </a:endParaRPr>
-          </a:p>
-          <a:p>
-            <a:pPr algn="r" rtl="1">
-              <a:buFont typeface="Wingdings" panose="05000000000000000000" pitchFamily="2" charset="2"/>
-              <a:buChar char="v"/>
-            </a:pPr>
-            <a:r>
-              <a:rPr lang="en-US" sz="3200" dirty="0" smtClean="0">
-                <a:solidFill>
-                  <a:schemeClr val="tx1"/>
-                </a:solidFill>
-                <a:latin typeface="B Nazanin+ Regular" panose="01000506000000020004" pitchFamily="2" charset="-78"/>
-                <a:cs typeface="B Nazanin+ Regular" panose="01000506000000020004" pitchFamily="2" charset="-78"/>
-              </a:rPr>
-              <a:t> </a:t>
-            </a:r>
-            <a:r>
-              <a:rPr lang="fa-IR" sz="3200" dirty="0" smtClean="0">
-                <a:solidFill>
-                  <a:schemeClr val="tx1"/>
-                </a:solidFill>
-                <a:latin typeface="B Nazanin+ Regular" panose="01000506000000020004" pitchFamily="2" charset="-78"/>
-                <a:cs typeface="B Nazanin+ Regular" panose="01000506000000020004" pitchFamily="2" charset="-78"/>
-              </a:rPr>
-              <a:t>ارزیابی کارائی پروتکل </a:t>
-            </a:r>
-            <a:r>
-              <a:rPr lang="en-US" sz="3200" dirty="0" smtClean="0">
-                <a:solidFill>
-                  <a:schemeClr val="tx1"/>
-                </a:solidFill>
-                <a:latin typeface="B Nazanin+ Regular" panose="01000506000000020004" pitchFamily="2" charset="-78"/>
-                <a:cs typeface="B Nazanin+ Regular" panose="01000506000000020004" pitchFamily="2" charset="-78"/>
-              </a:rPr>
-              <a:t>HTTPS</a:t>
-            </a:r>
-            <a:endParaRPr lang="fa-IR" sz="3200" dirty="0" smtClean="0">
-              <a:solidFill>
-                <a:schemeClr val="tx1"/>
-              </a:solidFill>
-              <a:latin typeface="B Nazanin+ Regular" panose="01000506000000020004" pitchFamily="2" charset="-78"/>
-              <a:cs typeface="B Nazanin+ Regular" panose="01000506000000020004" pitchFamily="2" charset="-78"/>
-            </a:endParaRPr>
-          </a:p>
-          <a:p>
-            <a:pPr algn="r" rtl="1">
-              <a:buFont typeface="Wingdings" panose="05000000000000000000" pitchFamily="2" charset="2"/>
-              <a:buChar char="v"/>
-            </a:pPr>
-            <a:r>
-              <a:rPr lang="fa-IR" sz="3200" dirty="0" smtClean="0">
-                <a:solidFill>
-                  <a:schemeClr val="tx1"/>
-                </a:solidFill>
-                <a:latin typeface="B Nazanin+ Regular" panose="01000506000000020004" pitchFamily="2" charset="-78"/>
-                <a:cs typeface="B Nazanin+ Regular" panose="01000506000000020004" pitchFamily="2" charset="-78"/>
-              </a:rPr>
-              <a:t>مراجع </a:t>
-            </a:r>
-            <a:endParaRPr lang="en-US" sz="3200" dirty="0">
-              <a:solidFill>
-                <a:schemeClr val="tx1"/>
-              </a:solidFill>
-              <a:latin typeface="B Nazanin+ Regular" panose="01000506000000020004" pitchFamily="2" charset="-78"/>
-              <a:cs typeface="B Nazanin+ Regular" panose="01000506000000020004" pitchFamily="2" charset="-78"/>
-            </a:endParaRPr>
-          </a:p>
-        </p:txBody>
-      </p:sp>
-    </p:spTree>
-    <p:extLst>
-      <p:ext uri="{BB962C8B-B14F-4D97-AF65-F5344CB8AC3E}">
-        <p14:creationId xmlns:p14="http://schemas.microsoft.com/office/powerpoint/2010/main" val="2919587434"/>
-      </p:ext>
-    </p:extLst>
-  </p:cSld>
-  <p:clrMapOvr>
-    <a:masterClrMapping/>
-  </p:clrMapOvr>
-  <p:timing>
-    <p:tnLst>
-      <p:par>
-        <p:cTn id="1" dur="indefinite" restart="never" nodeType="tmRoot"/>
-      </p:par>
-    </p:tnLst>
-  </p:timing>
-</p:sld>
-</file>
-
-<file path=ppt/slides/slide20.xml><?xml version="1.0" encoding="utf-8"?>
+<file path=ppt/slides/slide18.xml><?xml version="1.0" encoding="utf-8"?>
 <p:sld xmlns:a="http://schemas.openxmlformats.org/drawingml/2006/main" xmlns:r="http://schemas.openxmlformats.org/officeDocument/2006/relationships" xmlns:p="http://schemas.openxmlformats.org/presentationml/2006/main">
   <p:cSld>
     <p:spTree>
@@ -11058,7 +9788,7 @@
 </p:sld>
 </file>
 
-<file path=ppt/slides/slide21.xml><?xml version="1.0" encoding="utf-8"?>
+<file path=ppt/slides/slide19.xml><?xml version="1.0" encoding="utf-8"?>
 <p:sld xmlns:a="http://schemas.openxmlformats.org/drawingml/2006/main" xmlns:r="http://schemas.openxmlformats.org/officeDocument/2006/relationships" xmlns:p="http://schemas.openxmlformats.org/presentationml/2006/main">
   <p:cSld>
     <p:spTree>
@@ -11276,7 +10006,437 @@
 </p:sld>
 </file>
 
-<file path=ppt/slides/slide22.xml><?xml version="1.0" encoding="utf-8"?>
+<file path=ppt/slides/slide2.xml><?xml version="1.0" encoding="utf-8"?>
+<p:sld xmlns:a="http://schemas.openxmlformats.org/drawingml/2006/main" xmlns:r="http://schemas.openxmlformats.org/officeDocument/2006/relationships" xmlns:p="http://schemas.openxmlformats.org/presentationml/2006/main">
+  <p:cSld>
+    <p:spTree>
+      <p:nvGrpSpPr>
+        <p:cNvPr id="1" name=""/>
+        <p:cNvGrpSpPr/>
+        <p:nvPr/>
+      </p:nvGrpSpPr>
+      <p:grpSpPr>
+        <a:xfrm>
+          <a:off x="0" y="0"/>
+          <a:ext cx="0" cy="0"/>
+          <a:chOff x="0" y="0"/>
+          <a:chExt cx="0" cy="0"/>
+        </a:xfrm>
+      </p:grpSpPr>
+      <p:sp>
+        <p:nvSpPr>
+          <p:cNvPr id="2" name="Title 1"/>
+          <p:cNvSpPr>
+            <a:spLocks noGrp="1"/>
+          </p:cNvSpPr>
+          <p:nvPr>
+            <p:ph type="title"/>
+          </p:nvPr>
+        </p:nvSpPr>
+        <p:spPr>
+          <a:xfrm>
+            <a:off x="2592925" y="407542"/>
+            <a:ext cx="8911687" cy="964058"/>
+          </a:xfrm>
+        </p:spPr>
+        <p:txBody>
+          <a:bodyPr>
+            <a:normAutofit/>
+          </a:bodyPr>
+          <a:lstStyle/>
+          <a:p>
+            <a:pPr algn="r" rtl="1"/>
+            <a:r>
+              <a:rPr lang="fa-IR" sz="4800" b="1" dirty="0" smtClean="0">
+                <a:solidFill>
+                  <a:schemeClr val="accent6">
+                    <a:lumMod val="75000"/>
+                  </a:schemeClr>
+                </a:solidFill>
+                <a:latin typeface="B Nazanin+ Regular" panose="01000506000000020004" pitchFamily="2" charset="-78"/>
+                <a:cs typeface="B Nazanin+ Regular" panose="01000506000000020004" pitchFamily="2" charset="-78"/>
+              </a:rPr>
+              <a:t>چارچوب </a:t>
+            </a:r>
+            <a:endParaRPr lang="en-US" sz="4800" b="1" dirty="0">
+              <a:solidFill>
+                <a:schemeClr val="accent6">
+                  <a:lumMod val="75000"/>
+                </a:schemeClr>
+              </a:solidFill>
+              <a:latin typeface="B Nazanin+ Regular" panose="01000506000000020004" pitchFamily="2" charset="-78"/>
+              <a:cs typeface="B Nazanin+ Regular" panose="01000506000000020004" pitchFamily="2" charset="-78"/>
+            </a:endParaRPr>
+          </a:p>
+        </p:txBody>
+      </p:sp>
+      <p:sp>
+        <p:nvSpPr>
+          <p:cNvPr id="3" name="Content Placeholder 2"/>
+          <p:cNvSpPr>
+            <a:spLocks noGrp="1"/>
+          </p:cNvSpPr>
+          <p:nvPr>
+            <p:ph idx="1"/>
+          </p:nvPr>
+        </p:nvSpPr>
+        <p:spPr>
+          <a:xfrm>
+            <a:off x="2081463" y="1371600"/>
+            <a:ext cx="9423149" cy="5125453"/>
+          </a:xfrm>
+        </p:spPr>
+        <p:txBody>
+          <a:bodyPr>
+            <a:normAutofit/>
+          </a:bodyPr>
+          <a:lstStyle/>
+          <a:p>
+            <a:pPr algn="r" rtl="1">
+              <a:lnSpc>
+                <a:spcPct val="150000"/>
+              </a:lnSpc>
+              <a:buFont typeface="Wingdings" panose="05000000000000000000" pitchFamily="2" charset="2"/>
+              <a:buChar char="v"/>
+            </a:pPr>
+            <a:r>
+              <a:rPr lang="en-US" sz="3200" dirty="0" smtClean="0">
+                <a:solidFill>
+                  <a:schemeClr val="tx1"/>
+                </a:solidFill>
+                <a:latin typeface="B Nazanin+ Regular" panose="01000506000000020004" pitchFamily="2" charset="-78"/>
+                <a:cs typeface="B Nazanin+ Regular" panose="01000506000000020004" pitchFamily="2" charset="-78"/>
+              </a:rPr>
+              <a:t>  </a:t>
+            </a:r>
+            <a:r>
+              <a:rPr lang="fa-IR" sz="3200" dirty="0" smtClean="0">
+                <a:solidFill>
+                  <a:schemeClr val="tx1"/>
+                </a:solidFill>
+                <a:latin typeface="B Nazanin+ Regular" panose="01000506000000020004" pitchFamily="2" charset="-78"/>
+                <a:cs typeface="B Nazanin+ Regular" panose="01000506000000020004" pitchFamily="2" charset="-78"/>
+              </a:rPr>
+              <a:t>مقدمه </a:t>
+            </a:r>
+          </a:p>
+          <a:p>
+            <a:pPr algn="r" rtl="1">
+              <a:buFont typeface="Wingdings" panose="05000000000000000000" pitchFamily="2" charset="2"/>
+              <a:buChar char="v"/>
+            </a:pPr>
+            <a:r>
+              <a:rPr lang="fa-IR" sz="3200" dirty="0" smtClean="0">
+                <a:solidFill>
+                  <a:schemeClr val="bg1">
+                    <a:lumMod val="75000"/>
+                  </a:schemeClr>
+                </a:solidFill>
+                <a:latin typeface="B Nazanin+ Regular" panose="01000506000000020004" pitchFamily="2" charset="-78"/>
+                <a:cs typeface="B Nazanin+ Regular" panose="01000506000000020004" pitchFamily="2" charset="-78"/>
+              </a:rPr>
+              <a:t> </a:t>
+            </a:r>
+            <a:r>
+              <a:rPr lang="en-US" sz="3200" dirty="0" smtClean="0">
+                <a:solidFill>
+                  <a:schemeClr val="bg1">
+                    <a:lumMod val="75000"/>
+                  </a:schemeClr>
+                </a:solidFill>
+                <a:latin typeface="B Nazanin+ Regular" panose="01000506000000020004" pitchFamily="2" charset="-78"/>
+                <a:cs typeface="B Nazanin+ Regular" panose="01000506000000020004" pitchFamily="2" charset="-78"/>
+              </a:rPr>
+              <a:t> </a:t>
+            </a:r>
+            <a:r>
+              <a:rPr lang="fa-IR" sz="3200" dirty="0" smtClean="0">
+                <a:solidFill>
+                  <a:schemeClr val="bg1">
+                    <a:lumMod val="75000"/>
+                  </a:schemeClr>
+                </a:solidFill>
+                <a:latin typeface="B Nazanin+ Regular" panose="01000506000000020004" pitchFamily="2" charset="-78"/>
+                <a:cs typeface="B Nazanin+ Regular" panose="01000506000000020004" pitchFamily="2" charset="-78"/>
+              </a:rPr>
+              <a:t>پروکسی</a:t>
+            </a:r>
+            <a:r>
+              <a:rPr lang="fa-IR" sz="3200" dirty="0" smtClean="0">
+                <a:solidFill>
+                  <a:schemeClr val="bg1">
+                    <a:lumMod val="75000"/>
+                  </a:schemeClr>
+                </a:solidFill>
+                <a:latin typeface="B Nazanin+ Regular" panose="01000506000000020004" pitchFamily="2" charset="-78"/>
+                <a:cs typeface="B Nazanin+ Regular" panose="01000506000000020004" pitchFamily="2" charset="-78"/>
+              </a:rPr>
+              <a:t> سرور</a:t>
+            </a:r>
+            <a:r>
+              <a:rPr lang="fa-IR" sz="3200" dirty="0" smtClean="0">
+                <a:solidFill>
+                  <a:schemeClr val="bg1">
+                    <a:lumMod val="75000"/>
+                  </a:schemeClr>
+                </a:solidFill>
+                <a:latin typeface="B Nazanin+ Regular" panose="01000506000000020004" pitchFamily="2" charset="-78"/>
+                <a:cs typeface="B Nazanin+ Regular" panose="01000506000000020004" pitchFamily="2" charset="-78"/>
+              </a:rPr>
+              <a:t> (</a:t>
+            </a:r>
+            <a:r>
+              <a:rPr lang="en-US" sz="3200" dirty="0" smtClean="0">
+                <a:solidFill>
+                  <a:schemeClr val="bg1">
+                    <a:lumMod val="75000"/>
+                  </a:schemeClr>
+                </a:solidFill>
+                <a:latin typeface="B Nazanin+ Regular" panose="01000506000000020004" pitchFamily="2" charset="-78"/>
+                <a:cs typeface="B Nazanin+ Regular" panose="01000506000000020004" pitchFamily="2" charset="-78"/>
+              </a:rPr>
+              <a:t>proxy</a:t>
+            </a:r>
+            <a:r>
+              <a:rPr lang="fa-IR" sz="3200" dirty="0" smtClean="0">
+                <a:solidFill>
+                  <a:schemeClr val="bg1">
+                    <a:lumMod val="75000"/>
+                  </a:schemeClr>
+                </a:solidFill>
+                <a:latin typeface="B Nazanin+ Regular" panose="01000506000000020004" pitchFamily="2" charset="-78"/>
+                <a:cs typeface="B Nazanin+ Regular" panose="01000506000000020004" pitchFamily="2" charset="-78"/>
+              </a:rPr>
+              <a:t>)</a:t>
+            </a:r>
+            <a:endParaRPr lang="en-US" sz="3200" dirty="0" smtClean="0">
+              <a:solidFill>
+                <a:schemeClr val="bg1">
+                  <a:lumMod val="75000"/>
+                </a:schemeClr>
+              </a:solidFill>
+              <a:latin typeface="B Nazanin+ Regular" panose="01000506000000020004" pitchFamily="2" charset="-78"/>
+              <a:cs typeface="B Nazanin+ Regular" panose="01000506000000020004" pitchFamily="2" charset="-78"/>
+            </a:endParaRPr>
+          </a:p>
+          <a:p>
+            <a:pPr algn="r" rtl="1">
+              <a:buFont typeface="Wingdings" panose="05000000000000000000" pitchFamily="2" charset="2"/>
+              <a:buChar char="v"/>
+            </a:pPr>
+            <a:r>
+              <a:rPr lang="en-US" sz="3200" dirty="0" smtClean="0">
+                <a:solidFill>
+                  <a:schemeClr val="bg1">
+                    <a:lumMod val="75000"/>
+                  </a:schemeClr>
+                </a:solidFill>
+                <a:latin typeface="B Nazanin+ Regular" panose="01000506000000020004" pitchFamily="2" charset="-78"/>
+                <a:cs typeface="B Nazanin+ Regular" panose="01000506000000020004" pitchFamily="2" charset="-78"/>
+              </a:rPr>
+              <a:t> </a:t>
+            </a:r>
+            <a:r>
+              <a:rPr lang="en-US" sz="3200" dirty="0" smtClean="0">
+                <a:solidFill>
+                  <a:schemeClr val="bg1">
+                    <a:lumMod val="75000"/>
+                  </a:schemeClr>
+                </a:solidFill>
+                <a:latin typeface="B Nazanin+ Regular" panose="01000506000000020004" pitchFamily="2" charset="-78"/>
+                <a:cs typeface="B Nazanin+ Regular" panose="01000506000000020004" pitchFamily="2" charset="-78"/>
+              </a:rPr>
+              <a:t>TLS  </a:t>
+            </a:r>
+            <a:r>
+              <a:rPr lang="fa-IR" sz="3200" dirty="0" smtClean="0">
+                <a:solidFill>
+                  <a:schemeClr val="bg1">
+                    <a:lumMod val="75000"/>
+                  </a:schemeClr>
+                </a:solidFill>
+                <a:latin typeface="B Nazanin+ Regular" panose="01000506000000020004" pitchFamily="2" charset="-78"/>
+                <a:cs typeface="B Nazanin+ Regular" panose="01000506000000020004" pitchFamily="2" charset="-78"/>
+              </a:rPr>
+              <a:t>و </a:t>
+            </a:r>
+            <a:r>
+              <a:rPr lang="en-US" sz="3200" dirty="0" smtClean="0">
+                <a:solidFill>
+                  <a:schemeClr val="bg1">
+                    <a:lumMod val="75000"/>
+                  </a:schemeClr>
+                </a:solidFill>
+                <a:latin typeface="B Nazanin+ Regular" panose="01000506000000020004" pitchFamily="2" charset="-78"/>
+                <a:cs typeface="B Nazanin+ Regular" panose="01000506000000020004" pitchFamily="2" charset="-78"/>
+              </a:rPr>
+              <a:t>SSL</a:t>
+            </a:r>
+          </a:p>
+          <a:p>
+            <a:pPr algn="r" rtl="1">
+              <a:buFont typeface="Wingdings" panose="05000000000000000000" pitchFamily="2" charset="2"/>
+              <a:buChar char="v"/>
+            </a:pPr>
+            <a:r>
+              <a:rPr lang="en-US" sz="3200" dirty="0">
+                <a:solidFill>
+                  <a:schemeClr val="bg1">
+                    <a:lumMod val="75000"/>
+                  </a:schemeClr>
+                </a:solidFill>
+                <a:latin typeface="B Nazanin+ Regular" panose="01000506000000020004" pitchFamily="2" charset="-78"/>
+                <a:cs typeface="B Nazanin+ Regular" panose="01000506000000020004" pitchFamily="2" charset="-78"/>
+              </a:rPr>
+              <a:t> </a:t>
+            </a:r>
+            <a:r>
+              <a:rPr lang="fa-IR" sz="3200" dirty="0" smtClean="0">
+                <a:solidFill>
+                  <a:schemeClr val="bg1">
+                    <a:lumMod val="75000"/>
+                  </a:schemeClr>
+                </a:solidFill>
+                <a:latin typeface="B Nazanin+ Regular" panose="01000506000000020004" pitchFamily="2" charset="-78"/>
+                <a:cs typeface="B Nazanin+ Regular" panose="01000506000000020004" pitchFamily="2" charset="-78"/>
+              </a:rPr>
+              <a:t>کدگذاری </a:t>
+            </a:r>
+            <a:endParaRPr lang="en-US" sz="3200" dirty="0" smtClean="0">
+              <a:solidFill>
+                <a:schemeClr val="bg1">
+                  <a:lumMod val="75000"/>
+                </a:schemeClr>
+              </a:solidFill>
+              <a:latin typeface="B Nazanin+ Regular" panose="01000506000000020004" pitchFamily="2" charset="-78"/>
+              <a:cs typeface="B Nazanin+ Regular" panose="01000506000000020004" pitchFamily="2" charset="-78"/>
+            </a:endParaRPr>
+          </a:p>
+          <a:p>
+            <a:pPr algn="r" rtl="1">
+              <a:buFont typeface="Wingdings" panose="05000000000000000000" pitchFamily="2" charset="2"/>
+              <a:buChar char="v"/>
+            </a:pPr>
+            <a:r>
+              <a:rPr lang="en-US" sz="3200" dirty="0">
+                <a:solidFill>
+                  <a:schemeClr val="bg1">
+                    <a:lumMod val="75000"/>
+                  </a:schemeClr>
+                </a:solidFill>
+                <a:latin typeface="B Nazanin+ Regular" panose="01000506000000020004" pitchFamily="2" charset="-78"/>
+                <a:cs typeface="B Nazanin+ Regular" panose="01000506000000020004" pitchFamily="2" charset="-78"/>
+              </a:rPr>
+              <a:t> </a:t>
+            </a:r>
+            <a:r>
+              <a:rPr lang="fa-IR" sz="3200" dirty="0" smtClean="0">
+                <a:solidFill>
+                  <a:schemeClr val="bg1">
+                    <a:lumMod val="75000"/>
+                  </a:schemeClr>
+                </a:solidFill>
+                <a:latin typeface="B Nazanin+ Regular" panose="01000506000000020004" pitchFamily="2" charset="-78"/>
+                <a:cs typeface="B Nazanin+ Regular" panose="01000506000000020004" pitchFamily="2" charset="-78"/>
+              </a:rPr>
+              <a:t>گواهی نامه ی </a:t>
+            </a:r>
+            <a:r>
+              <a:rPr lang="en-US" sz="3200" dirty="0" smtClean="0">
+                <a:solidFill>
+                  <a:schemeClr val="bg1">
+                    <a:lumMod val="75000"/>
+                  </a:schemeClr>
+                </a:solidFill>
+                <a:latin typeface="B Nazanin+ Regular" panose="01000506000000020004" pitchFamily="2" charset="-78"/>
+                <a:cs typeface="B Nazanin+ Regular" panose="01000506000000020004" pitchFamily="2" charset="-78"/>
+              </a:rPr>
+              <a:t>SSL </a:t>
+            </a:r>
+            <a:r>
+              <a:rPr lang="fa-IR" sz="3200" dirty="0" smtClean="0">
+                <a:solidFill>
+                  <a:schemeClr val="bg1">
+                    <a:lumMod val="75000"/>
+                  </a:schemeClr>
+                </a:solidFill>
+                <a:latin typeface="B Nazanin+ Regular" panose="01000506000000020004" pitchFamily="2" charset="-78"/>
+                <a:cs typeface="B Nazanin+ Regular" panose="01000506000000020004" pitchFamily="2" charset="-78"/>
+              </a:rPr>
+              <a:t> یا </a:t>
+            </a:r>
+            <a:r>
+              <a:rPr lang="en-US" sz="3200" dirty="0" smtClean="0">
+                <a:solidFill>
+                  <a:schemeClr val="bg1">
+                    <a:lumMod val="75000"/>
+                  </a:schemeClr>
+                </a:solidFill>
+                <a:latin typeface="B Nazanin+ Regular" panose="01000506000000020004" pitchFamily="2" charset="-78"/>
+                <a:cs typeface="B Nazanin+ Regular" panose="01000506000000020004" pitchFamily="2" charset="-78"/>
+              </a:rPr>
+              <a:t>TLS</a:t>
+            </a:r>
+            <a:endParaRPr lang="fa-IR" sz="3200" dirty="0" smtClean="0">
+              <a:solidFill>
+                <a:schemeClr val="bg1">
+                  <a:lumMod val="75000"/>
+                </a:schemeClr>
+              </a:solidFill>
+              <a:latin typeface="B Nazanin+ Regular" panose="01000506000000020004" pitchFamily="2" charset="-78"/>
+              <a:cs typeface="B Nazanin+ Regular" panose="01000506000000020004" pitchFamily="2" charset="-78"/>
+            </a:endParaRPr>
+          </a:p>
+          <a:p>
+            <a:pPr algn="r" rtl="1">
+              <a:buFont typeface="Wingdings" panose="05000000000000000000" pitchFamily="2" charset="2"/>
+              <a:buChar char="v"/>
+            </a:pPr>
+            <a:r>
+              <a:rPr lang="fa-IR" sz="3200" dirty="0" smtClean="0">
+                <a:solidFill>
+                  <a:schemeClr val="bg1">
+                    <a:lumMod val="75000"/>
+                  </a:schemeClr>
+                </a:solidFill>
+                <a:latin typeface="B Nazanin+ Regular" panose="01000506000000020004" pitchFamily="2" charset="-78"/>
+                <a:cs typeface="B Nazanin+ Regular" panose="01000506000000020004" pitchFamily="2" charset="-78"/>
+              </a:rPr>
+              <a:t>مراجع </a:t>
+            </a:r>
+            <a:endParaRPr lang="en-US" sz="3200" dirty="0">
+              <a:solidFill>
+                <a:schemeClr val="bg1">
+                  <a:lumMod val="75000"/>
+                </a:schemeClr>
+              </a:solidFill>
+              <a:latin typeface="B Nazanin+ Regular" panose="01000506000000020004" pitchFamily="2" charset="-78"/>
+              <a:cs typeface="B Nazanin+ Regular" panose="01000506000000020004" pitchFamily="2" charset="-78"/>
+            </a:endParaRPr>
+          </a:p>
+        </p:txBody>
+      </p:sp>
+    </p:spTree>
+    <p:extLst>
+      <p:ext uri="{BB962C8B-B14F-4D97-AF65-F5344CB8AC3E}">
+        <p14:creationId xmlns:p14="http://schemas.microsoft.com/office/powerpoint/2010/main" val="3425042692"/>
+      </p:ext>
+    </p:extLst>
+  </p:cSld>
+  <p:clrMapOvr>
+    <a:masterClrMapping/>
+  </p:clrMapOvr>
+  <p:timing>
+    <p:tnLst>
+      <p:par>
+        <p:cTn id="1" dur="indefinite" restart="never" nodeType="tmRoot"/>
+      </p:par>
+    </p:tnLst>
+  </p:timing>
+</p:sld>
+</file>
+
+<file path=ppt/slides/slide20.xml><?xml version="1.0" encoding="utf-8"?>
 <p:sld xmlns:a="http://schemas.openxmlformats.org/drawingml/2006/main" xmlns:r="http://schemas.openxmlformats.org/officeDocument/2006/relationships" xmlns:p="http://schemas.openxmlformats.org/presentationml/2006/main">
   <p:cSld>
     <p:spTree>
@@ -11458,7 +10618,7 @@
 </p:sld>
 </file>
 
-<file path=ppt/slides/slide23.xml><?xml version="1.0" encoding="utf-8"?>
+<file path=ppt/slides/slide21.xml><?xml version="1.0" encoding="utf-8"?>
 <p:sld xmlns:a="http://schemas.openxmlformats.org/drawingml/2006/main" xmlns:r="http://schemas.openxmlformats.org/officeDocument/2006/relationships" xmlns:p="http://schemas.openxmlformats.org/presentationml/2006/main">
   <p:cSld>
     <p:spTree>
@@ -11672,6 +10832,465 @@
 </p:sld>
 </file>
 
+<file path=ppt/slides/slide22.xml><?xml version="1.0" encoding="utf-8"?>
+<p:sld xmlns:a="http://schemas.openxmlformats.org/drawingml/2006/main" xmlns:r="http://schemas.openxmlformats.org/officeDocument/2006/relationships" xmlns:p="http://schemas.openxmlformats.org/presentationml/2006/main">
+  <p:cSld>
+    <p:spTree>
+      <p:nvGrpSpPr>
+        <p:cNvPr id="1" name=""/>
+        <p:cNvGrpSpPr/>
+        <p:nvPr/>
+      </p:nvGrpSpPr>
+      <p:grpSpPr>
+        <a:xfrm>
+          <a:off x="0" y="0"/>
+          <a:ext cx="0" cy="0"/>
+          <a:chOff x="0" y="0"/>
+          <a:chExt cx="0" cy="0"/>
+        </a:xfrm>
+      </p:grpSpPr>
+      <p:sp>
+        <p:nvSpPr>
+          <p:cNvPr id="2" name="Title 1"/>
+          <p:cNvSpPr>
+            <a:spLocks noGrp="1"/>
+          </p:cNvSpPr>
+          <p:nvPr>
+            <p:ph type="title"/>
+          </p:nvPr>
+        </p:nvSpPr>
+        <p:spPr>
+          <a:xfrm>
+            <a:off x="2592925" y="407542"/>
+            <a:ext cx="8911687" cy="964058"/>
+          </a:xfrm>
+        </p:spPr>
+        <p:txBody>
+          <a:bodyPr>
+            <a:normAutofit/>
+          </a:bodyPr>
+          <a:lstStyle/>
+          <a:p>
+            <a:pPr algn="r" rtl="1"/>
+            <a:r>
+              <a:rPr lang="fa-IR" sz="4800" b="1" dirty="0" smtClean="0">
+                <a:solidFill>
+                  <a:schemeClr val="accent6">
+                    <a:lumMod val="75000"/>
+                  </a:schemeClr>
+                </a:solidFill>
+                <a:latin typeface="B Nazanin+ Regular" panose="01000506000000020004" pitchFamily="2" charset="-78"/>
+                <a:cs typeface="B Nazanin+ Regular" panose="01000506000000020004" pitchFamily="2" charset="-78"/>
+              </a:rPr>
+              <a:t>گواهی نامه ی </a:t>
+            </a:r>
+            <a:r>
+              <a:rPr lang="en-US" sz="4800" b="1" dirty="0" smtClean="0">
+                <a:solidFill>
+                  <a:schemeClr val="accent6">
+                    <a:lumMod val="75000"/>
+                  </a:schemeClr>
+                </a:solidFill>
+                <a:latin typeface="B Nazanin+ Regular" panose="01000506000000020004" pitchFamily="2" charset="-78"/>
+                <a:cs typeface="B Nazanin+ Regular" panose="01000506000000020004" pitchFamily="2" charset="-78"/>
+              </a:rPr>
+              <a:t>SSL / TLS</a:t>
+            </a:r>
+            <a:endParaRPr lang="en-US" sz="4800" b="1" dirty="0">
+              <a:solidFill>
+                <a:schemeClr val="accent6">
+                  <a:lumMod val="75000"/>
+                </a:schemeClr>
+              </a:solidFill>
+              <a:latin typeface="B Nazanin+ Regular" panose="01000506000000020004" pitchFamily="2" charset="-78"/>
+              <a:cs typeface="B Nazanin+ Regular" panose="01000506000000020004" pitchFamily="2" charset="-78"/>
+            </a:endParaRPr>
+          </a:p>
+        </p:txBody>
+      </p:sp>
+      <p:sp>
+        <p:nvSpPr>
+          <p:cNvPr id="3" name="Content Placeholder 2"/>
+          <p:cNvSpPr>
+            <a:spLocks noGrp="1"/>
+          </p:cNvSpPr>
+          <p:nvPr>
+            <p:ph idx="1"/>
+          </p:nvPr>
+        </p:nvSpPr>
+        <p:spPr>
+          <a:xfrm>
+            <a:off x="1503947" y="1371600"/>
+            <a:ext cx="10000665" cy="5125453"/>
+          </a:xfrm>
+        </p:spPr>
+        <p:txBody>
+          <a:bodyPr>
+            <a:noAutofit/>
+          </a:bodyPr>
+          <a:lstStyle/>
+          <a:p>
+            <a:pPr algn="r" rtl="1">
+              <a:buFont typeface="Wingdings" panose="05000000000000000000" pitchFamily="2" charset="2"/>
+              <a:buChar char="v"/>
+            </a:pPr>
+            <a:r>
+              <a:rPr lang="en-US" sz="3400" b="1" dirty="0" smtClean="0">
+                <a:solidFill>
+                  <a:schemeClr val="tx1"/>
+                </a:solidFill>
+                <a:latin typeface="B Nazanin+ Regular" panose="01000506000000020004" pitchFamily="2" charset="-78"/>
+                <a:cs typeface="B Nazanin+ Regular" panose="01000506000000020004" pitchFamily="2" charset="-78"/>
+              </a:rPr>
+              <a:t> </a:t>
+            </a:r>
+            <a:r>
+              <a:rPr lang="fa-IR" sz="3400" b="1" dirty="0">
+                <a:solidFill>
+                  <a:schemeClr val="tx1"/>
+                </a:solidFill>
+                <a:latin typeface="B Nazanin+ Regular" panose="01000506000000020004" pitchFamily="2" charset="-78"/>
+                <a:cs typeface="B Nazanin+ Regular" panose="01000506000000020004" pitchFamily="2" charset="-78"/>
+              </a:rPr>
+              <a:t>برای استفاده از پروتکل </a:t>
+            </a:r>
+            <a:r>
+              <a:rPr lang="en-US" sz="3400" b="1" dirty="0">
+                <a:solidFill>
+                  <a:schemeClr val="tx1"/>
+                </a:solidFill>
+                <a:latin typeface="B Nazanin+ Regular" panose="01000506000000020004" pitchFamily="2" charset="-78"/>
+                <a:cs typeface="B Nazanin+ Regular" panose="01000506000000020004" pitchFamily="2" charset="-78"/>
+              </a:rPr>
+              <a:t>SSL, HTTPS </a:t>
+            </a:r>
+            <a:r>
+              <a:rPr lang="fa-IR" sz="3400" b="1" dirty="0" smtClean="0">
+                <a:solidFill>
+                  <a:schemeClr val="tx1"/>
+                </a:solidFill>
+                <a:latin typeface="B Nazanin+ Regular" panose="01000506000000020004" pitchFamily="2" charset="-78"/>
+                <a:cs typeface="B Nazanin+ Regular" panose="01000506000000020004" pitchFamily="2" charset="-78"/>
+              </a:rPr>
+              <a:t> نیاز به </a:t>
+            </a:r>
+            <a:r>
+              <a:rPr lang="fa-IR" sz="3400" b="1" dirty="0">
+                <a:solidFill>
+                  <a:schemeClr val="tx1"/>
+                </a:solidFill>
+                <a:latin typeface="B Nazanin+ Regular" panose="01000506000000020004" pitchFamily="2" charset="-78"/>
+                <a:cs typeface="B Nazanin+ Regular" panose="01000506000000020004" pitchFamily="2" charset="-78"/>
+              </a:rPr>
+              <a:t>یک گواهینامه </a:t>
+            </a:r>
+            <a:r>
+              <a:rPr lang="fa-IR" sz="3400" b="1" dirty="0" smtClean="0">
+                <a:solidFill>
+                  <a:schemeClr val="tx1"/>
+                </a:solidFill>
+                <a:latin typeface="B Nazanin+ Regular" panose="01000506000000020004" pitchFamily="2" charset="-78"/>
+                <a:cs typeface="B Nazanin+ Regular" panose="01000506000000020004" pitchFamily="2" charset="-78"/>
+              </a:rPr>
+              <a:t>امنیتی دارد </a:t>
+            </a:r>
+          </a:p>
+          <a:p>
+            <a:pPr algn="r" rtl="1">
+              <a:buFont typeface="Wingdings" panose="05000000000000000000" pitchFamily="2" charset="2"/>
+              <a:buChar char="v"/>
+            </a:pPr>
+            <a:r>
+              <a:rPr lang="fa-IR" sz="3400" b="1" dirty="0" smtClean="0">
+                <a:solidFill>
+                  <a:schemeClr val="tx1"/>
+                </a:solidFill>
+                <a:latin typeface="B Nazanin+ Regular" panose="01000506000000020004" pitchFamily="2" charset="-78"/>
+                <a:cs typeface="B Nazanin+ Regular" panose="01000506000000020004" pitchFamily="2" charset="-78"/>
+              </a:rPr>
+              <a:t>این گواهی را شرکتهای </a:t>
+            </a:r>
+            <a:r>
+              <a:rPr lang="fa-IR" sz="3400" b="1" dirty="0">
+                <a:solidFill>
+                  <a:schemeClr val="tx1"/>
+                </a:solidFill>
+                <a:latin typeface="B Nazanin+ Regular" panose="01000506000000020004" pitchFamily="2" charset="-78"/>
+                <a:cs typeface="B Nazanin+ Regular" panose="01000506000000020004" pitchFamily="2" charset="-78"/>
+              </a:rPr>
+              <a:t>بین المللی صادر </a:t>
+            </a:r>
+            <a:r>
+              <a:rPr lang="fa-IR" sz="3400" b="1" dirty="0" smtClean="0">
+                <a:solidFill>
+                  <a:schemeClr val="tx1"/>
+                </a:solidFill>
+                <a:latin typeface="B Nazanin+ Regular" panose="01000506000000020004" pitchFamily="2" charset="-78"/>
+                <a:cs typeface="B Nazanin+ Regular" panose="01000506000000020004" pitchFamily="2" charset="-78"/>
+              </a:rPr>
+              <a:t>می کنند .</a:t>
+            </a:r>
+          </a:p>
+          <a:p>
+            <a:pPr algn="r" rtl="1">
+              <a:buFont typeface="Wingdings" panose="05000000000000000000" pitchFamily="2" charset="2"/>
+              <a:buChar char="v"/>
+            </a:pPr>
+            <a:r>
+              <a:rPr lang="fa-IR" sz="3400" b="1" dirty="0">
+                <a:solidFill>
+                  <a:schemeClr val="tx1"/>
+                </a:solidFill>
+                <a:latin typeface="B Nazanin+ Regular" panose="01000506000000020004" pitchFamily="2" charset="-78"/>
+                <a:cs typeface="B Nazanin+ Regular" panose="01000506000000020004" pitchFamily="2" charset="-78"/>
+              </a:rPr>
+              <a:t> </a:t>
+            </a:r>
+            <a:r>
+              <a:rPr lang="fa-IR" sz="3400" b="1" dirty="0">
+                <a:solidFill>
+                  <a:schemeClr val="tx1"/>
+                </a:solidFill>
+                <a:latin typeface="B Nazanin+ Regular" panose="01000506000000020004" pitchFamily="2" charset="-78"/>
+                <a:cs typeface="B Nazanin+ Regular" panose="01000506000000020004" pitchFamily="2" charset="-78"/>
+              </a:rPr>
+              <a:t>این گواهینامه توسط </a:t>
+            </a:r>
+            <a:r>
+              <a:rPr lang="fa-IR" sz="3400" b="1" dirty="0" smtClean="0">
+                <a:solidFill>
+                  <a:schemeClr val="tx1"/>
+                </a:solidFill>
+                <a:latin typeface="B Nazanin+ Regular" panose="01000506000000020004" pitchFamily="2" charset="-78"/>
+                <a:cs typeface="B Nazanin+ Regular" panose="01000506000000020004" pitchFamily="2" charset="-78"/>
+              </a:rPr>
+              <a:t>شرکت هائی صادر می شود که به آنها</a:t>
+            </a:r>
+            <a:r>
+              <a:rPr lang="en-US" sz="3400" b="1" dirty="0" smtClean="0">
+                <a:solidFill>
+                  <a:schemeClr val="tx1"/>
+                </a:solidFill>
+                <a:latin typeface="B Nazanin+ Regular" panose="01000506000000020004" pitchFamily="2" charset="-78"/>
+                <a:cs typeface="B Nazanin+ Regular" panose="01000506000000020004" pitchFamily="2" charset="-78"/>
+              </a:rPr>
+              <a:t>C.A </a:t>
+            </a:r>
+            <a:r>
+              <a:rPr lang="fa-IR" sz="3400" b="1" dirty="0" smtClean="0">
+                <a:solidFill>
+                  <a:schemeClr val="tx1"/>
+                </a:solidFill>
+                <a:latin typeface="B Nazanin+ Regular" panose="01000506000000020004" pitchFamily="2" charset="-78"/>
+                <a:cs typeface="B Nazanin+ Regular" panose="01000506000000020004" pitchFamily="2" charset="-78"/>
+              </a:rPr>
+              <a:t> یا  </a:t>
+            </a:r>
+            <a:r>
+              <a:rPr lang="en-US" sz="3400" b="1" dirty="0">
+                <a:solidFill>
+                  <a:schemeClr val="tx1"/>
+                </a:solidFill>
+                <a:latin typeface="B Nazanin+ Regular" panose="01000506000000020004" pitchFamily="2" charset="-78"/>
+                <a:cs typeface="B Nazanin+ Regular" panose="01000506000000020004" pitchFamily="2" charset="-78"/>
+              </a:rPr>
+              <a:t>Certification Authority </a:t>
+            </a:r>
+            <a:r>
+              <a:rPr lang="fa-IR" sz="3400" b="1" dirty="0" smtClean="0">
+                <a:solidFill>
+                  <a:schemeClr val="tx1"/>
+                </a:solidFill>
+                <a:latin typeface="B Nazanin+ Regular" panose="01000506000000020004" pitchFamily="2" charset="-78"/>
+                <a:cs typeface="B Nazanin+ Regular" panose="01000506000000020004" pitchFamily="2" charset="-78"/>
+              </a:rPr>
+              <a:t> گفته می شود</a:t>
+            </a:r>
+            <a:endParaRPr lang="fa-IR" sz="3400" b="1" dirty="0" smtClean="0">
+              <a:solidFill>
+                <a:schemeClr val="tx1"/>
+              </a:solidFill>
+              <a:latin typeface="B Nazanin+ Regular" panose="01000506000000020004" pitchFamily="2" charset="-78"/>
+              <a:cs typeface="B Nazanin+ Regular" panose="01000506000000020004" pitchFamily="2" charset="-78"/>
+            </a:endParaRPr>
+          </a:p>
+        </p:txBody>
+      </p:sp>
+    </p:spTree>
+    <p:extLst>
+      <p:ext uri="{BB962C8B-B14F-4D97-AF65-F5344CB8AC3E}">
+        <p14:creationId xmlns:p14="http://schemas.microsoft.com/office/powerpoint/2010/main" val="3861130516"/>
+      </p:ext>
+    </p:extLst>
+  </p:cSld>
+  <p:clrMapOvr>
+    <a:masterClrMapping/>
+  </p:clrMapOvr>
+  <p:timing>
+    <p:tnLst>
+      <p:par>
+        <p:cTn id="1" dur="indefinite" restart="never" nodeType="tmRoot"/>
+      </p:par>
+    </p:tnLst>
+  </p:timing>
+</p:sld>
+</file>
+
+<file path=ppt/slides/slide23.xml><?xml version="1.0" encoding="utf-8"?>
+<p:sld xmlns:a="http://schemas.openxmlformats.org/drawingml/2006/main" xmlns:r="http://schemas.openxmlformats.org/officeDocument/2006/relationships" xmlns:p="http://schemas.openxmlformats.org/presentationml/2006/main">
+  <p:cSld>
+    <p:spTree>
+      <p:nvGrpSpPr>
+        <p:cNvPr id="1" name=""/>
+        <p:cNvGrpSpPr/>
+        <p:nvPr/>
+      </p:nvGrpSpPr>
+      <p:grpSpPr>
+        <a:xfrm>
+          <a:off x="0" y="0"/>
+          <a:ext cx="0" cy="0"/>
+          <a:chOff x="0" y="0"/>
+          <a:chExt cx="0" cy="0"/>
+        </a:xfrm>
+      </p:grpSpPr>
+      <p:sp>
+        <p:nvSpPr>
+          <p:cNvPr id="2" name="Title 1"/>
+          <p:cNvSpPr>
+            <a:spLocks noGrp="1"/>
+          </p:cNvSpPr>
+          <p:nvPr>
+            <p:ph type="title"/>
+          </p:nvPr>
+        </p:nvSpPr>
+        <p:spPr>
+          <a:xfrm>
+            <a:off x="2592925" y="407542"/>
+            <a:ext cx="8911687" cy="964058"/>
+          </a:xfrm>
+        </p:spPr>
+        <p:txBody>
+          <a:bodyPr>
+            <a:normAutofit/>
+          </a:bodyPr>
+          <a:lstStyle/>
+          <a:p>
+            <a:pPr algn="r" rtl="1"/>
+            <a:r>
+              <a:rPr lang="fa-IR" sz="4800" b="1" dirty="0" smtClean="0">
+                <a:solidFill>
+                  <a:schemeClr val="accent6">
+                    <a:lumMod val="75000"/>
+                  </a:schemeClr>
+                </a:solidFill>
+                <a:latin typeface="B Nazanin+ Regular" panose="01000506000000020004" pitchFamily="2" charset="-78"/>
+                <a:cs typeface="B Nazanin+ Regular" panose="01000506000000020004" pitchFamily="2" charset="-78"/>
+              </a:rPr>
+              <a:t>گواهی نامه ی </a:t>
+            </a:r>
+            <a:r>
+              <a:rPr lang="en-US" sz="4800" b="1" dirty="0" smtClean="0">
+                <a:solidFill>
+                  <a:schemeClr val="accent6">
+                    <a:lumMod val="75000"/>
+                  </a:schemeClr>
+                </a:solidFill>
+                <a:latin typeface="B Nazanin+ Regular" panose="01000506000000020004" pitchFamily="2" charset="-78"/>
+                <a:cs typeface="B Nazanin+ Regular" panose="01000506000000020004" pitchFamily="2" charset="-78"/>
+              </a:rPr>
+              <a:t>SSL / TLS</a:t>
+            </a:r>
+            <a:endParaRPr lang="en-US" sz="4800" b="1" dirty="0">
+              <a:solidFill>
+                <a:schemeClr val="accent6">
+                  <a:lumMod val="75000"/>
+                </a:schemeClr>
+              </a:solidFill>
+              <a:latin typeface="B Nazanin+ Regular" panose="01000506000000020004" pitchFamily="2" charset="-78"/>
+              <a:cs typeface="B Nazanin+ Regular" panose="01000506000000020004" pitchFamily="2" charset="-78"/>
+            </a:endParaRPr>
+          </a:p>
+        </p:txBody>
+      </p:sp>
+      <p:pic>
+        <p:nvPicPr>
+          <p:cNvPr id="4" name="Content Placeholder 3"/>
+          <p:cNvPicPr>
+            <a:picLocks noGrp="1" noChangeAspect="1"/>
+          </p:cNvPicPr>
+          <p:nvPr>
+            <p:ph idx="1"/>
+          </p:nvPr>
+        </p:nvPicPr>
+        <p:blipFill>
+          <a:blip r:embed="rId2">
+            <a:extLst>
+              <a:ext uri="{28A0092B-C50C-407E-A947-70E740481C1C}">
+                <a14:useLocalDpi xmlns:a14="http://schemas.microsoft.com/office/drawing/2010/main" val="0"/>
+              </a:ext>
+            </a:extLst>
+          </a:blip>
+          <a:stretch>
+            <a:fillRect/>
+          </a:stretch>
+        </p:blipFill>
+        <p:spPr>
+          <a:xfrm>
+            <a:off x="539750" y="2718177"/>
+            <a:ext cx="5191125" cy="3552825"/>
+          </a:xfrm>
+        </p:spPr>
+      </p:pic>
+      <p:pic>
+        <p:nvPicPr>
+          <p:cNvPr id="5" name="Picture 4"/>
+          <p:cNvPicPr>
+            <a:picLocks noChangeAspect="1"/>
+          </p:cNvPicPr>
+          <p:nvPr/>
+        </p:nvPicPr>
+        <p:blipFill>
+          <a:blip r:embed="rId3">
+            <a:extLst>
+              <a:ext uri="{28A0092B-C50C-407E-A947-70E740481C1C}">
+                <a14:useLocalDpi xmlns:a14="http://schemas.microsoft.com/office/drawing/2010/main" val="0"/>
+              </a:ext>
+            </a:extLst>
+          </a:blip>
+          <a:stretch>
+            <a:fillRect/>
+          </a:stretch>
+        </p:blipFill>
+        <p:spPr>
+          <a:xfrm>
+            <a:off x="5837237" y="2718177"/>
+            <a:ext cx="5667375" cy="3552825"/>
+          </a:xfrm>
+          <a:prstGeom prst="rect">
+            <a:avLst/>
+          </a:prstGeom>
+        </p:spPr>
+      </p:pic>
+    </p:spTree>
+    <p:extLst>
+      <p:ext uri="{BB962C8B-B14F-4D97-AF65-F5344CB8AC3E}">
+        <p14:creationId xmlns:p14="http://schemas.microsoft.com/office/powerpoint/2010/main" val="373666092"/>
+      </p:ext>
+    </p:extLst>
+  </p:cSld>
+  <p:clrMapOvr>
+    <a:masterClrMapping/>
+  </p:clrMapOvr>
+  <p:timing>
+    <p:tnLst>
+      <p:par>
+        <p:cTn id="1" dur="indefinite" restart="never" nodeType="tmRoot"/>
+      </p:par>
+    </p:tnLst>
+  </p:timing>
+</p:sld>
+</file>
+
 <file path=ppt/slides/slide24.xml><?xml version="1.0" encoding="utf-8"?>
 <p:sld xmlns:a="http://schemas.openxmlformats.org/drawingml/2006/main" xmlns:r="http://schemas.openxmlformats.org/officeDocument/2006/relationships" xmlns:p="http://schemas.openxmlformats.org/presentationml/2006/main">
   <p:cSld>
@@ -11722,31 +11341,7 @@
                 <a:latin typeface="B Nazanin+ Regular" panose="01000506000000020004" pitchFamily="2" charset="-78"/>
                 <a:cs typeface="B Nazanin+ Regular" panose="01000506000000020004" pitchFamily="2" charset="-78"/>
               </a:rPr>
-              <a:t>هزینه ی پروتکل </a:t>
-            </a:r>
-            <a:r>
-              <a:rPr lang="en-US" sz="4800" b="1" dirty="0" smtClean="0">
-                <a:solidFill>
-                  <a:schemeClr val="accent6">
-                    <a:lumMod val="75000"/>
-                  </a:schemeClr>
-                </a:solidFill>
-                <a:latin typeface="B Nazanin+ Regular" panose="01000506000000020004" pitchFamily="2" charset="-78"/>
-                <a:cs typeface="B Nazanin+ Regular" panose="01000506000000020004" pitchFamily="2" charset="-78"/>
-              </a:rPr>
-              <a:t>HTTPS</a:t>
-            </a:r>
-            <a:r>
-              <a:rPr lang="fa-IR" sz="4800" b="1" dirty="0" smtClean="0">
-                <a:solidFill>
-                  <a:schemeClr val="accent6">
-                    <a:lumMod val="75000"/>
-                  </a:schemeClr>
-                </a:solidFill>
-                <a:latin typeface="B Nazanin+ Regular" panose="01000506000000020004" pitchFamily="2" charset="-78"/>
-                <a:cs typeface="B Nazanin+ Regular" panose="01000506000000020004" pitchFamily="2" charset="-78"/>
-              </a:rPr>
-              <a:t> </a:t>
+              <a:t>مراجع </a:t>
             </a:r>
             <a:endParaRPr lang="en-US" sz="4800" b="1" dirty="0">
               <a:solidFill>
@@ -11782,20 +11377,9 @@
           </a:bodyPr>
           <a:lstStyle/>
           <a:p>
-            <a:pPr algn="r" rtl="1">
-              <a:buFont typeface="Wingdings" panose="05000000000000000000" pitchFamily="2" charset="2"/>
-              <a:buChar char="v"/>
+            <a:pPr marL="0" indent="0" algn="r" rtl="1">
+              <a:buNone/>
             </a:pPr>
-            <a:r>
-              <a:rPr lang="fa-IR" sz="3600" b="1" dirty="0" smtClean="0">
-                <a:solidFill>
-                  <a:schemeClr val="tx1"/>
-                </a:solidFill>
-                <a:latin typeface="B Nazanin+ Regular" panose="01000506000000020004" pitchFamily="2" charset="-78"/>
-                <a:cs typeface="B Nazanin+ Regular" panose="01000506000000020004" pitchFamily="2" charset="-78"/>
-              </a:rPr>
-              <a:t>مقایسه ی سرعت انتقال داده</a:t>
-            </a:r>
             <a:endParaRPr lang="fa-IR" sz="3400" b="1" dirty="0" smtClean="0">
               <a:solidFill>
                 <a:schemeClr val="tx1"/>
@@ -11809,7 +11393,7 @@
     </p:spTree>
     <p:extLst>
       <p:ext uri="{BB962C8B-B14F-4D97-AF65-F5344CB8AC3E}">
-        <p14:creationId xmlns:p14="http://schemas.microsoft.com/office/powerpoint/2010/main" val="3313034710"/>
+        <p14:creationId xmlns:p14="http://schemas.microsoft.com/office/powerpoint/2010/main" val="1771146859"/>
       </p:ext>
     </p:extLst>
   </p:cSld>
@@ -11876,7 +11460,7 @@
                 <a:latin typeface="B Nazanin+ Regular" panose="01000506000000020004" pitchFamily="2" charset="-78"/>
                 <a:cs typeface="B Nazanin+ Regular" panose="01000506000000020004" pitchFamily="2" charset="-78"/>
               </a:rPr>
-              <a:t>چارچوب </a:t>
+              <a:t> </a:t>
             </a:r>
             <a:endParaRPr lang="en-US" sz="4800" b="1" dirty="0">
               <a:solidFill>
@@ -11902,494 +11486,21 @@
         </p:nvSpPr>
         <p:spPr>
           <a:xfrm>
-            <a:off x="2081463" y="1371600"/>
-            <a:ext cx="9423149" cy="5125453"/>
+            <a:off x="1503947" y="1371600"/>
+            <a:ext cx="10000665" cy="5125453"/>
           </a:xfrm>
         </p:spPr>
         <p:txBody>
           <a:bodyPr>
-            <a:normAutofit/>
+            <a:noAutofit/>
           </a:bodyPr>
           <a:lstStyle/>
           <a:p>
-            <a:pPr algn="r" rtl="1">
-              <a:buFont typeface="Wingdings" panose="05000000000000000000" pitchFamily="2" charset="2"/>
-              <a:buChar char="v"/>
+            <a:pPr marL="0" indent="0" algn="ctr" rtl="1">
+              <a:buNone/>
             </a:pPr>
             <a:r>
-              <a:rPr lang="en-US" sz="3200" dirty="0" smtClean="0">
-                <a:solidFill>
-                  <a:schemeClr val="tx2">
-                    <a:lumMod val="60000"/>
-                    <a:lumOff val="40000"/>
-                  </a:schemeClr>
-                </a:solidFill>
-                <a:latin typeface="B Nazanin+ Regular" panose="01000506000000020004" pitchFamily="2" charset="-78"/>
-                <a:cs typeface="B Nazanin+ Regular" panose="01000506000000020004" pitchFamily="2" charset="-78"/>
-              </a:rPr>
-              <a:t>  </a:t>
-            </a:r>
-            <a:r>
-              <a:rPr lang="fa-IR" sz="3200" dirty="0" smtClean="0">
-                <a:solidFill>
-                  <a:schemeClr val="tx1"/>
-                </a:solidFill>
-                <a:latin typeface="B Nazanin+ Regular" panose="01000506000000020004" pitchFamily="2" charset="-78"/>
-                <a:cs typeface="B Nazanin+ Regular" panose="01000506000000020004" pitchFamily="2" charset="-78"/>
-              </a:rPr>
-              <a:t>مقدمه </a:t>
-            </a:r>
-          </a:p>
-          <a:p>
-            <a:pPr algn="r" rtl="1">
-              <a:buFont typeface="Wingdings" panose="05000000000000000000" pitchFamily="2" charset="2"/>
-              <a:buChar char="v"/>
-            </a:pPr>
-            <a:r>
-              <a:rPr lang="fa-IR" sz="3200" dirty="0">
-                <a:solidFill>
-                  <a:schemeClr val="tx2">
-                    <a:lumMod val="60000"/>
-                    <a:lumOff val="40000"/>
-                  </a:schemeClr>
-                </a:solidFill>
-                <a:latin typeface="B Nazanin+ Regular" panose="01000506000000020004" pitchFamily="2" charset="-78"/>
-                <a:cs typeface="B Nazanin+ Regular" panose="01000506000000020004" pitchFamily="2" charset="-78"/>
-              </a:rPr>
-              <a:t> </a:t>
-            </a:r>
-            <a:r>
-              <a:rPr lang="en-US" sz="3200" dirty="0" smtClean="0">
-                <a:solidFill>
-                  <a:schemeClr val="tx2">
-                    <a:lumMod val="60000"/>
-                    <a:lumOff val="40000"/>
-                  </a:schemeClr>
-                </a:solidFill>
-                <a:latin typeface="B Nazanin+ Regular" panose="01000506000000020004" pitchFamily="2" charset="-78"/>
-                <a:cs typeface="B Nazanin+ Regular" panose="01000506000000020004" pitchFamily="2" charset="-78"/>
-              </a:rPr>
-              <a:t> </a:t>
-            </a:r>
-            <a:r>
-              <a:rPr lang="fa-IR" sz="3200" dirty="0" smtClean="0">
-                <a:solidFill>
-                  <a:schemeClr val="bg1">
-                    <a:lumMod val="75000"/>
-                  </a:schemeClr>
-                </a:solidFill>
-                <a:latin typeface="B Nazanin+ Regular" panose="01000506000000020004" pitchFamily="2" charset="-78"/>
-                <a:cs typeface="B Nazanin+ Regular" panose="01000506000000020004" pitchFamily="2" charset="-78"/>
-              </a:rPr>
-              <a:t>پروکسی (</a:t>
-            </a:r>
-            <a:r>
-              <a:rPr lang="en-US" sz="3200" dirty="0" smtClean="0">
-                <a:solidFill>
-                  <a:schemeClr val="bg1">
-                    <a:lumMod val="75000"/>
-                  </a:schemeClr>
-                </a:solidFill>
-                <a:latin typeface="B Nazanin+ Regular" panose="01000506000000020004" pitchFamily="2" charset="-78"/>
-                <a:cs typeface="B Nazanin+ Regular" panose="01000506000000020004" pitchFamily="2" charset="-78"/>
-              </a:rPr>
-              <a:t>proxy</a:t>
-            </a:r>
-            <a:r>
-              <a:rPr lang="fa-IR" sz="3200" dirty="0" smtClean="0">
-                <a:solidFill>
-                  <a:schemeClr val="bg1">
-                    <a:lumMod val="75000"/>
-                  </a:schemeClr>
-                </a:solidFill>
-                <a:latin typeface="B Nazanin+ Regular" panose="01000506000000020004" pitchFamily="2" charset="-78"/>
-                <a:cs typeface="B Nazanin+ Regular" panose="01000506000000020004" pitchFamily="2" charset="-78"/>
-              </a:rPr>
-              <a:t>)</a:t>
-            </a:r>
-            <a:endParaRPr lang="en-US" sz="3200" dirty="0" smtClean="0">
-              <a:solidFill>
-                <a:schemeClr val="bg1">
-                  <a:lumMod val="75000"/>
-                </a:schemeClr>
-              </a:solidFill>
-              <a:latin typeface="B Nazanin+ Regular" panose="01000506000000020004" pitchFamily="2" charset="-78"/>
-              <a:cs typeface="B Nazanin+ Regular" panose="01000506000000020004" pitchFamily="2" charset="-78"/>
-            </a:endParaRPr>
-          </a:p>
-          <a:p>
-            <a:pPr algn="r" rtl="1">
-              <a:buFont typeface="Wingdings" panose="05000000000000000000" pitchFamily="2" charset="2"/>
-              <a:buChar char="v"/>
-            </a:pPr>
-            <a:r>
-              <a:rPr lang="en-US" sz="3200" dirty="0" smtClean="0">
-                <a:solidFill>
-                  <a:schemeClr val="bg1">
-                    <a:lumMod val="75000"/>
-                  </a:schemeClr>
-                </a:solidFill>
-                <a:latin typeface="B Nazanin+ Regular" panose="01000506000000020004" pitchFamily="2" charset="-78"/>
-                <a:cs typeface="B Nazanin+ Regular" panose="01000506000000020004" pitchFamily="2" charset="-78"/>
-              </a:rPr>
-              <a:t> TLS  </a:t>
-            </a:r>
-            <a:r>
-              <a:rPr lang="fa-IR" sz="3200" dirty="0" smtClean="0">
-                <a:solidFill>
-                  <a:schemeClr val="bg1">
-                    <a:lumMod val="75000"/>
-                  </a:schemeClr>
-                </a:solidFill>
-                <a:latin typeface="B Nazanin+ Regular" panose="01000506000000020004" pitchFamily="2" charset="-78"/>
-                <a:cs typeface="B Nazanin+ Regular" panose="01000506000000020004" pitchFamily="2" charset="-78"/>
-              </a:rPr>
-              <a:t>و </a:t>
-            </a:r>
-            <a:r>
-              <a:rPr lang="en-US" sz="3200" dirty="0" smtClean="0">
-                <a:solidFill>
-                  <a:schemeClr val="bg1">
-                    <a:lumMod val="75000"/>
-                  </a:schemeClr>
-                </a:solidFill>
-                <a:latin typeface="B Nazanin+ Regular" panose="01000506000000020004" pitchFamily="2" charset="-78"/>
-                <a:cs typeface="B Nazanin+ Regular" panose="01000506000000020004" pitchFamily="2" charset="-78"/>
-              </a:rPr>
-              <a:t>SSL</a:t>
-            </a:r>
-          </a:p>
-          <a:p>
-            <a:pPr algn="r" rtl="1">
-              <a:buFont typeface="Wingdings" panose="05000000000000000000" pitchFamily="2" charset="2"/>
-              <a:buChar char="v"/>
-            </a:pPr>
-            <a:r>
-              <a:rPr lang="en-US" sz="3200" dirty="0">
-                <a:solidFill>
-                  <a:schemeClr val="bg1">
-                    <a:lumMod val="75000"/>
-                  </a:schemeClr>
-                </a:solidFill>
-                <a:latin typeface="B Nazanin+ Regular" panose="01000506000000020004" pitchFamily="2" charset="-78"/>
-                <a:cs typeface="B Nazanin+ Regular" panose="01000506000000020004" pitchFamily="2" charset="-78"/>
-              </a:rPr>
-              <a:t> </a:t>
-            </a:r>
-            <a:r>
-              <a:rPr lang="fa-IR" sz="3200" dirty="0" smtClean="0">
-                <a:solidFill>
-                  <a:schemeClr val="bg1">
-                    <a:lumMod val="75000"/>
-                  </a:schemeClr>
-                </a:solidFill>
-                <a:latin typeface="B Nazanin+ Regular" panose="01000506000000020004" pitchFamily="2" charset="-78"/>
-                <a:cs typeface="B Nazanin+ Regular" panose="01000506000000020004" pitchFamily="2" charset="-78"/>
-              </a:rPr>
-              <a:t>کدگذاری </a:t>
-            </a:r>
-            <a:endParaRPr lang="en-US" sz="3200" dirty="0" smtClean="0">
-              <a:solidFill>
-                <a:schemeClr val="bg1">
-                  <a:lumMod val="75000"/>
-                </a:schemeClr>
-              </a:solidFill>
-              <a:latin typeface="B Nazanin+ Regular" panose="01000506000000020004" pitchFamily="2" charset="-78"/>
-              <a:cs typeface="B Nazanin+ Regular" panose="01000506000000020004" pitchFamily="2" charset="-78"/>
-            </a:endParaRPr>
-          </a:p>
-          <a:p>
-            <a:pPr algn="r" rtl="1">
-              <a:buFont typeface="Wingdings" panose="05000000000000000000" pitchFamily="2" charset="2"/>
-              <a:buChar char="v"/>
-            </a:pPr>
-            <a:r>
-              <a:rPr lang="en-US" sz="3200" dirty="0">
-                <a:solidFill>
-                  <a:schemeClr val="bg1">
-                    <a:lumMod val="75000"/>
-                  </a:schemeClr>
-                </a:solidFill>
-                <a:latin typeface="B Nazanin+ Regular" panose="01000506000000020004" pitchFamily="2" charset="-78"/>
-                <a:cs typeface="B Nazanin+ Regular" panose="01000506000000020004" pitchFamily="2" charset="-78"/>
-              </a:rPr>
-              <a:t> </a:t>
-            </a:r>
-            <a:r>
-              <a:rPr lang="fa-IR" sz="3200" dirty="0" smtClean="0">
-                <a:solidFill>
-                  <a:schemeClr val="bg1">
-                    <a:lumMod val="75000"/>
-                  </a:schemeClr>
-                </a:solidFill>
-                <a:latin typeface="B Nazanin+ Regular" panose="01000506000000020004" pitchFamily="2" charset="-78"/>
-                <a:cs typeface="B Nazanin+ Regular" panose="01000506000000020004" pitchFamily="2" charset="-78"/>
-              </a:rPr>
-              <a:t>گواهی نامه ی </a:t>
-            </a:r>
-            <a:r>
-              <a:rPr lang="en-US" sz="3200" dirty="0" smtClean="0">
-                <a:solidFill>
-                  <a:schemeClr val="bg1">
-                    <a:lumMod val="75000"/>
-                  </a:schemeClr>
-                </a:solidFill>
-                <a:latin typeface="B Nazanin+ Regular" panose="01000506000000020004" pitchFamily="2" charset="-78"/>
-                <a:cs typeface="B Nazanin+ Regular" panose="01000506000000020004" pitchFamily="2" charset="-78"/>
-              </a:rPr>
-              <a:t>SSL </a:t>
-            </a:r>
-            <a:r>
-              <a:rPr lang="fa-IR" sz="3200" dirty="0" smtClean="0">
-                <a:solidFill>
-                  <a:schemeClr val="bg1">
-                    <a:lumMod val="75000"/>
-                  </a:schemeClr>
-                </a:solidFill>
-                <a:latin typeface="B Nazanin+ Regular" panose="01000506000000020004" pitchFamily="2" charset="-78"/>
-                <a:cs typeface="B Nazanin+ Regular" panose="01000506000000020004" pitchFamily="2" charset="-78"/>
-              </a:rPr>
-              <a:t> یا </a:t>
-            </a:r>
-            <a:r>
-              <a:rPr lang="en-US" sz="3200" dirty="0" smtClean="0">
-                <a:solidFill>
-                  <a:schemeClr val="bg1">
-                    <a:lumMod val="75000"/>
-                  </a:schemeClr>
-                </a:solidFill>
-                <a:latin typeface="B Nazanin+ Regular" panose="01000506000000020004" pitchFamily="2" charset="-78"/>
-                <a:cs typeface="B Nazanin+ Regular" panose="01000506000000020004" pitchFamily="2" charset="-78"/>
-              </a:rPr>
-              <a:t>TLS</a:t>
-            </a:r>
-            <a:endParaRPr lang="fa-IR" sz="3200" dirty="0" smtClean="0">
-              <a:solidFill>
-                <a:schemeClr val="bg1">
-                  <a:lumMod val="75000"/>
-                </a:schemeClr>
-              </a:solidFill>
-              <a:latin typeface="B Nazanin+ Regular" panose="01000506000000020004" pitchFamily="2" charset="-78"/>
-              <a:cs typeface="B Nazanin+ Regular" panose="01000506000000020004" pitchFamily="2" charset="-78"/>
-            </a:endParaRPr>
-          </a:p>
-          <a:p>
-            <a:pPr algn="r" rtl="1">
-              <a:buFont typeface="Wingdings" panose="05000000000000000000" pitchFamily="2" charset="2"/>
-              <a:buChar char="v"/>
-            </a:pPr>
-            <a:r>
-              <a:rPr lang="en-US" sz="3200" dirty="0" smtClean="0">
-                <a:solidFill>
-                  <a:schemeClr val="bg1">
-                    <a:lumMod val="75000"/>
-                  </a:schemeClr>
-                </a:solidFill>
-                <a:latin typeface="B Nazanin+ Regular" panose="01000506000000020004" pitchFamily="2" charset="-78"/>
-                <a:cs typeface="B Nazanin+ Regular" panose="01000506000000020004" pitchFamily="2" charset="-78"/>
-              </a:rPr>
-              <a:t> </a:t>
-            </a:r>
-            <a:r>
-              <a:rPr lang="fa-IR" sz="3200" dirty="0" smtClean="0">
-                <a:solidFill>
-                  <a:schemeClr val="bg1">
-                    <a:lumMod val="75000"/>
-                  </a:schemeClr>
-                </a:solidFill>
-                <a:latin typeface="B Nazanin+ Regular" panose="01000506000000020004" pitchFamily="2" charset="-78"/>
-                <a:cs typeface="B Nazanin+ Regular" panose="01000506000000020004" pitchFamily="2" charset="-78"/>
-              </a:rPr>
-              <a:t>ارزیابی کارائی پروتکل </a:t>
-            </a:r>
-            <a:r>
-              <a:rPr lang="en-US" sz="3200" dirty="0" smtClean="0">
-                <a:solidFill>
-                  <a:schemeClr val="bg1">
-                    <a:lumMod val="75000"/>
-                  </a:schemeClr>
-                </a:solidFill>
-                <a:latin typeface="B Nazanin+ Regular" panose="01000506000000020004" pitchFamily="2" charset="-78"/>
-                <a:cs typeface="B Nazanin+ Regular" panose="01000506000000020004" pitchFamily="2" charset="-78"/>
-              </a:rPr>
-              <a:t>HTTPS</a:t>
-            </a:r>
-            <a:endParaRPr lang="fa-IR" sz="3200" dirty="0" smtClean="0">
-              <a:solidFill>
-                <a:schemeClr val="bg1">
-                  <a:lumMod val="75000"/>
-                </a:schemeClr>
-              </a:solidFill>
-              <a:latin typeface="B Nazanin+ Regular" panose="01000506000000020004" pitchFamily="2" charset="-78"/>
-              <a:cs typeface="B Nazanin+ Regular" panose="01000506000000020004" pitchFamily="2" charset="-78"/>
-            </a:endParaRPr>
-          </a:p>
-          <a:p>
-            <a:pPr algn="r" rtl="1">
-              <a:buFont typeface="Wingdings" panose="05000000000000000000" pitchFamily="2" charset="2"/>
-              <a:buChar char="v"/>
-            </a:pPr>
-            <a:r>
-              <a:rPr lang="fa-IR" sz="3200" dirty="0">
-                <a:solidFill>
-                  <a:schemeClr val="bg1">
-                    <a:lumMod val="75000"/>
-                  </a:schemeClr>
-                </a:solidFill>
-                <a:latin typeface="B Nazanin+ Regular" panose="01000506000000020004" pitchFamily="2" charset="-78"/>
-                <a:cs typeface="B Nazanin+ Regular" panose="01000506000000020004" pitchFamily="2" charset="-78"/>
-              </a:rPr>
-              <a:t> </a:t>
-            </a:r>
-            <a:r>
-              <a:rPr lang="fa-IR" sz="3200" dirty="0" smtClean="0">
-                <a:solidFill>
-                  <a:schemeClr val="bg1">
-                    <a:lumMod val="75000"/>
-                  </a:schemeClr>
-                </a:solidFill>
-                <a:latin typeface="B Nazanin+ Regular" panose="01000506000000020004" pitchFamily="2" charset="-78"/>
-                <a:cs typeface="B Nazanin+ Regular" panose="01000506000000020004" pitchFamily="2" charset="-78"/>
-              </a:rPr>
-              <a:t>در چه جاهائی باید از </a:t>
-            </a:r>
-            <a:r>
-              <a:rPr lang="en-US" sz="3200" dirty="0" smtClean="0">
-                <a:solidFill>
-                  <a:schemeClr val="bg1">
-                    <a:lumMod val="75000"/>
-                  </a:schemeClr>
-                </a:solidFill>
-                <a:latin typeface="B Nazanin+ Regular" panose="01000506000000020004" pitchFamily="2" charset="-78"/>
-                <a:cs typeface="B Nazanin+ Regular" panose="01000506000000020004" pitchFamily="2" charset="-78"/>
-              </a:rPr>
-              <a:t>HTTPS</a:t>
-            </a:r>
-            <a:r>
-              <a:rPr lang="fa-IR" sz="3200" dirty="0" smtClean="0">
-                <a:solidFill>
-                  <a:schemeClr val="bg1">
-                    <a:lumMod val="75000"/>
-                  </a:schemeClr>
-                </a:solidFill>
-                <a:latin typeface="B Nazanin+ Regular" panose="01000506000000020004" pitchFamily="2" charset="-78"/>
-                <a:cs typeface="B Nazanin+ Regular" panose="01000506000000020004" pitchFamily="2" charset="-78"/>
-              </a:rPr>
-              <a:t> استفاده کنیم .</a:t>
-            </a:r>
-            <a:endParaRPr lang="en-US" sz="3200" dirty="0" smtClean="0">
-              <a:solidFill>
-                <a:schemeClr val="bg1">
-                  <a:lumMod val="75000"/>
-                </a:schemeClr>
-              </a:solidFill>
-              <a:latin typeface="B Nazanin+ Regular" panose="01000506000000020004" pitchFamily="2" charset="-78"/>
-              <a:cs typeface="B Nazanin+ Regular" panose="01000506000000020004" pitchFamily="2" charset="-78"/>
-            </a:endParaRPr>
-          </a:p>
-          <a:p>
-            <a:pPr algn="r" rtl="1">
-              <a:buFont typeface="Wingdings" panose="05000000000000000000" pitchFamily="2" charset="2"/>
-              <a:buChar char="v"/>
-            </a:pPr>
-            <a:r>
-              <a:rPr lang="en-US" sz="3200" dirty="0">
-                <a:solidFill>
-                  <a:schemeClr val="bg1">
-                    <a:lumMod val="75000"/>
-                  </a:schemeClr>
-                </a:solidFill>
-                <a:latin typeface="B Nazanin+ Regular" panose="01000506000000020004" pitchFamily="2" charset="-78"/>
-                <a:cs typeface="B Nazanin+ Regular" panose="01000506000000020004" pitchFamily="2" charset="-78"/>
-              </a:rPr>
-              <a:t> </a:t>
-            </a:r>
-            <a:r>
-              <a:rPr lang="fa-IR" sz="3200" dirty="0" smtClean="0">
-                <a:solidFill>
-                  <a:schemeClr val="bg1">
-                    <a:lumMod val="75000"/>
-                  </a:schemeClr>
-                </a:solidFill>
-                <a:latin typeface="B Nazanin+ Regular" panose="01000506000000020004" pitchFamily="2" charset="-78"/>
-                <a:cs typeface="B Nazanin+ Regular" panose="01000506000000020004" pitchFamily="2" charset="-78"/>
-              </a:rPr>
-              <a:t>مراجع </a:t>
-            </a:r>
-            <a:endParaRPr lang="en-US" sz="3200" dirty="0">
-              <a:solidFill>
-                <a:schemeClr val="bg1">
-                  <a:lumMod val="75000"/>
-                </a:schemeClr>
-              </a:solidFill>
-              <a:latin typeface="B Nazanin+ Regular" panose="01000506000000020004" pitchFamily="2" charset="-78"/>
-              <a:cs typeface="B Nazanin+ Regular" panose="01000506000000020004" pitchFamily="2" charset="-78"/>
-            </a:endParaRPr>
-          </a:p>
-        </p:txBody>
-      </p:sp>
-    </p:spTree>
-    <p:extLst>
-      <p:ext uri="{BB962C8B-B14F-4D97-AF65-F5344CB8AC3E}">
-        <p14:creationId xmlns:p14="http://schemas.microsoft.com/office/powerpoint/2010/main" val="2810814411"/>
-      </p:ext>
-    </p:extLst>
-  </p:cSld>
-  <p:clrMapOvr>
-    <a:masterClrMapping/>
-  </p:clrMapOvr>
-  <p:timing>
-    <p:tnLst>
-      <p:par>
-        <p:cTn id="1" dur="indefinite" restart="never" nodeType="tmRoot"/>
-      </p:par>
-    </p:tnLst>
-  </p:timing>
-</p:sld>
-</file>
-
-<file path=ppt/slides/slide26.xml><?xml version="1.0" encoding="utf-8"?>
-<p:sld xmlns:a="http://schemas.openxmlformats.org/drawingml/2006/main" xmlns:r="http://schemas.openxmlformats.org/officeDocument/2006/relationships" xmlns:p="http://schemas.openxmlformats.org/presentationml/2006/main">
-  <p:cSld>
-    <p:spTree>
-      <p:nvGrpSpPr>
-        <p:cNvPr id="1" name=""/>
-        <p:cNvGrpSpPr/>
-        <p:nvPr/>
-      </p:nvGrpSpPr>
-      <p:grpSpPr>
-        <a:xfrm>
-          <a:off x="0" y="0"/>
-          <a:ext cx="0" cy="0"/>
-          <a:chOff x="0" y="0"/>
-          <a:chExt cx="0" cy="0"/>
-        </a:xfrm>
-      </p:grpSpPr>
-      <p:sp>
-        <p:nvSpPr>
-          <p:cNvPr id="2" name="Title 1"/>
-          <p:cNvSpPr>
-            <a:spLocks noGrp="1"/>
-          </p:cNvSpPr>
-          <p:nvPr>
-            <p:ph type="title"/>
-          </p:nvPr>
-        </p:nvSpPr>
-        <p:spPr>
-          <a:xfrm>
-            <a:off x="2592925" y="407542"/>
-            <a:ext cx="8911687" cy="964058"/>
-          </a:xfrm>
-        </p:spPr>
-        <p:txBody>
-          <a:bodyPr>
-            <a:normAutofit/>
-          </a:bodyPr>
-          <a:lstStyle/>
-          <a:p>
-            <a:pPr algn="r" rtl="1"/>
-            <a:r>
-              <a:rPr lang="fa-IR" sz="4800" b="1" dirty="0" smtClean="0">
+              <a:rPr lang="fa-IR" sz="45600" b="1" dirty="0" smtClean="0">
                 <a:solidFill>
                   <a:schemeClr val="accent6">
                     <a:lumMod val="75000"/>
@@ -12398,9 +11509,9 @@
                 <a:latin typeface="B Nazanin+ Regular" panose="01000506000000020004" pitchFamily="2" charset="-78"/>
                 <a:cs typeface="B Nazanin+ Regular" panose="01000506000000020004" pitchFamily="2" charset="-78"/>
               </a:rPr>
-              <a:t>مراجع </a:t>
-            </a:r>
-            <a:endParaRPr lang="en-US" sz="4800" b="1" dirty="0">
+              <a:t>؟</a:t>
+            </a:r>
+            <a:endParaRPr lang="fa-IR" sz="45600" b="1" dirty="0" smtClean="0">
               <a:solidFill>
                 <a:schemeClr val="accent6">
                   <a:lumMod val="75000"/>
@@ -12409,166 +11520,6 @@
               <a:latin typeface="B Nazanin+ Regular" panose="01000506000000020004" pitchFamily="2" charset="-78"/>
               <a:cs typeface="B Nazanin+ Regular" panose="01000506000000020004" pitchFamily="2" charset="-78"/>
             </a:endParaRPr>
-          </a:p>
-        </p:txBody>
-      </p:sp>
-      <p:sp>
-        <p:nvSpPr>
-          <p:cNvPr id="3" name="Content Placeholder 2"/>
-          <p:cNvSpPr>
-            <a:spLocks noGrp="1"/>
-          </p:cNvSpPr>
-          <p:nvPr>
-            <p:ph idx="1"/>
-          </p:nvPr>
-        </p:nvSpPr>
-        <p:spPr>
-          <a:xfrm>
-            <a:off x="1503947" y="1371600"/>
-            <a:ext cx="10000665" cy="5125453"/>
-          </a:xfrm>
-        </p:spPr>
-        <p:txBody>
-          <a:bodyPr>
-            <a:noAutofit/>
-          </a:bodyPr>
-          <a:lstStyle/>
-          <a:p>
-            <a:pPr marL="0" indent="0" algn="r" rtl="1">
-              <a:buNone/>
-            </a:pPr>
-            <a:endParaRPr lang="fa-IR" sz="3400" b="1" dirty="0" smtClean="0">
-              <a:solidFill>
-                <a:schemeClr val="tx1"/>
-              </a:solidFill>
-              <a:latin typeface="B Nazanin+ Regular" panose="01000506000000020004" pitchFamily="2" charset="-78"/>
-              <a:cs typeface="B Nazanin+ Regular" panose="01000506000000020004" pitchFamily="2" charset="-78"/>
-            </a:endParaRPr>
-          </a:p>
-        </p:txBody>
-      </p:sp>
-    </p:spTree>
-    <p:extLst>
-      <p:ext uri="{BB962C8B-B14F-4D97-AF65-F5344CB8AC3E}">
-        <p14:creationId xmlns:p14="http://schemas.microsoft.com/office/powerpoint/2010/main" val="1771146859"/>
-      </p:ext>
-    </p:extLst>
-  </p:cSld>
-  <p:clrMapOvr>
-    <a:masterClrMapping/>
-  </p:clrMapOvr>
-  <p:timing>
-    <p:tnLst>
-      <p:par>
-        <p:cTn id="1" dur="indefinite" restart="never" nodeType="tmRoot"/>
-      </p:par>
-    </p:tnLst>
-  </p:timing>
-</p:sld>
-</file>
-
-<file path=ppt/slides/slide27.xml><?xml version="1.0" encoding="utf-8"?>
-<p:sld xmlns:a="http://schemas.openxmlformats.org/drawingml/2006/main" xmlns:r="http://schemas.openxmlformats.org/officeDocument/2006/relationships" xmlns:p="http://schemas.openxmlformats.org/presentationml/2006/main">
-  <p:cSld>
-    <p:spTree>
-      <p:nvGrpSpPr>
-        <p:cNvPr id="1" name=""/>
-        <p:cNvGrpSpPr/>
-        <p:nvPr/>
-      </p:nvGrpSpPr>
-      <p:grpSpPr>
-        <a:xfrm>
-          <a:off x="0" y="0"/>
-          <a:ext cx="0" cy="0"/>
-          <a:chOff x="0" y="0"/>
-          <a:chExt cx="0" cy="0"/>
-        </a:xfrm>
-      </p:grpSpPr>
-      <p:sp>
-        <p:nvSpPr>
-          <p:cNvPr id="2" name="Title 1"/>
-          <p:cNvSpPr>
-            <a:spLocks noGrp="1"/>
-          </p:cNvSpPr>
-          <p:nvPr>
-            <p:ph type="title"/>
-          </p:nvPr>
-        </p:nvSpPr>
-        <p:spPr>
-          <a:xfrm>
-            <a:off x="2592925" y="407542"/>
-            <a:ext cx="8911687" cy="964058"/>
-          </a:xfrm>
-        </p:spPr>
-        <p:txBody>
-          <a:bodyPr>
-            <a:normAutofit/>
-          </a:bodyPr>
-          <a:lstStyle/>
-          <a:p>
-            <a:pPr algn="r" rtl="1"/>
-            <a:r>
-              <a:rPr lang="fa-IR" sz="4800" b="1" dirty="0" smtClean="0">
-                <a:solidFill>
-                  <a:schemeClr val="accent6">
-                    <a:lumMod val="75000"/>
-                  </a:schemeClr>
-                </a:solidFill>
-                <a:latin typeface="B Nazanin+ Regular" panose="01000506000000020004" pitchFamily="2" charset="-78"/>
-                <a:cs typeface="B Nazanin+ Regular" panose="01000506000000020004" pitchFamily="2" charset="-78"/>
-              </a:rPr>
-              <a:t> </a:t>
-            </a:r>
-            <a:endParaRPr lang="en-US" sz="4800" b="1" dirty="0">
-              <a:solidFill>
-                <a:schemeClr val="accent6">
-                  <a:lumMod val="75000"/>
-                </a:schemeClr>
-              </a:solidFill>
-              <a:latin typeface="B Nazanin+ Regular" panose="01000506000000020004" pitchFamily="2" charset="-78"/>
-              <a:cs typeface="B Nazanin+ Regular" panose="01000506000000020004" pitchFamily="2" charset="-78"/>
-            </a:endParaRPr>
-          </a:p>
-        </p:txBody>
-      </p:sp>
-      <p:sp>
-        <p:nvSpPr>
-          <p:cNvPr id="3" name="Content Placeholder 2"/>
-          <p:cNvSpPr>
-            <a:spLocks noGrp="1"/>
-          </p:cNvSpPr>
-          <p:nvPr>
-            <p:ph idx="1"/>
-          </p:nvPr>
-        </p:nvSpPr>
-        <p:spPr>
-          <a:xfrm>
-            <a:off x="1503947" y="1371600"/>
-            <a:ext cx="10000665" cy="5125453"/>
-          </a:xfrm>
-        </p:spPr>
-        <p:txBody>
-          <a:bodyPr>
-            <a:noAutofit/>
-          </a:bodyPr>
-          <a:lstStyle/>
-          <a:p>
-            <a:pPr marL="0" indent="0" algn="ctr" rtl="1">
-              <a:lnSpc>
-                <a:spcPct val="150000"/>
-              </a:lnSpc>
-              <a:buNone/>
-            </a:pPr>
-            <a:r>
-              <a:rPr lang="fa-IR" sz="19900" b="1" dirty="0" smtClean="0">
-                <a:solidFill>
-                  <a:schemeClr val="tx1"/>
-                </a:solidFill>
-                <a:latin typeface="B Nazanin+ Regular" panose="01000506000000020004" pitchFamily="2" charset="-78"/>
-                <a:cs typeface="B Nazanin+ Regular" panose="01000506000000020004" pitchFamily="2" charset="-78"/>
-              </a:rPr>
-              <a:t>سؤال ؟</a:t>
-            </a:r>
           </a:p>
         </p:txBody>
       </p:sp>
@@ -12679,16 +11630,16 @@
           <a:lstStyle/>
           <a:p>
             <a:pPr algn="r" rtl="1">
+              <a:lnSpc>
+                <a:spcPct val="150000"/>
+              </a:lnSpc>
               <a:buFont typeface="Wingdings" panose="05000000000000000000" pitchFamily="2" charset="2"/>
               <a:buChar char="v"/>
             </a:pPr>
             <a:r>
               <a:rPr lang="en-US" sz="3200" dirty="0" smtClean="0">
                 <a:solidFill>
-                  <a:schemeClr val="tx2">
-                    <a:lumMod val="60000"/>
-                    <a:lumOff val="40000"/>
-                  </a:schemeClr>
+                  <a:schemeClr val="tx1"/>
                 </a:solidFill>
                 <a:latin typeface="B Nazanin+ Regular" panose="01000506000000020004" pitchFamily="2" charset="-78"/>
                 <a:cs typeface="B Nazanin+ Regular" panose="01000506000000020004" pitchFamily="2" charset="-78"/>
@@ -12712,32 +11663,6 @@
               <a:buChar char="v"/>
             </a:pPr>
             <a:r>
-              <a:rPr lang="fa-IR" sz="3200" dirty="0">
-                <a:solidFill>
-                  <a:schemeClr val="tx2">
-                    <a:lumMod val="60000"/>
-                    <a:lumOff val="40000"/>
-                  </a:schemeClr>
-                </a:solidFill>
-                <a:latin typeface="B Nazanin+ Regular" panose="01000506000000020004" pitchFamily="2" charset="-78"/>
-                <a:cs typeface="B Nazanin+ Regular" panose="01000506000000020004" pitchFamily="2" charset="-78"/>
-              </a:rPr>
-              <a:t> </a:t>
-            </a:r>
-            <a:r>
-              <a:rPr lang="en-US" sz="3200" dirty="0" smtClean="0">
-                <a:solidFill>
-                  <a:schemeClr val="tx2">
-                    <a:lumMod val="60000"/>
-                    <a:lumOff val="40000"/>
-                  </a:schemeClr>
-                </a:solidFill>
-                <a:latin typeface="B Nazanin+ Regular" panose="01000506000000020004" pitchFamily="2" charset="-78"/>
-                <a:cs typeface="B Nazanin+ Regular" panose="01000506000000020004" pitchFamily="2" charset="-78"/>
-              </a:rPr>
-              <a:t> </a:t>
-            </a:r>
-            <a:r>
               <a:rPr lang="fa-IR" sz="3200" dirty="0" smtClean="0">
                 <a:solidFill>
                   <a:schemeClr val="bg1">
@@ -12747,7 +11672,55 @@
                 <a:latin typeface="B Nazanin+ Regular" panose="01000506000000020004" pitchFamily="2" charset="-78"/>
                 <a:cs typeface="B Nazanin+ Regular" panose="01000506000000020004" pitchFamily="2" charset="-78"/>
               </a:rPr>
-              <a:t>پروکسی (</a:t>
+              <a:t> </a:t>
+            </a:r>
+            <a:r>
+              <a:rPr lang="en-US" sz="3200" dirty="0" smtClean="0">
+                <a:solidFill>
+                  <a:schemeClr val="bg1">
+                    <a:lumMod val="75000"/>
+                  </a:schemeClr>
+                </a:solidFill>
+                <a:latin typeface="B Nazanin+ Regular" panose="01000506000000020004" pitchFamily="2" charset="-78"/>
+                <a:cs typeface="B Nazanin+ Regular" panose="01000506000000020004" pitchFamily="2" charset="-78"/>
+              </a:rPr>
+              <a:t> </a:t>
+            </a:r>
+            <a:r>
+              <a:rPr lang="fa-IR" sz="3200" dirty="0" smtClean="0">
+                <a:solidFill>
+                  <a:schemeClr val="bg1">
+                    <a:lumMod val="75000"/>
+                  </a:schemeClr>
+                </a:solidFill>
+                <a:latin typeface="B Nazanin+ Regular" panose="01000506000000020004" pitchFamily="2" charset="-78"/>
+                <a:cs typeface="B Nazanin+ Regular" panose="01000506000000020004" pitchFamily="2" charset="-78"/>
+              </a:rPr>
+              <a:t>پروکسی</a:t>
+            </a:r>
+            <a:r>
+              <a:rPr lang="fa-IR" sz="3200" dirty="0" smtClean="0">
+                <a:solidFill>
+                  <a:schemeClr val="bg1">
+                    <a:lumMod val="75000"/>
+                  </a:schemeClr>
+                </a:solidFill>
+                <a:latin typeface="B Nazanin+ Regular" panose="01000506000000020004" pitchFamily="2" charset="-78"/>
+                <a:cs typeface="B Nazanin+ Regular" panose="01000506000000020004" pitchFamily="2" charset="-78"/>
+              </a:rPr>
+              <a:t> سرور</a:t>
+            </a:r>
+            <a:r>
+              <a:rPr lang="fa-IR" sz="3200" dirty="0" smtClean="0">
+                <a:solidFill>
+                  <a:schemeClr val="bg1">
+                    <a:lumMod val="75000"/>
+                  </a:schemeClr>
+                </a:solidFill>
+                <a:latin typeface="B Nazanin+ Regular" panose="01000506000000020004" pitchFamily="2" charset="-78"/>
+                <a:cs typeface="B Nazanin+ Regular" panose="01000506000000020004" pitchFamily="2" charset="-78"/>
+              </a:rPr>
+              <a:t> (</a:t>
             </a:r>
             <a:r>
               <a:rPr lang="en-US" sz="3200" dirty="0" smtClean="0">
@@ -12798,7 +11771,19 @@
                 <a:latin typeface="B Nazanin+ Regular" panose="01000506000000020004" pitchFamily="2" charset="-78"/>
                 <a:cs typeface="B Nazanin+ Regular" panose="01000506000000020004" pitchFamily="2" charset="-78"/>
               </a:rPr>
-              <a:t> TLS  </a:t>
+              <a:t> </a:t>
+            </a:r>
+            <a:r>
+              <a:rPr lang="en-US" sz="3200" dirty="0" smtClean="0">
+                <a:solidFill>
+                  <a:schemeClr val="bg1">
+                    <a:lumMod val="75000"/>
+                  </a:schemeClr>
+                </a:solidFill>
+                <a:latin typeface="B Nazanin+ Regular" panose="01000506000000020004" pitchFamily="2" charset="-78"/>
+                <a:cs typeface="B Nazanin+ Regular" panose="01000506000000020004" pitchFamily="2" charset="-78"/>
+              </a:rPr>
+              <a:t>TLS  </a:t>
             </a:r>
             <a:r>
               <a:rPr lang="fa-IR" sz="3200" dirty="0" smtClean="0">
@@ -12945,132 +11930,6 @@
               <a:buChar char="v"/>
             </a:pPr>
             <a:r>
-              <a:rPr lang="en-US" sz="3200" dirty="0" smtClean="0">
-                <a:solidFill>
-                  <a:schemeClr val="bg1">
-                    <a:lumMod val="75000"/>
-                  </a:schemeClr>
-                </a:solidFill>
-                <a:latin typeface="B Nazanin+ Regular" panose="01000506000000020004" pitchFamily="2" charset="-78"/>
-                <a:cs typeface="B Nazanin+ Regular" panose="01000506000000020004" pitchFamily="2" charset="-78"/>
-              </a:rPr>
-              <a:t> </a:t>
-            </a:r>
-            <a:r>
-              <a:rPr lang="fa-IR" sz="3200" dirty="0" smtClean="0">
-                <a:solidFill>
-                  <a:schemeClr val="bg1">
-                    <a:lumMod val="75000"/>
-                  </a:schemeClr>
-                </a:solidFill>
-                <a:latin typeface="B Nazanin+ Regular" panose="01000506000000020004" pitchFamily="2" charset="-78"/>
-                <a:cs typeface="B Nazanin+ Regular" panose="01000506000000020004" pitchFamily="2" charset="-78"/>
-              </a:rPr>
-              <a:t>ارزیابی کارائی پروتکل </a:t>
-            </a:r>
-            <a:r>
-              <a:rPr lang="en-US" sz="3200" dirty="0" smtClean="0">
-                <a:solidFill>
-                  <a:schemeClr val="bg1">
-                    <a:lumMod val="75000"/>
-                  </a:schemeClr>
-                </a:solidFill>
-                <a:latin typeface="B Nazanin+ Regular" panose="01000506000000020004" pitchFamily="2" charset="-78"/>
-                <a:cs typeface="B Nazanin+ Regular" panose="01000506000000020004" pitchFamily="2" charset="-78"/>
-              </a:rPr>
-              <a:t>HTTPS</a:t>
-            </a:r>
-            <a:endParaRPr lang="fa-IR" sz="3200" dirty="0" smtClean="0">
-              <a:solidFill>
-                <a:schemeClr val="bg1">
-                  <a:lumMod val="75000"/>
-                </a:schemeClr>
-              </a:solidFill>
-              <a:latin typeface="B Nazanin+ Regular" panose="01000506000000020004" pitchFamily="2" charset="-78"/>
-              <a:cs typeface="B Nazanin+ Regular" panose="01000506000000020004" pitchFamily="2" charset="-78"/>
-            </a:endParaRPr>
-          </a:p>
-          <a:p>
-            <a:pPr algn="r" rtl="1">
-              <a:buFont typeface="Wingdings" panose="05000000000000000000" pitchFamily="2" charset="2"/>
-              <a:buChar char="v"/>
-            </a:pPr>
-            <a:r>
-              <a:rPr lang="fa-IR" sz="3200" dirty="0">
-                <a:solidFill>
-                  <a:schemeClr val="bg1">
-                    <a:lumMod val="75000"/>
-                  </a:schemeClr>
-                </a:solidFill>
-                <a:latin typeface="B Nazanin+ Regular" panose="01000506000000020004" pitchFamily="2" charset="-78"/>
-                <a:cs typeface="B Nazanin+ Regular" panose="01000506000000020004" pitchFamily="2" charset="-78"/>
-              </a:rPr>
-              <a:t> </a:t>
-            </a:r>
-            <a:r>
-              <a:rPr lang="fa-IR" sz="3200" dirty="0" smtClean="0">
-                <a:solidFill>
-                  <a:schemeClr val="bg1">
-                    <a:lumMod val="75000"/>
-                  </a:schemeClr>
-                </a:solidFill>
-                <a:latin typeface="B Nazanin+ Regular" panose="01000506000000020004" pitchFamily="2" charset="-78"/>
-                <a:cs typeface="B Nazanin+ Regular" panose="01000506000000020004" pitchFamily="2" charset="-78"/>
-              </a:rPr>
-              <a:t>در چه جاهائی باید از </a:t>
-            </a:r>
-            <a:r>
-              <a:rPr lang="en-US" sz="3200" dirty="0" smtClean="0">
-                <a:solidFill>
-                  <a:schemeClr val="bg1">
-                    <a:lumMod val="75000"/>
-                  </a:schemeClr>
-                </a:solidFill>
-                <a:latin typeface="B Nazanin+ Regular" panose="01000506000000020004" pitchFamily="2" charset="-78"/>
-                <a:cs typeface="B Nazanin+ Regular" panose="01000506000000020004" pitchFamily="2" charset="-78"/>
-              </a:rPr>
-              <a:t>HTTPS</a:t>
-            </a:r>
-            <a:r>
-              <a:rPr lang="fa-IR" sz="3200" dirty="0" smtClean="0">
-                <a:solidFill>
-                  <a:schemeClr val="bg1">
-                    <a:lumMod val="75000"/>
-                  </a:schemeClr>
-                </a:solidFill>
-                <a:latin typeface="B Nazanin+ Regular" panose="01000506000000020004" pitchFamily="2" charset="-78"/>
-                <a:cs typeface="B Nazanin+ Regular" panose="01000506000000020004" pitchFamily="2" charset="-78"/>
-              </a:rPr>
-              <a:t> استفاده کنیم .</a:t>
-            </a:r>
-            <a:endParaRPr lang="en-US" sz="3200" dirty="0" smtClean="0">
-              <a:solidFill>
-                <a:schemeClr val="bg1">
-                  <a:lumMod val="75000"/>
-                </a:schemeClr>
-              </a:solidFill>
-              <a:latin typeface="B Nazanin+ Regular" panose="01000506000000020004" pitchFamily="2" charset="-78"/>
-              <a:cs typeface="B Nazanin+ Regular" panose="01000506000000020004" pitchFamily="2" charset="-78"/>
-            </a:endParaRPr>
-          </a:p>
-          <a:p>
-            <a:pPr algn="r" rtl="1">
-              <a:buFont typeface="Wingdings" panose="05000000000000000000" pitchFamily="2" charset="2"/>
-              <a:buChar char="v"/>
-            </a:pPr>
-            <a:r>
-              <a:rPr lang="en-US" sz="3200" dirty="0">
-                <a:solidFill>
-                  <a:schemeClr val="bg1">
-                    <a:lumMod val="75000"/>
-                  </a:schemeClr>
-                </a:solidFill>
-                <a:latin typeface="B Nazanin+ Regular" panose="01000506000000020004" pitchFamily="2" charset="-78"/>
-                <a:cs typeface="B Nazanin+ Regular" panose="01000506000000020004" pitchFamily="2" charset="-78"/>
-              </a:rPr>
-              <a:t> </a:t>
-            </a:r>
-            <a:r>
               <a:rPr lang="fa-IR" sz="3200" dirty="0" smtClean="0">
                 <a:solidFill>
                   <a:schemeClr val="bg1">
@@ -13097,7 +11956,7 @@
     </p:spTree>
     <p:extLst>
       <p:ext uri="{BB962C8B-B14F-4D97-AF65-F5344CB8AC3E}">
-        <p14:creationId xmlns:p14="http://schemas.microsoft.com/office/powerpoint/2010/main" val="972712965"/>
+        <p14:creationId xmlns:p14="http://schemas.microsoft.com/office/powerpoint/2010/main" val="1032508292"/>
       </p:ext>
     </p:extLst>
   </p:cSld>
@@ -13255,17 +12114,7 @@
                 <a:latin typeface="B Nazanin+ Regular" panose="01000506000000020004" pitchFamily="2" charset="-78"/>
                 <a:cs typeface="B Nazanin+ Regular" panose="01000506000000020004" pitchFamily="2" charset="-78"/>
               </a:rPr>
-              <a:t>بگیر</a:t>
-            </a:r>
-            <a:r>
-              <a:rPr lang="fa-IR" sz="3200" dirty="0">
-                <a:solidFill>
-                  <a:schemeClr val="tx1"/>
-                </a:solidFill>
-                <a:latin typeface="B Nazanin+ Regular" panose="01000506000000020004" pitchFamily="2" charset="-78"/>
-                <a:cs typeface="B Nazanin+ Regular" panose="01000506000000020004" pitchFamily="2" charset="-78"/>
-              </a:rPr>
-              <a:t>د</a:t>
+              <a:t>بگیرد .</a:t>
             </a:r>
             <a:endParaRPr lang="fa-IR" sz="3200" dirty="0" smtClean="0">
               <a:solidFill>
@@ -13751,545 +12600,6 @@
 </file>
 
 <file path=ppt/slides/slide6.xml><?xml version="1.0" encoding="utf-8"?>
-<p:sld xmlns:a="http://schemas.openxmlformats.org/drawingml/2006/main" xmlns:r="http://schemas.openxmlformats.org/officeDocument/2006/relationships" xmlns:p="http://schemas.openxmlformats.org/presentationml/2006/main">
-  <p:cSld>
-    <p:spTree>
-      <p:nvGrpSpPr>
-        <p:cNvPr id="1" name=""/>
-        <p:cNvGrpSpPr/>
-        <p:nvPr/>
-      </p:nvGrpSpPr>
-      <p:grpSpPr>
-        <a:xfrm>
-          <a:off x="0" y="0"/>
-          <a:ext cx="0" cy="0"/>
-          <a:chOff x="0" y="0"/>
-          <a:chExt cx="0" cy="0"/>
-        </a:xfrm>
-      </p:grpSpPr>
-      <p:sp>
-        <p:nvSpPr>
-          <p:cNvPr id="2" name="Title 1"/>
-          <p:cNvSpPr>
-            <a:spLocks noGrp="1"/>
-          </p:cNvSpPr>
-          <p:nvPr>
-            <p:ph type="title"/>
-          </p:nvPr>
-        </p:nvSpPr>
-        <p:spPr>
-          <a:xfrm>
-            <a:off x="2592925" y="407542"/>
-            <a:ext cx="8911687" cy="964058"/>
-          </a:xfrm>
-        </p:spPr>
-        <p:txBody>
-          <a:bodyPr>
-            <a:normAutofit/>
-          </a:bodyPr>
-          <a:lstStyle/>
-          <a:p>
-            <a:pPr algn="r" rtl="1"/>
-            <a:r>
-              <a:rPr lang="fa-IR" sz="4800" b="1" dirty="0" smtClean="0">
-                <a:solidFill>
-                  <a:schemeClr val="accent6">
-                    <a:lumMod val="75000"/>
-                  </a:schemeClr>
-                </a:solidFill>
-                <a:latin typeface="B Nazanin+ Regular" panose="01000506000000020004" pitchFamily="2" charset="-78"/>
-                <a:cs typeface="B Nazanin+ Regular" panose="01000506000000020004" pitchFamily="2" charset="-78"/>
-              </a:rPr>
-              <a:t>چارچوب </a:t>
-            </a:r>
-            <a:endParaRPr lang="en-US" sz="4800" b="1" dirty="0">
-              <a:solidFill>
-                <a:schemeClr val="accent6">
-                  <a:lumMod val="75000"/>
-                </a:schemeClr>
-              </a:solidFill>
-              <a:latin typeface="B Nazanin+ Regular" panose="01000506000000020004" pitchFamily="2" charset="-78"/>
-              <a:cs typeface="B Nazanin+ Regular" panose="01000506000000020004" pitchFamily="2" charset="-78"/>
-            </a:endParaRPr>
-          </a:p>
-        </p:txBody>
-      </p:sp>
-      <p:sp>
-        <p:nvSpPr>
-          <p:cNvPr id="3" name="Content Placeholder 2"/>
-          <p:cNvSpPr>
-            <a:spLocks noGrp="1"/>
-          </p:cNvSpPr>
-          <p:nvPr>
-            <p:ph idx="1"/>
-          </p:nvPr>
-        </p:nvSpPr>
-        <p:spPr>
-          <a:xfrm>
-            <a:off x="2081463" y="1371600"/>
-            <a:ext cx="9423149" cy="5125453"/>
-          </a:xfrm>
-        </p:spPr>
-        <p:txBody>
-          <a:bodyPr>
-            <a:normAutofit/>
-          </a:bodyPr>
-          <a:lstStyle/>
-          <a:p>
-            <a:pPr algn="r" rtl="1">
-              <a:buFont typeface="Wingdings" panose="05000000000000000000" pitchFamily="2" charset="2"/>
-              <a:buChar char="v"/>
-            </a:pPr>
-            <a:r>
-              <a:rPr lang="en-US" sz="3200" dirty="0" smtClean="0">
-                <a:solidFill>
-                  <a:schemeClr val="bg1">
-                    <a:lumMod val="85000"/>
-                  </a:schemeClr>
-                </a:solidFill>
-                <a:latin typeface="B Nazanin+ Regular" panose="01000506000000020004" pitchFamily="2" charset="-78"/>
-                <a:cs typeface="B Nazanin+ Regular" panose="01000506000000020004" pitchFamily="2" charset="-78"/>
-              </a:rPr>
-              <a:t>  </a:t>
-            </a:r>
-            <a:r>
-              <a:rPr lang="fa-IR" sz="3200" dirty="0" smtClean="0">
-                <a:solidFill>
-                  <a:schemeClr val="bg1">
-                    <a:lumMod val="85000"/>
-                  </a:schemeClr>
-                </a:solidFill>
-                <a:latin typeface="B Nazanin+ Regular" panose="01000506000000020004" pitchFamily="2" charset="-78"/>
-                <a:cs typeface="B Nazanin+ Regular" panose="01000506000000020004" pitchFamily="2" charset="-78"/>
-              </a:rPr>
-              <a:t>مقدمه </a:t>
-            </a:r>
-          </a:p>
-          <a:p>
-            <a:pPr algn="r" rtl="1">
-              <a:buFont typeface="Wingdings" panose="05000000000000000000" pitchFamily="2" charset="2"/>
-              <a:buChar char="v"/>
-            </a:pPr>
-            <a:r>
-              <a:rPr lang="fa-IR" sz="3200" dirty="0">
-                <a:solidFill>
-                  <a:schemeClr val="accent4">
-                    <a:lumMod val="40000"/>
-                    <a:lumOff val="60000"/>
-                  </a:schemeClr>
-                </a:solidFill>
-                <a:latin typeface="B Nazanin+ Regular" panose="01000506000000020004" pitchFamily="2" charset="-78"/>
-                <a:cs typeface="B Nazanin+ Regular" panose="01000506000000020004" pitchFamily="2" charset="-78"/>
-              </a:rPr>
-              <a:t> </a:t>
-            </a:r>
-            <a:r>
-              <a:rPr lang="en-US" sz="3200" dirty="0" smtClean="0">
-                <a:solidFill>
-                  <a:schemeClr val="accent4">
-                    <a:lumMod val="40000"/>
-                    <a:lumOff val="60000"/>
-                  </a:schemeClr>
-                </a:solidFill>
-                <a:latin typeface="B Nazanin+ Regular" panose="01000506000000020004" pitchFamily="2" charset="-78"/>
-                <a:cs typeface="B Nazanin+ Regular" panose="01000506000000020004" pitchFamily="2" charset="-78"/>
-              </a:rPr>
-              <a:t> </a:t>
-            </a:r>
-            <a:r>
-              <a:rPr lang="fa-IR" sz="3200" dirty="0" smtClean="0">
-                <a:solidFill>
-                  <a:schemeClr val="tx1"/>
-                </a:solidFill>
-                <a:latin typeface="B Nazanin+ Regular" panose="01000506000000020004" pitchFamily="2" charset="-78"/>
-                <a:cs typeface="B Nazanin+ Regular" panose="01000506000000020004" pitchFamily="2" charset="-78"/>
-              </a:rPr>
-              <a:t>پروکسی (</a:t>
-            </a:r>
-            <a:r>
-              <a:rPr lang="en-US" sz="3200" dirty="0" smtClean="0">
-                <a:solidFill>
-                  <a:schemeClr val="tx1"/>
-                </a:solidFill>
-                <a:latin typeface="B Nazanin+ Regular" panose="01000506000000020004" pitchFamily="2" charset="-78"/>
-                <a:cs typeface="B Nazanin+ Regular" panose="01000506000000020004" pitchFamily="2" charset="-78"/>
-              </a:rPr>
-              <a:t>proxy</a:t>
-            </a:r>
-            <a:r>
-              <a:rPr lang="fa-IR" sz="3200" dirty="0" smtClean="0">
-                <a:solidFill>
-                  <a:schemeClr val="tx1"/>
-                </a:solidFill>
-                <a:latin typeface="B Nazanin+ Regular" panose="01000506000000020004" pitchFamily="2" charset="-78"/>
-                <a:cs typeface="B Nazanin+ Regular" panose="01000506000000020004" pitchFamily="2" charset="-78"/>
-              </a:rPr>
-              <a:t>)</a:t>
-            </a:r>
-            <a:endParaRPr lang="en-US" sz="3200" dirty="0" smtClean="0">
-              <a:solidFill>
-                <a:schemeClr val="tx1"/>
-              </a:solidFill>
-              <a:latin typeface="B Nazanin+ Regular" panose="01000506000000020004" pitchFamily="2" charset="-78"/>
-              <a:cs typeface="B Nazanin+ Regular" panose="01000506000000020004" pitchFamily="2" charset="-78"/>
-            </a:endParaRPr>
-          </a:p>
-          <a:p>
-            <a:pPr algn="r" rtl="1">
-              <a:buFont typeface="Wingdings" panose="05000000000000000000" pitchFamily="2" charset="2"/>
-              <a:buChar char="v"/>
-            </a:pPr>
-            <a:r>
-              <a:rPr lang="en-US" sz="3200" dirty="0" smtClean="0">
-                <a:solidFill>
-                  <a:schemeClr val="accent4">
-                    <a:lumMod val="40000"/>
-                    <a:lumOff val="60000"/>
-                  </a:schemeClr>
-                </a:solidFill>
-                <a:latin typeface="B Nazanin+ Regular" panose="01000506000000020004" pitchFamily="2" charset="-78"/>
-                <a:cs typeface="B Nazanin+ Regular" panose="01000506000000020004" pitchFamily="2" charset="-78"/>
-              </a:rPr>
-              <a:t> TLS  </a:t>
-            </a:r>
-            <a:r>
-              <a:rPr lang="fa-IR" sz="3200" dirty="0" smtClean="0">
-                <a:solidFill>
-                  <a:schemeClr val="accent4">
-                    <a:lumMod val="40000"/>
-                    <a:lumOff val="60000"/>
-                  </a:schemeClr>
-                </a:solidFill>
-                <a:latin typeface="B Nazanin+ Regular" panose="01000506000000020004" pitchFamily="2" charset="-78"/>
-                <a:cs typeface="B Nazanin+ Regular" panose="01000506000000020004" pitchFamily="2" charset="-78"/>
-              </a:rPr>
-              <a:t>و </a:t>
-            </a:r>
-            <a:r>
-              <a:rPr lang="en-US" sz="3200" dirty="0" smtClean="0">
-                <a:solidFill>
-                  <a:schemeClr val="accent4">
-                    <a:lumMod val="40000"/>
-                    <a:lumOff val="60000"/>
-                  </a:schemeClr>
-                </a:solidFill>
-                <a:latin typeface="B Nazanin+ Regular" panose="01000506000000020004" pitchFamily="2" charset="-78"/>
-                <a:cs typeface="B Nazanin+ Regular" panose="01000506000000020004" pitchFamily="2" charset="-78"/>
-              </a:rPr>
-              <a:t>SSL</a:t>
-            </a:r>
-          </a:p>
-          <a:p>
-            <a:pPr algn="r" rtl="1">
-              <a:buFont typeface="Wingdings" panose="05000000000000000000" pitchFamily="2" charset="2"/>
-              <a:buChar char="v"/>
-            </a:pPr>
-            <a:r>
-              <a:rPr lang="en-US" sz="3200" dirty="0">
-                <a:solidFill>
-                  <a:schemeClr val="accent4">
-                    <a:lumMod val="40000"/>
-                    <a:lumOff val="60000"/>
-                  </a:schemeClr>
-                </a:solidFill>
-                <a:latin typeface="B Nazanin+ Regular" panose="01000506000000020004" pitchFamily="2" charset="-78"/>
-                <a:cs typeface="B Nazanin+ Regular" panose="01000506000000020004" pitchFamily="2" charset="-78"/>
-              </a:rPr>
-              <a:t> </a:t>
-            </a:r>
-            <a:r>
-              <a:rPr lang="fa-IR" sz="3200" dirty="0" smtClean="0">
-                <a:solidFill>
-                  <a:schemeClr val="accent4">
-                    <a:lumMod val="40000"/>
-                    <a:lumOff val="60000"/>
-                  </a:schemeClr>
-                </a:solidFill>
-                <a:latin typeface="B Nazanin+ Regular" panose="01000506000000020004" pitchFamily="2" charset="-78"/>
-                <a:cs typeface="B Nazanin+ Regular" panose="01000506000000020004" pitchFamily="2" charset="-78"/>
-              </a:rPr>
-              <a:t>کدگذاری </a:t>
-            </a:r>
-            <a:endParaRPr lang="en-US" sz="3200" dirty="0" smtClean="0">
-              <a:solidFill>
-                <a:schemeClr val="accent4">
-                  <a:lumMod val="40000"/>
-                  <a:lumOff val="60000"/>
-                </a:schemeClr>
-              </a:solidFill>
-              <a:latin typeface="B Nazanin+ Regular" panose="01000506000000020004" pitchFamily="2" charset="-78"/>
-              <a:cs typeface="B Nazanin+ Regular" panose="01000506000000020004" pitchFamily="2" charset="-78"/>
-            </a:endParaRPr>
-          </a:p>
-          <a:p>
-            <a:pPr algn="r" rtl="1">
-              <a:buFont typeface="Wingdings" panose="05000000000000000000" pitchFamily="2" charset="2"/>
-              <a:buChar char="v"/>
-            </a:pPr>
-            <a:r>
-              <a:rPr lang="en-US" sz="3200" dirty="0">
-                <a:solidFill>
-                  <a:schemeClr val="accent4">
-                    <a:lumMod val="40000"/>
-                    <a:lumOff val="60000"/>
-                  </a:schemeClr>
-                </a:solidFill>
-                <a:latin typeface="B Nazanin+ Regular" panose="01000506000000020004" pitchFamily="2" charset="-78"/>
-                <a:cs typeface="B Nazanin+ Regular" panose="01000506000000020004" pitchFamily="2" charset="-78"/>
-              </a:rPr>
-              <a:t> </a:t>
-            </a:r>
-            <a:r>
-              <a:rPr lang="fa-IR" sz="3200" dirty="0" smtClean="0">
-                <a:solidFill>
-                  <a:schemeClr val="accent4">
-                    <a:lumMod val="40000"/>
-                    <a:lumOff val="60000"/>
-                  </a:schemeClr>
-                </a:solidFill>
-                <a:latin typeface="B Nazanin+ Regular" panose="01000506000000020004" pitchFamily="2" charset="-78"/>
-                <a:cs typeface="B Nazanin+ Regular" panose="01000506000000020004" pitchFamily="2" charset="-78"/>
-              </a:rPr>
-              <a:t>گواهی نامه ی </a:t>
-            </a:r>
-            <a:r>
-              <a:rPr lang="en-US" sz="3200" dirty="0" smtClean="0">
-                <a:solidFill>
-                  <a:schemeClr val="accent4">
-                    <a:lumMod val="40000"/>
-                    <a:lumOff val="60000"/>
-                  </a:schemeClr>
-                </a:solidFill>
-                <a:latin typeface="B Nazanin+ Regular" panose="01000506000000020004" pitchFamily="2" charset="-78"/>
-                <a:cs typeface="B Nazanin+ Regular" panose="01000506000000020004" pitchFamily="2" charset="-78"/>
-              </a:rPr>
-              <a:t>SSL </a:t>
-            </a:r>
-            <a:r>
-              <a:rPr lang="fa-IR" sz="3200" dirty="0" smtClean="0">
-                <a:solidFill>
-                  <a:schemeClr val="accent4">
-                    <a:lumMod val="40000"/>
-                    <a:lumOff val="60000"/>
-                  </a:schemeClr>
-                </a:solidFill>
-                <a:latin typeface="B Nazanin+ Regular" panose="01000506000000020004" pitchFamily="2" charset="-78"/>
-                <a:cs typeface="B Nazanin+ Regular" panose="01000506000000020004" pitchFamily="2" charset="-78"/>
-              </a:rPr>
-              <a:t> یا </a:t>
-            </a:r>
-            <a:r>
-              <a:rPr lang="en-US" sz="3200" dirty="0" smtClean="0">
-                <a:solidFill>
-                  <a:schemeClr val="accent4">
-                    <a:lumMod val="40000"/>
-                    <a:lumOff val="60000"/>
-                  </a:schemeClr>
-                </a:solidFill>
-                <a:latin typeface="B Nazanin+ Regular" panose="01000506000000020004" pitchFamily="2" charset="-78"/>
-                <a:cs typeface="B Nazanin+ Regular" panose="01000506000000020004" pitchFamily="2" charset="-78"/>
-              </a:rPr>
-              <a:t>TLS</a:t>
-            </a:r>
-            <a:endParaRPr lang="fa-IR" sz="3200" dirty="0" smtClean="0">
-              <a:solidFill>
-                <a:schemeClr val="accent4">
-                  <a:lumMod val="40000"/>
-                  <a:lumOff val="60000"/>
-                </a:schemeClr>
-              </a:solidFill>
-              <a:latin typeface="B Nazanin+ Regular" panose="01000506000000020004" pitchFamily="2" charset="-78"/>
-              <a:cs typeface="B Nazanin+ Regular" panose="01000506000000020004" pitchFamily="2" charset="-78"/>
-            </a:endParaRPr>
-          </a:p>
-          <a:p>
-            <a:pPr algn="r" rtl="1">
-              <a:buFont typeface="Wingdings" panose="05000000000000000000" pitchFamily="2" charset="2"/>
-              <a:buChar char="v"/>
-            </a:pPr>
-            <a:r>
-              <a:rPr lang="en-US" sz="3200" dirty="0" smtClean="0">
-                <a:solidFill>
-                  <a:schemeClr val="accent4">
-                    <a:lumMod val="40000"/>
-                    <a:lumOff val="60000"/>
-                  </a:schemeClr>
-                </a:solidFill>
-                <a:latin typeface="B Nazanin+ Regular" panose="01000506000000020004" pitchFamily="2" charset="-78"/>
-                <a:cs typeface="B Nazanin+ Regular" panose="01000506000000020004" pitchFamily="2" charset="-78"/>
-              </a:rPr>
-              <a:t> </a:t>
-            </a:r>
-            <a:r>
-              <a:rPr lang="fa-IR" sz="3200" dirty="0" smtClean="0">
-                <a:solidFill>
-                  <a:schemeClr val="accent4">
-                    <a:lumMod val="40000"/>
-                    <a:lumOff val="60000"/>
-                  </a:schemeClr>
-                </a:solidFill>
-                <a:latin typeface="B Nazanin+ Regular" panose="01000506000000020004" pitchFamily="2" charset="-78"/>
-                <a:cs typeface="B Nazanin+ Regular" panose="01000506000000020004" pitchFamily="2" charset="-78"/>
-              </a:rPr>
-              <a:t>ارزیابی کارائی پروتکل </a:t>
-            </a:r>
-            <a:r>
-              <a:rPr lang="en-US" sz="3200" dirty="0" smtClean="0">
-                <a:solidFill>
-                  <a:schemeClr val="accent4">
-                    <a:lumMod val="40000"/>
-                    <a:lumOff val="60000"/>
-                  </a:schemeClr>
-                </a:solidFill>
-                <a:latin typeface="B Nazanin+ Regular" panose="01000506000000020004" pitchFamily="2" charset="-78"/>
-                <a:cs typeface="B Nazanin+ Regular" panose="01000506000000020004" pitchFamily="2" charset="-78"/>
-              </a:rPr>
-              <a:t>HTTPS</a:t>
-            </a:r>
-            <a:endParaRPr lang="fa-IR" sz="3200" dirty="0" smtClean="0">
-              <a:solidFill>
-                <a:schemeClr val="accent4">
-                  <a:lumMod val="40000"/>
-                  <a:lumOff val="60000"/>
-                </a:schemeClr>
-              </a:solidFill>
-              <a:latin typeface="B Nazanin+ Regular" panose="01000506000000020004" pitchFamily="2" charset="-78"/>
-              <a:cs typeface="B Nazanin+ Regular" panose="01000506000000020004" pitchFamily="2" charset="-78"/>
-            </a:endParaRPr>
-          </a:p>
-          <a:p>
-            <a:pPr algn="r" rtl="1">
-              <a:buFont typeface="Wingdings" panose="05000000000000000000" pitchFamily="2" charset="2"/>
-              <a:buChar char="v"/>
-            </a:pPr>
-            <a:r>
-              <a:rPr lang="fa-IR" sz="3200" dirty="0">
-                <a:solidFill>
-                  <a:schemeClr val="accent4">
-                    <a:lumMod val="40000"/>
-                    <a:lumOff val="60000"/>
-                  </a:schemeClr>
-                </a:solidFill>
-                <a:latin typeface="B Nazanin+ Regular" panose="01000506000000020004" pitchFamily="2" charset="-78"/>
-                <a:cs typeface="B Nazanin+ Regular" panose="01000506000000020004" pitchFamily="2" charset="-78"/>
-              </a:rPr>
-              <a:t> </a:t>
-            </a:r>
-            <a:r>
-              <a:rPr lang="fa-IR" sz="3200" dirty="0" smtClean="0">
-                <a:solidFill>
-                  <a:schemeClr val="accent4">
-                    <a:lumMod val="40000"/>
-                    <a:lumOff val="60000"/>
-                  </a:schemeClr>
-                </a:solidFill>
-                <a:latin typeface="B Nazanin+ Regular" panose="01000506000000020004" pitchFamily="2" charset="-78"/>
-                <a:cs typeface="B Nazanin+ Regular" panose="01000506000000020004" pitchFamily="2" charset="-78"/>
-              </a:rPr>
-              <a:t>در چه جاهائی باید از </a:t>
-            </a:r>
-            <a:r>
-              <a:rPr lang="en-US" sz="3200" dirty="0" smtClean="0">
-                <a:solidFill>
-                  <a:schemeClr val="accent4">
-                    <a:lumMod val="40000"/>
-                    <a:lumOff val="60000"/>
-                  </a:schemeClr>
-                </a:solidFill>
-                <a:latin typeface="B Nazanin+ Regular" panose="01000506000000020004" pitchFamily="2" charset="-78"/>
-                <a:cs typeface="B Nazanin+ Regular" panose="01000506000000020004" pitchFamily="2" charset="-78"/>
-              </a:rPr>
-              <a:t>HTTPS</a:t>
-            </a:r>
-            <a:r>
-              <a:rPr lang="fa-IR" sz="3200" dirty="0" smtClean="0">
-                <a:solidFill>
-                  <a:schemeClr val="accent4">
-                    <a:lumMod val="40000"/>
-                    <a:lumOff val="60000"/>
-                  </a:schemeClr>
-                </a:solidFill>
-                <a:latin typeface="B Nazanin+ Regular" panose="01000506000000020004" pitchFamily="2" charset="-78"/>
-                <a:cs typeface="B Nazanin+ Regular" panose="01000506000000020004" pitchFamily="2" charset="-78"/>
-              </a:rPr>
-              <a:t> استفاده کنیم .</a:t>
-            </a:r>
-            <a:endParaRPr lang="en-US" sz="3200" dirty="0" smtClean="0">
-              <a:solidFill>
-                <a:schemeClr val="accent4">
-                  <a:lumMod val="40000"/>
-                  <a:lumOff val="60000"/>
-                </a:schemeClr>
-              </a:solidFill>
-              <a:latin typeface="B Nazanin+ Regular" panose="01000506000000020004" pitchFamily="2" charset="-78"/>
-              <a:cs typeface="B Nazanin+ Regular" panose="01000506000000020004" pitchFamily="2" charset="-78"/>
-            </a:endParaRPr>
-          </a:p>
-          <a:p>
-            <a:pPr algn="r" rtl="1">
-              <a:buFont typeface="Wingdings" panose="05000000000000000000" pitchFamily="2" charset="2"/>
-              <a:buChar char="v"/>
-            </a:pPr>
-            <a:r>
-              <a:rPr lang="en-US" sz="3200" dirty="0">
-                <a:solidFill>
-                  <a:schemeClr val="accent4">
-                    <a:lumMod val="40000"/>
-                    <a:lumOff val="60000"/>
-                  </a:schemeClr>
-                </a:solidFill>
-                <a:latin typeface="B Nazanin+ Regular" panose="01000506000000020004" pitchFamily="2" charset="-78"/>
-                <a:cs typeface="B Nazanin+ Regular" panose="01000506000000020004" pitchFamily="2" charset="-78"/>
-              </a:rPr>
-              <a:t> </a:t>
-            </a:r>
-            <a:r>
-              <a:rPr lang="fa-IR" sz="3200" dirty="0" smtClean="0">
-                <a:solidFill>
-                  <a:schemeClr val="accent4">
-                    <a:lumMod val="40000"/>
-                    <a:lumOff val="60000"/>
-                  </a:schemeClr>
-                </a:solidFill>
-                <a:latin typeface="B Nazanin+ Regular" panose="01000506000000020004" pitchFamily="2" charset="-78"/>
-                <a:cs typeface="B Nazanin+ Regular" panose="01000506000000020004" pitchFamily="2" charset="-78"/>
-              </a:rPr>
-              <a:t>مراجع </a:t>
-            </a:r>
-            <a:endParaRPr lang="en-US" sz="3200" dirty="0">
-              <a:solidFill>
-                <a:schemeClr val="accent4">
-                  <a:lumMod val="40000"/>
-                  <a:lumOff val="60000"/>
-                </a:schemeClr>
-              </a:solidFill>
-              <a:latin typeface="B Nazanin+ Regular" panose="01000506000000020004" pitchFamily="2" charset="-78"/>
-              <a:cs typeface="B Nazanin+ Regular" panose="01000506000000020004" pitchFamily="2" charset="-78"/>
-            </a:endParaRPr>
-          </a:p>
-        </p:txBody>
-      </p:sp>
-    </p:spTree>
-    <p:extLst>
-      <p:ext uri="{BB962C8B-B14F-4D97-AF65-F5344CB8AC3E}">
-        <p14:creationId xmlns:p14="http://schemas.microsoft.com/office/powerpoint/2010/main" val="655140120"/>
-      </p:ext>
-    </p:extLst>
-  </p:cSld>
-  <p:clrMapOvr>
-    <a:masterClrMapping/>
-  </p:clrMapOvr>
-  <p:timing>
-    <p:tnLst>
-      <p:par>
-        <p:cTn id="1" dur="indefinite" restart="never" nodeType="tmRoot"/>
-      </p:par>
-    </p:tnLst>
-  </p:timing>
-</p:sld>
-</file>
-
-<file path=ppt/slides/slide7.xml><?xml version="1.0" encoding="utf-8"?>
 <p:sld xmlns:a="http://schemas.openxmlformats.org/drawingml/2006/main" xmlns:r="http://schemas.openxmlformats.org/officeDocument/2006/relationships" xmlns:p="http://schemas.openxmlformats.org/presentationml/2006/main">
   <p:cSld>
     <p:spTree>
@@ -14826,6 +13136,372 @@
 </p:sld>
 </file>
 
+<file path=ppt/slides/slide7.xml><?xml version="1.0" encoding="utf-8"?>
+<p:sld xmlns:a="http://schemas.openxmlformats.org/drawingml/2006/main" xmlns:r="http://schemas.openxmlformats.org/officeDocument/2006/relationships" xmlns:p="http://schemas.openxmlformats.org/presentationml/2006/main">
+  <p:cSld>
+    <p:spTree>
+      <p:nvGrpSpPr>
+        <p:cNvPr id="1" name=""/>
+        <p:cNvGrpSpPr/>
+        <p:nvPr/>
+      </p:nvGrpSpPr>
+      <p:grpSpPr>
+        <a:xfrm>
+          <a:off x="0" y="0"/>
+          <a:ext cx="0" cy="0"/>
+          <a:chOff x="0" y="0"/>
+          <a:chExt cx="0" cy="0"/>
+        </a:xfrm>
+      </p:grpSpPr>
+      <p:sp>
+        <p:nvSpPr>
+          <p:cNvPr id="2" name="Title 1"/>
+          <p:cNvSpPr>
+            <a:spLocks noGrp="1"/>
+          </p:cNvSpPr>
+          <p:nvPr>
+            <p:ph type="title"/>
+          </p:nvPr>
+        </p:nvSpPr>
+        <p:spPr>
+          <a:xfrm>
+            <a:off x="2592925" y="407542"/>
+            <a:ext cx="8911687" cy="964058"/>
+          </a:xfrm>
+        </p:spPr>
+        <p:txBody>
+          <a:bodyPr>
+            <a:normAutofit/>
+          </a:bodyPr>
+          <a:lstStyle/>
+          <a:p>
+            <a:pPr algn="r" rtl="1"/>
+            <a:r>
+              <a:rPr lang="fa-IR" sz="4800" b="1" dirty="0" smtClean="0">
+                <a:solidFill>
+                  <a:schemeClr val="accent6">
+                    <a:lumMod val="75000"/>
+                  </a:schemeClr>
+                </a:solidFill>
+                <a:latin typeface="B Nazanin+ Regular" panose="01000506000000020004" pitchFamily="2" charset="-78"/>
+                <a:cs typeface="B Nazanin+ Regular" panose="01000506000000020004" pitchFamily="2" charset="-78"/>
+              </a:rPr>
+              <a:t>کاربرد های پروکسی </a:t>
+            </a:r>
+            <a:endParaRPr lang="en-US" sz="4800" b="1" dirty="0">
+              <a:solidFill>
+                <a:schemeClr val="accent6">
+                  <a:lumMod val="75000"/>
+                </a:schemeClr>
+              </a:solidFill>
+              <a:latin typeface="B Nazanin+ Regular" panose="01000506000000020004" pitchFamily="2" charset="-78"/>
+              <a:cs typeface="B Nazanin+ Regular" panose="01000506000000020004" pitchFamily="2" charset="-78"/>
+            </a:endParaRPr>
+          </a:p>
+        </p:txBody>
+      </p:sp>
+      <p:sp>
+        <p:nvSpPr>
+          <p:cNvPr id="3" name="Content Placeholder 2"/>
+          <p:cNvSpPr>
+            <a:spLocks noGrp="1"/>
+          </p:cNvSpPr>
+          <p:nvPr>
+            <p:ph idx="1"/>
+          </p:nvPr>
+        </p:nvSpPr>
+        <p:spPr>
+          <a:xfrm>
+            <a:off x="1503947" y="1371600"/>
+            <a:ext cx="10000665" cy="5125453"/>
+          </a:xfrm>
+        </p:spPr>
+        <p:txBody>
+          <a:bodyPr>
+            <a:noAutofit/>
+          </a:bodyPr>
+          <a:lstStyle/>
+          <a:p>
+            <a:pPr algn="r" rtl="1">
+              <a:buFont typeface="Wingdings" panose="05000000000000000000" pitchFamily="2" charset="2"/>
+              <a:buChar char="v"/>
+            </a:pPr>
+            <a:r>
+              <a:rPr lang="fa-IR" sz="3700" b="1" dirty="0" smtClean="0">
+                <a:solidFill>
+                  <a:schemeClr val="tx1"/>
+                </a:solidFill>
+                <a:latin typeface="B Nazanin+ Regular" panose="01000506000000020004" pitchFamily="2" charset="-78"/>
+                <a:cs typeface="B Nazanin+ Regular" panose="01000506000000020004" pitchFamily="2" charset="-78"/>
+              </a:rPr>
+              <a:t> احراز هویت </a:t>
+            </a:r>
+          </a:p>
+          <a:p>
+            <a:pPr lvl="1" algn="r" rtl="1">
+              <a:buFont typeface="Wingdings" panose="05000000000000000000" pitchFamily="2" charset="2"/>
+              <a:buChar char="v"/>
+            </a:pPr>
+            <a:r>
+              <a:rPr lang="fa-IR" sz="3400" dirty="0">
+                <a:solidFill>
+                  <a:schemeClr val="tx1"/>
+                </a:solidFill>
+                <a:latin typeface="B Nazanin+ Regular" panose="01000506000000020004" pitchFamily="2" charset="-78"/>
+                <a:cs typeface="B Nazanin+ Regular" panose="01000506000000020004" pitchFamily="2" charset="-78"/>
+              </a:rPr>
+              <a:t> </a:t>
+            </a:r>
+            <a:r>
+              <a:rPr lang="fa-IR" sz="3600" b="1" dirty="0" smtClean="0">
+                <a:solidFill>
+                  <a:schemeClr val="tx1"/>
+                </a:solidFill>
+                <a:latin typeface="B Nazanin+ Regular" panose="01000506000000020004" pitchFamily="2" charset="-78"/>
+                <a:cs typeface="B Nazanin+ Regular" panose="01000506000000020004" pitchFamily="2" charset="-78"/>
+              </a:rPr>
+              <a:t>سمت کاربر </a:t>
+            </a:r>
+            <a:r>
+              <a:rPr lang="fa-IR" sz="3400" dirty="0" smtClean="0">
+                <a:solidFill>
+                  <a:schemeClr val="tx1"/>
+                </a:solidFill>
+                <a:latin typeface="B Nazanin+ Regular" panose="01000506000000020004" pitchFamily="2" charset="-78"/>
+                <a:cs typeface="B Nazanin+ Regular" panose="01000506000000020004" pitchFamily="2" charset="-78"/>
+              </a:rPr>
+              <a:t>: احراز هویت کاربر قبل از دسترسی به اینترنت </a:t>
+            </a:r>
+          </a:p>
+          <a:p>
+            <a:pPr lvl="1" algn="r" rtl="1">
+              <a:buFont typeface="Wingdings" panose="05000000000000000000" pitchFamily="2" charset="2"/>
+              <a:buChar char="v"/>
+            </a:pPr>
+            <a:r>
+              <a:rPr lang="fa-IR" sz="3400" dirty="0">
+                <a:solidFill>
+                  <a:schemeClr val="tx1"/>
+                </a:solidFill>
+                <a:latin typeface="B Nazanin+ Regular" panose="01000506000000020004" pitchFamily="2" charset="-78"/>
+                <a:cs typeface="B Nazanin+ Regular" panose="01000506000000020004" pitchFamily="2" charset="-78"/>
+              </a:rPr>
+              <a:t> </a:t>
+            </a:r>
+            <a:r>
+              <a:rPr lang="fa-IR" sz="3600" b="1" dirty="0" smtClean="0">
+                <a:solidFill>
+                  <a:schemeClr val="tx1"/>
+                </a:solidFill>
+                <a:latin typeface="B Nazanin+ Regular" panose="01000506000000020004" pitchFamily="2" charset="-78"/>
+                <a:cs typeface="B Nazanin+ Regular" panose="01000506000000020004" pitchFamily="2" charset="-78"/>
+              </a:rPr>
+              <a:t>سمت سرور </a:t>
+            </a:r>
+            <a:r>
+              <a:rPr lang="fa-IR" sz="3400" dirty="0" smtClean="0">
+                <a:solidFill>
+                  <a:schemeClr val="tx1"/>
+                </a:solidFill>
+                <a:latin typeface="B Nazanin+ Regular" panose="01000506000000020004" pitchFamily="2" charset="-78"/>
+                <a:cs typeface="B Nazanin+ Regular" panose="01000506000000020004" pitchFamily="2" charset="-78"/>
+              </a:rPr>
+              <a:t>: احراز هویت کاربر قبل از دسترسی به سرور</a:t>
+            </a:r>
+          </a:p>
+          <a:p>
+            <a:pPr algn="r" rtl="1">
+              <a:buFont typeface="Wingdings" panose="05000000000000000000" pitchFamily="2" charset="2"/>
+              <a:buChar char="v"/>
+            </a:pPr>
+            <a:r>
+              <a:rPr lang="fa-IR" sz="3400" b="1" dirty="0">
+                <a:solidFill>
+                  <a:schemeClr val="tx1"/>
+                </a:solidFill>
+                <a:latin typeface="B Nazanin+ Regular" panose="01000506000000020004" pitchFamily="2" charset="-78"/>
+                <a:cs typeface="B Nazanin+ Regular" panose="01000506000000020004" pitchFamily="2" charset="-78"/>
+              </a:rPr>
+              <a:t> </a:t>
+            </a:r>
+            <a:r>
+              <a:rPr lang="fa-IR" sz="3600" b="1" dirty="0" smtClean="0">
+                <a:solidFill>
+                  <a:schemeClr val="tx1"/>
+                </a:solidFill>
+                <a:latin typeface="B Nazanin+ Regular" panose="01000506000000020004" pitchFamily="2" charset="-78"/>
+                <a:cs typeface="B Nazanin+ Regular" panose="01000506000000020004" pitchFamily="2" charset="-78"/>
+              </a:rPr>
+              <a:t>حساب بری </a:t>
+            </a:r>
+            <a:r>
+              <a:rPr lang="fa-IR" sz="3400" dirty="0" smtClean="0">
+                <a:solidFill>
+                  <a:schemeClr val="tx1"/>
+                </a:solidFill>
+                <a:latin typeface="B Nazanin+ Regular" panose="01000506000000020004" pitchFamily="2" charset="-78"/>
+                <a:cs typeface="B Nazanin+ Regular" panose="01000506000000020004" pitchFamily="2" charset="-78"/>
+              </a:rPr>
+              <a:t>:گزارشی از فعالیت های کاربر در اینترنت را ثبت می کند </a:t>
+            </a:r>
+          </a:p>
+          <a:p>
+            <a:pPr algn="r" rtl="1">
+              <a:buFont typeface="Wingdings" panose="05000000000000000000" pitchFamily="2" charset="2"/>
+              <a:buChar char="v"/>
+            </a:pPr>
+            <a:r>
+              <a:rPr lang="fa-IR" sz="3400" dirty="0">
+                <a:solidFill>
+                  <a:schemeClr val="tx1"/>
+                </a:solidFill>
+                <a:latin typeface="B Nazanin+ Regular" panose="01000506000000020004" pitchFamily="2" charset="-78"/>
+                <a:cs typeface="B Nazanin+ Regular" panose="01000506000000020004" pitchFamily="2" charset="-78"/>
+              </a:rPr>
+              <a:t> </a:t>
+            </a:r>
+            <a:r>
+              <a:rPr lang="fa-IR" sz="3600" b="1" dirty="0" smtClean="0">
+                <a:solidFill>
+                  <a:schemeClr val="tx1"/>
+                </a:solidFill>
+                <a:latin typeface="B Nazanin+ Regular" panose="01000506000000020004" pitchFamily="2" charset="-78"/>
+                <a:cs typeface="B Nazanin+ Regular" panose="01000506000000020004" pitchFamily="2" charset="-78"/>
+              </a:rPr>
+              <a:t>فیلترینگ </a:t>
+            </a:r>
+            <a:r>
+              <a:rPr lang="fa-IR" sz="3400" dirty="0" smtClean="0">
+                <a:solidFill>
+                  <a:schemeClr val="tx1"/>
+                </a:solidFill>
+                <a:latin typeface="B Nazanin+ Regular" panose="01000506000000020004" pitchFamily="2" charset="-78"/>
+                <a:cs typeface="B Nazanin+ Regular" panose="01000506000000020004" pitchFamily="2" charset="-78"/>
+              </a:rPr>
+              <a:t>: محدودیت دسترسی به محتوا های خاص در اینترنت </a:t>
+            </a:r>
+          </a:p>
+          <a:p>
+            <a:pPr algn="r" rtl="1">
+              <a:buFont typeface="Wingdings" panose="05000000000000000000" pitchFamily="2" charset="2"/>
+              <a:buChar char="v"/>
+            </a:pPr>
+            <a:r>
+              <a:rPr lang="fa-IR" sz="3400" dirty="0">
+                <a:solidFill>
+                  <a:schemeClr val="tx1"/>
+                </a:solidFill>
+                <a:latin typeface="B Nazanin+ Regular" panose="01000506000000020004" pitchFamily="2" charset="-78"/>
+                <a:cs typeface="B Nazanin+ Regular" panose="01000506000000020004" pitchFamily="2" charset="-78"/>
+              </a:rPr>
+              <a:t> </a:t>
+            </a:r>
+            <a:r>
+              <a:rPr lang="fa-IR" sz="3600" b="1" dirty="0" smtClean="0">
+                <a:solidFill>
+                  <a:schemeClr val="tx1"/>
+                </a:solidFill>
+                <a:latin typeface="B Nazanin+ Regular" panose="01000506000000020004" pitchFamily="2" charset="-78"/>
+                <a:cs typeface="B Nazanin+ Regular" panose="01000506000000020004" pitchFamily="2" charset="-78"/>
+              </a:rPr>
+              <a:t>ناشناس بودن </a:t>
+            </a:r>
+            <a:r>
+              <a:rPr lang="fa-IR" sz="3400" dirty="0" smtClean="0">
+                <a:solidFill>
+                  <a:schemeClr val="tx1"/>
+                </a:solidFill>
+                <a:latin typeface="B Nazanin+ Regular" panose="01000506000000020004" pitchFamily="2" charset="-78"/>
+                <a:cs typeface="B Nazanin+ Regular" panose="01000506000000020004" pitchFamily="2" charset="-78"/>
+              </a:rPr>
+              <a:t>: هویت یک شخص و فعالیت هایش مخفی بماند </a:t>
+            </a:r>
+          </a:p>
+          <a:p>
+            <a:pPr algn="r" rtl="1">
+              <a:buFont typeface="Wingdings" panose="05000000000000000000" pitchFamily="2" charset="2"/>
+              <a:buChar char="v"/>
+            </a:pPr>
+            <a:r>
+              <a:rPr lang="en-US" sz="3400" dirty="0">
+                <a:solidFill>
+                  <a:schemeClr val="tx1"/>
+                </a:solidFill>
+                <a:latin typeface="B Nazanin+ Regular" panose="01000506000000020004" pitchFamily="2" charset="-78"/>
+                <a:cs typeface="B Nazanin+ Regular" panose="01000506000000020004" pitchFamily="2" charset="-78"/>
+              </a:rPr>
+              <a:t> </a:t>
+            </a:r>
+            <a:r>
+              <a:rPr lang="fa-IR" sz="3400" dirty="0">
+                <a:solidFill>
+                  <a:schemeClr val="tx1"/>
+                </a:solidFill>
+                <a:latin typeface="B Nazanin+ Regular" panose="01000506000000020004" pitchFamily="2" charset="-78"/>
+                <a:cs typeface="B Nazanin+ Regular" panose="01000506000000020004" pitchFamily="2" charset="-78"/>
+              </a:rPr>
+              <a:t> </a:t>
+            </a:r>
+            <a:r>
+              <a:rPr lang="fa-IR" sz="3600" b="1" dirty="0" smtClean="0">
+                <a:solidFill>
+                  <a:schemeClr val="tx1"/>
+                </a:solidFill>
+                <a:latin typeface="B Nazanin+ Regular" panose="01000506000000020004" pitchFamily="2" charset="-78"/>
+                <a:cs typeface="B Nazanin+ Regular" panose="01000506000000020004" pitchFamily="2" charset="-78"/>
+              </a:rPr>
+              <a:t>نهان سازی (</a:t>
+            </a:r>
+            <a:r>
+              <a:rPr lang="en-US" sz="3600" b="1" dirty="0" smtClean="0">
+                <a:solidFill>
+                  <a:schemeClr val="tx1"/>
+                </a:solidFill>
+                <a:latin typeface="B Nazanin+ Regular" panose="01000506000000020004" pitchFamily="2" charset="-78"/>
+                <a:cs typeface="B Nazanin+ Regular" panose="01000506000000020004" pitchFamily="2" charset="-78"/>
+              </a:rPr>
+              <a:t>Caching</a:t>
+            </a:r>
+            <a:r>
+              <a:rPr lang="fa-IR" sz="3600" b="1" dirty="0" smtClean="0">
+                <a:solidFill>
+                  <a:schemeClr val="tx1"/>
+                </a:solidFill>
+                <a:latin typeface="B Nazanin+ Regular" panose="01000506000000020004" pitchFamily="2" charset="-78"/>
+                <a:cs typeface="B Nazanin+ Regular" panose="01000506000000020004" pitchFamily="2" charset="-78"/>
+              </a:rPr>
+              <a:t>)</a:t>
+            </a:r>
+            <a:endParaRPr lang="en-US" sz="3600" b="1" dirty="0">
+              <a:solidFill>
+                <a:schemeClr val="tx1"/>
+              </a:solidFill>
+              <a:latin typeface="B Nazanin+ Regular" panose="01000506000000020004" pitchFamily="2" charset="-78"/>
+              <a:cs typeface="B Nazanin+ Regular" panose="01000506000000020004" pitchFamily="2" charset="-78"/>
+            </a:endParaRPr>
+          </a:p>
+        </p:txBody>
+      </p:sp>
+    </p:spTree>
+    <p:extLst>
+      <p:ext uri="{BB962C8B-B14F-4D97-AF65-F5344CB8AC3E}">
+        <p14:creationId xmlns:p14="http://schemas.microsoft.com/office/powerpoint/2010/main" val="428176892"/>
+      </p:ext>
+    </p:extLst>
+  </p:cSld>
+  <p:clrMapOvr>
+    <a:masterClrMapping/>
+  </p:clrMapOvr>
+  <p:timing>
+    <p:tnLst>
+      <p:par>
+        <p:cTn id="1" dur="indefinite" restart="never" nodeType="tmRoot"/>
+      </p:par>
+    </p:tnLst>
+  </p:timing>
+</p:sld>
+</file>
+
 <file path=ppt/slides/slide8.xml><?xml version="1.0" encoding="utf-8"?>
 <p:sld xmlns:a="http://schemas.openxmlformats.org/drawingml/2006/main" xmlns:r="http://schemas.openxmlformats.org/officeDocument/2006/relationships" xmlns:p="http://schemas.openxmlformats.org/presentationml/2006/main">
   <p:cSld>
@@ -14876,7 +13552,19 @@
                 <a:latin typeface="B Nazanin+ Regular" panose="01000506000000020004" pitchFamily="2" charset="-78"/>
                 <a:cs typeface="B Nazanin+ Regular" panose="01000506000000020004" pitchFamily="2" charset="-78"/>
               </a:rPr>
-              <a:t>کاربرد های پروکسی </a:t>
+              <a:t>حمله ی میانی از </a:t>
+            </a:r>
+            <a:r>
+              <a:rPr lang="fa-IR" sz="4800" b="1" dirty="0" smtClean="0">
+                <a:solidFill>
+                  <a:schemeClr val="accent6">
+                    <a:lumMod val="75000"/>
+                  </a:schemeClr>
+                </a:solidFill>
+                <a:latin typeface="B Nazanin+ Regular" panose="01000506000000020004" pitchFamily="2" charset="-78"/>
+                <a:cs typeface="B Nazanin+ Regular" panose="01000506000000020004" pitchFamily="2" charset="-78"/>
+              </a:rPr>
+              <a:t>طریق پروکسی </a:t>
             </a:r>
             <a:endParaRPr lang="en-US" sz="4800" b="1" dirty="0">
               <a:solidFill>
@@ -14890,299 +13578,39 @@
           </a:p>
         </p:txBody>
       </p:sp>
-      <p:sp>
-        <p:nvSpPr>
-          <p:cNvPr id="3" name="Content Placeholder 2"/>
-          <p:cNvSpPr>
-            <a:spLocks noGrp="1"/>
-          </p:cNvSpPr>
+      <p:pic>
+        <p:nvPicPr>
+          <p:cNvPr id="5" name="Content Placeholder 4"/>
+          <p:cNvPicPr>
+            <a:picLocks noGrp="1" noChangeAspect="1"/>
+          </p:cNvPicPr>
           <p:nvPr>
             <p:ph idx="1"/>
           </p:nvPr>
-        </p:nvSpPr>
+        </p:nvPicPr>
+        <p:blipFill>
+          <a:blip r:embed="rId2">
+            <a:extLst>
+              <a:ext uri="{28A0092B-C50C-407E-A947-70E740481C1C}">
+                <a14:useLocalDpi xmlns:a14="http://schemas.microsoft.com/office/drawing/2010/main" val="0"/>
+              </a:ext>
+            </a:extLst>
+          </a:blip>
+          <a:stretch>
+            <a:fillRect/>
+          </a:stretch>
+        </p:blipFill>
         <p:spPr>
           <a:xfrm>
-            <a:off x="1503947" y="1371600"/>
-            <a:ext cx="10000665" cy="5125453"/>
+            <a:off x="2722563" y="1834356"/>
+            <a:ext cx="7562850" cy="4200525"/>
           </a:xfrm>
         </p:spPr>
-        <p:txBody>
-          <a:bodyPr>
-            <a:noAutofit/>
-          </a:bodyPr>
-          <a:lstStyle/>
-          <a:p>
-            <a:pPr algn="r" rtl="1">
-              <a:buFont typeface="Wingdings" panose="05000000000000000000" pitchFamily="2" charset="2"/>
-              <a:buChar char="v"/>
-            </a:pPr>
-            <a:r>
-              <a:rPr lang="fa-IR" sz="3700" b="1" dirty="0" smtClean="0">
-                <a:solidFill>
-                  <a:schemeClr val="tx1"/>
-                </a:solidFill>
-                <a:latin typeface="B Nazanin+ Regular" panose="01000506000000020004" pitchFamily="2" charset="-78"/>
-                <a:cs typeface="B Nazanin+ Regular" panose="01000506000000020004" pitchFamily="2" charset="-78"/>
-              </a:rPr>
-              <a:t> احراز هویت </a:t>
-            </a:r>
-          </a:p>
-          <a:p>
-            <a:pPr lvl="1" algn="r" rtl="1">
-              <a:buFont typeface="Wingdings" panose="05000000000000000000" pitchFamily="2" charset="2"/>
-              <a:buChar char="v"/>
-            </a:pPr>
-            <a:r>
-              <a:rPr lang="fa-IR" sz="3400" dirty="0">
-                <a:solidFill>
-                  <a:schemeClr val="tx1"/>
-                </a:solidFill>
-                <a:latin typeface="B Nazanin+ Regular" panose="01000506000000020004" pitchFamily="2" charset="-78"/>
-                <a:cs typeface="B Nazanin+ Regular" panose="01000506000000020004" pitchFamily="2" charset="-78"/>
-              </a:rPr>
-              <a:t> </a:t>
-            </a:r>
-            <a:r>
-              <a:rPr lang="fa-IR" sz="3600" b="1" dirty="0" smtClean="0">
-                <a:solidFill>
-                  <a:schemeClr val="tx1"/>
-                </a:solidFill>
-                <a:latin typeface="B Nazanin+ Regular" panose="01000506000000020004" pitchFamily="2" charset="-78"/>
-                <a:cs typeface="B Nazanin+ Regular" panose="01000506000000020004" pitchFamily="2" charset="-78"/>
-              </a:rPr>
-              <a:t>سمت کاربر </a:t>
-            </a:r>
-            <a:r>
-              <a:rPr lang="fa-IR" sz="3400" dirty="0" smtClean="0">
-                <a:solidFill>
-                  <a:schemeClr val="tx1"/>
-                </a:solidFill>
-                <a:latin typeface="B Nazanin+ Regular" panose="01000506000000020004" pitchFamily="2" charset="-78"/>
-                <a:cs typeface="B Nazanin+ Regular" panose="01000506000000020004" pitchFamily="2" charset="-78"/>
-              </a:rPr>
-              <a:t>: احراز هویت کاربر قبل از دسترسی به اینترنت </a:t>
-            </a:r>
-          </a:p>
-          <a:p>
-            <a:pPr lvl="1" algn="r" rtl="1">
-              <a:buFont typeface="Wingdings" panose="05000000000000000000" pitchFamily="2" charset="2"/>
-              <a:buChar char="v"/>
-            </a:pPr>
-            <a:r>
-              <a:rPr lang="fa-IR" sz="3400" dirty="0">
-                <a:solidFill>
-                  <a:schemeClr val="tx1"/>
-                </a:solidFill>
-                <a:latin typeface="B Nazanin+ Regular" panose="01000506000000020004" pitchFamily="2" charset="-78"/>
-                <a:cs typeface="B Nazanin+ Regular" panose="01000506000000020004" pitchFamily="2" charset="-78"/>
-              </a:rPr>
-              <a:t> </a:t>
-            </a:r>
-            <a:r>
-              <a:rPr lang="fa-IR" sz="3600" b="1" dirty="0" smtClean="0">
-                <a:solidFill>
-                  <a:schemeClr val="tx1"/>
-                </a:solidFill>
-                <a:latin typeface="B Nazanin+ Regular" panose="01000506000000020004" pitchFamily="2" charset="-78"/>
-                <a:cs typeface="B Nazanin+ Regular" panose="01000506000000020004" pitchFamily="2" charset="-78"/>
-              </a:rPr>
-              <a:t>سمت سرور </a:t>
-            </a:r>
-            <a:r>
-              <a:rPr lang="fa-IR" sz="3400" dirty="0" smtClean="0">
-                <a:solidFill>
-                  <a:schemeClr val="tx1"/>
-                </a:solidFill>
-                <a:latin typeface="B Nazanin+ Regular" panose="01000506000000020004" pitchFamily="2" charset="-78"/>
-                <a:cs typeface="B Nazanin+ Regular" panose="01000506000000020004" pitchFamily="2" charset="-78"/>
-              </a:rPr>
-              <a:t>: احراز هویت کاربر قبل از دسترسی به سرور</a:t>
-            </a:r>
-          </a:p>
-          <a:p>
-            <a:pPr algn="r" rtl="1">
-              <a:buFont typeface="Wingdings" panose="05000000000000000000" pitchFamily="2" charset="2"/>
-              <a:buChar char="v"/>
-            </a:pPr>
-            <a:r>
-              <a:rPr lang="fa-IR" sz="3400" b="1" dirty="0">
-                <a:solidFill>
-                  <a:schemeClr val="tx1"/>
-                </a:solidFill>
-                <a:latin typeface="B Nazanin+ Regular" panose="01000506000000020004" pitchFamily="2" charset="-78"/>
-                <a:cs typeface="B Nazanin+ Regular" panose="01000506000000020004" pitchFamily="2" charset="-78"/>
-              </a:rPr>
-              <a:t> </a:t>
-            </a:r>
-            <a:r>
-              <a:rPr lang="fa-IR" sz="3600" b="1" dirty="0" smtClean="0">
-                <a:solidFill>
-                  <a:schemeClr val="tx1"/>
-                </a:solidFill>
-                <a:latin typeface="B Nazanin+ Regular" panose="01000506000000020004" pitchFamily="2" charset="-78"/>
-                <a:cs typeface="B Nazanin+ Regular" panose="01000506000000020004" pitchFamily="2" charset="-78"/>
-              </a:rPr>
-              <a:t>حساب بری </a:t>
-            </a:r>
-            <a:r>
-              <a:rPr lang="fa-IR" sz="3400" dirty="0" smtClean="0">
-                <a:solidFill>
-                  <a:schemeClr val="tx1"/>
-                </a:solidFill>
-                <a:latin typeface="B Nazanin+ Regular" panose="01000506000000020004" pitchFamily="2" charset="-78"/>
-                <a:cs typeface="B Nazanin+ Regular" panose="01000506000000020004" pitchFamily="2" charset="-78"/>
-              </a:rPr>
-              <a:t>:گزارشی از فعالیت های کاربر در اینترنت را ثبت می کند </a:t>
-            </a:r>
-          </a:p>
-          <a:p>
-            <a:pPr algn="r" rtl="1">
-              <a:buFont typeface="Wingdings" panose="05000000000000000000" pitchFamily="2" charset="2"/>
-              <a:buChar char="v"/>
-            </a:pPr>
-            <a:r>
-              <a:rPr lang="fa-IR" sz="3400" dirty="0">
-                <a:solidFill>
-                  <a:schemeClr val="tx1"/>
-                </a:solidFill>
-                <a:latin typeface="B Nazanin+ Regular" panose="01000506000000020004" pitchFamily="2" charset="-78"/>
-                <a:cs typeface="B Nazanin+ Regular" panose="01000506000000020004" pitchFamily="2" charset="-78"/>
-              </a:rPr>
-              <a:t> </a:t>
-            </a:r>
-            <a:r>
-              <a:rPr lang="fa-IR" sz="3600" b="1" dirty="0" smtClean="0">
-                <a:solidFill>
-                  <a:schemeClr val="tx1"/>
-                </a:solidFill>
-                <a:latin typeface="B Nazanin+ Regular" panose="01000506000000020004" pitchFamily="2" charset="-78"/>
-                <a:cs typeface="B Nazanin+ Regular" panose="01000506000000020004" pitchFamily="2" charset="-78"/>
-              </a:rPr>
-              <a:t>فیلترینگ </a:t>
-            </a:r>
-            <a:r>
-              <a:rPr lang="fa-IR" sz="3400" dirty="0" smtClean="0">
-                <a:solidFill>
-                  <a:schemeClr val="tx1"/>
-                </a:solidFill>
-                <a:latin typeface="B Nazanin+ Regular" panose="01000506000000020004" pitchFamily="2" charset="-78"/>
-                <a:cs typeface="B Nazanin+ Regular" panose="01000506000000020004" pitchFamily="2" charset="-78"/>
-              </a:rPr>
-              <a:t>: محدودیت دسترسی به محتوا های خاص در اینترنت </a:t>
-            </a:r>
-          </a:p>
-          <a:p>
-            <a:pPr algn="r" rtl="1">
-              <a:buFont typeface="Wingdings" panose="05000000000000000000" pitchFamily="2" charset="2"/>
-              <a:buChar char="v"/>
-            </a:pPr>
-            <a:r>
-              <a:rPr lang="fa-IR" sz="3400" dirty="0">
-                <a:solidFill>
-                  <a:schemeClr val="tx1"/>
-                </a:solidFill>
-                <a:latin typeface="B Nazanin+ Regular" panose="01000506000000020004" pitchFamily="2" charset="-78"/>
-                <a:cs typeface="B Nazanin+ Regular" panose="01000506000000020004" pitchFamily="2" charset="-78"/>
-              </a:rPr>
-              <a:t> </a:t>
-            </a:r>
-            <a:r>
-              <a:rPr lang="fa-IR" sz="3600" b="1" dirty="0" smtClean="0">
-                <a:solidFill>
-                  <a:schemeClr val="tx1"/>
-                </a:solidFill>
-                <a:latin typeface="B Nazanin+ Regular" panose="01000506000000020004" pitchFamily="2" charset="-78"/>
-                <a:cs typeface="B Nazanin+ Regular" panose="01000506000000020004" pitchFamily="2" charset="-78"/>
-              </a:rPr>
-              <a:t>ناشناس بودن </a:t>
-            </a:r>
-            <a:r>
-              <a:rPr lang="fa-IR" sz="3400" dirty="0" smtClean="0">
-                <a:solidFill>
-                  <a:schemeClr val="tx1"/>
-                </a:solidFill>
-                <a:latin typeface="B Nazanin+ Regular" panose="01000506000000020004" pitchFamily="2" charset="-78"/>
-                <a:cs typeface="B Nazanin+ Regular" panose="01000506000000020004" pitchFamily="2" charset="-78"/>
-              </a:rPr>
-              <a:t>: هویت یک شخص و فعالیت هایش مخفی بماند </a:t>
-            </a:r>
-            <a:endParaRPr lang="fa-IR" sz="3400" dirty="0" smtClean="0">
-              <a:solidFill>
-                <a:schemeClr val="tx1"/>
-              </a:solidFill>
-              <a:latin typeface="B Nazanin+ Regular" panose="01000506000000020004" pitchFamily="2" charset="-78"/>
-              <a:cs typeface="B Nazanin+ Regular" panose="01000506000000020004" pitchFamily="2" charset="-78"/>
-            </a:endParaRPr>
-          </a:p>
-          <a:p>
-            <a:pPr algn="r" rtl="1">
-              <a:buFont typeface="Wingdings" panose="05000000000000000000" pitchFamily="2" charset="2"/>
-              <a:buChar char="v"/>
-            </a:pPr>
-            <a:r>
-              <a:rPr lang="en-US" sz="3400" dirty="0">
-                <a:solidFill>
-                  <a:schemeClr val="tx1"/>
-                </a:solidFill>
-                <a:latin typeface="B Nazanin+ Regular" panose="01000506000000020004" pitchFamily="2" charset="-78"/>
-                <a:cs typeface="B Nazanin+ Regular" panose="01000506000000020004" pitchFamily="2" charset="-78"/>
-              </a:rPr>
-              <a:t> </a:t>
-            </a:r>
-            <a:r>
-              <a:rPr lang="fa-IR" sz="3400" dirty="0">
-                <a:solidFill>
-                  <a:schemeClr val="tx1"/>
-                </a:solidFill>
-                <a:latin typeface="B Nazanin+ Regular" panose="01000506000000020004" pitchFamily="2" charset="-78"/>
-                <a:cs typeface="B Nazanin+ Regular" panose="01000506000000020004" pitchFamily="2" charset="-78"/>
-              </a:rPr>
-              <a:t> </a:t>
-            </a:r>
-            <a:r>
-              <a:rPr lang="fa-IR" sz="3600" b="1" dirty="0" smtClean="0">
-                <a:solidFill>
-                  <a:schemeClr val="tx1"/>
-                </a:solidFill>
-                <a:latin typeface="B Nazanin+ Regular" panose="01000506000000020004" pitchFamily="2" charset="-78"/>
-                <a:cs typeface="B Nazanin+ Regular" panose="01000506000000020004" pitchFamily="2" charset="-78"/>
-              </a:rPr>
-              <a:t>نهان سازی (</a:t>
-            </a:r>
-            <a:r>
-              <a:rPr lang="en-US" sz="3600" b="1" dirty="0" smtClean="0">
-                <a:solidFill>
-                  <a:schemeClr val="tx1"/>
-                </a:solidFill>
-                <a:latin typeface="B Nazanin+ Regular" panose="01000506000000020004" pitchFamily="2" charset="-78"/>
-                <a:cs typeface="B Nazanin+ Regular" panose="01000506000000020004" pitchFamily="2" charset="-78"/>
-              </a:rPr>
-              <a:t>Caching</a:t>
-            </a:r>
-            <a:r>
-              <a:rPr lang="fa-IR" sz="3600" b="1" dirty="0" smtClean="0">
-                <a:solidFill>
-                  <a:schemeClr val="tx1"/>
-                </a:solidFill>
-                <a:latin typeface="B Nazanin+ Regular" panose="01000506000000020004" pitchFamily="2" charset="-78"/>
-                <a:cs typeface="B Nazanin+ Regular" panose="01000506000000020004" pitchFamily="2" charset="-78"/>
-              </a:rPr>
-              <a:t>)</a:t>
-            </a:r>
-            <a:endParaRPr lang="en-US" sz="3600" b="1" dirty="0">
-              <a:solidFill>
-                <a:schemeClr val="tx1"/>
-              </a:solidFill>
-              <a:latin typeface="B Nazanin+ Regular" panose="01000506000000020004" pitchFamily="2" charset="-78"/>
-              <a:cs typeface="B Nazanin+ Regular" panose="01000506000000020004" pitchFamily="2" charset="-78"/>
-            </a:endParaRPr>
-          </a:p>
-        </p:txBody>
-      </p:sp>
+      </p:pic>
     </p:spTree>
     <p:extLst>
       <p:ext uri="{BB962C8B-B14F-4D97-AF65-F5344CB8AC3E}">
-        <p14:creationId xmlns:p14="http://schemas.microsoft.com/office/powerpoint/2010/main" val="428176892"/>
+        <p14:creationId xmlns:p14="http://schemas.microsoft.com/office/powerpoint/2010/main" val="1895601116"/>
       </p:ext>
     </p:extLst>
   </p:cSld>
@@ -15240,7 +13668,7 @@
           <a:p>
             <a:pPr algn="r" rtl="1"/>
             <a:r>
-              <a:rPr lang="fa-IR" sz="4800" b="1" dirty="0" smtClean="0">
+              <a:rPr lang="en-US" sz="4800" b="1" dirty="0" smtClean="0">
                 <a:solidFill>
                   <a:schemeClr val="accent6">
                     <a:lumMod val="75000"/>
@@ -15249,7 +13677,7 @@
                 <a:latin typeface="B Nazanin+ Regular" panose="01000506000000020004" pitchFamily="2" charset="-78"/>
                 <a:cs typeface="B Nazanin+ Regular" panose="01000506000000020004" pitchFamily="2" charset="-78"/>
               </a:rPr>
-              <a:t>حمله از طریق پروکسی </a:t>
+              <a:t>HTTPS</a:t>
             </a:r>
             <a:endParaRPr lang="en-US" sz="4800" b="1" dirty="0">
               <a:solidFill>
@@ -15263,39 +13691,298 @@
           </a:p>
         </p:txBody>
       </p:sp>
-      <p:pic>
-        <p:nvPicPr>
-          <p:cNvPr id="5" name="Content Placeholder 4"/>
-          <p:cNvPicPr>
-            <a:picLocks noGrp="1" noChangeAspect="1"/>
-          </p:cNvPicPr>
+      <p:sp>
+        <p:nvSpPr>
+          <p:cNvPr id="3" name="Content Placeholder 2"/>
+          <p:cNvSpPr>
+            <a:spLocks noGrp="1"/>
+          </p:cNvSpPr>
           <p:nvPr>
             <p:ph idx="1"/>
           </p:nvPr>
-        </p:nvPicPr>
-        <p:blipFill>
-          <a:blip r:embed="rId2">
-            <a:extLst>
-              <a:ext uri="{28A0092B-C50C-407E-A947-70E740481C1C}">
-                <a14:useLocalDpi xmlns:a14="http://schemas.microsoft.com/office/drawing/2010/main" val="0"/>
-              </a:ext>
-            </a:extLst>
-          </a:blip>
-          <a:stretch>
-            <a:fillRect/>
-          </a:stretch>
-        </p:blipFill>
+        </p:nvSpPr>
         <p:spPr>
           <a:xfrm>
-            <a:off x="2722563" y="1834356"/>
-            <a:ext cx="7562850" cy="4200525"/>
+            <a:off x="1503947" y="1371600"/>
+            <a:ext cx="10000665" cy="5125453"/>
           </a:xfrm>
         </p:spPr>
-      </p:pic>
+        <p:txBody>
+          <a:bodyPr>
+            <a:noAutofit/>
+          </a:bodyPr>
+          <a:lstStyle/>
+          <a:p>
+            <a:pPr algn="r" rtl="1">
+              <a:buFont typeface="Wingdings" panose="05000000000000000000" pitchFamily="2" charset="2"/>
+              <a:buChar char="v"/>
+            </a:pPr>
+            <a:r>
+              <a:rPr lang="fa-IR" sz="3600" b="1" dirty="0">
+                <a:solidFill>
+                  <a:schemeClr val="tx1"/>
+                </a:solidFill>
+                <a:latin typeface="B Nazanin+ Regular" panose="01000506000000020004" pitchFamily="2" charset="-78"/>
+                <a:cs typeface="B Nazanin+ Regular" panose="01000506000000020004" pitchFamily="2" charset="-78"/>
+              </a:rPr>
+              <a:t> </a:t>
+            </a:r>
+            <a:r>
+              <a:rPr lang="fa-IR" sz="3600" b="1" dirty="0" smtClean="0">
+                <a:solidFill>
+                  <a:schemeClr val="tx1"/>
+                </a:solidFill>
+                <a:latin typeface="B Nazanin+ Regular" panose="01000506000000020004" pitchFamily="2" charset="-78"/>
+                <a:cs typeface="B Nazanin+ Regular" panose="01000506000000020004" pitchFamily="2" charset="-78"/>
+              </a:rPr>
+              <a:t>تعریف :</a:t>
+            </a:r>
+          </a:p>
+          <a:p>
+            <a:pPr marL="400050" lvl="1" indent="0" algn="r" rtl="1">
+              <a:buNone/>
+            </a:pPr>
+            <a:r>
+              <a:rPr lang="fa-IR" sz="3400" b="1" dirty="0" smtClean="0">
+                <a:solidFill>
+                  <a:schemeClr val="tx1"/>
+                </a:solidFill>
+                <a:latin typeface="B Nazanin+ Regular" panose="01000506000000020004" pitchFamily="2" charset="-78"/>
+                <a:cs typeface="B Nazanin+ Regular" panose="01000506000000020004" pitchFamily="2" charset="-78"/>
+              </a:rPr>
+              <a:t>همان پروتکل </a:t>
+            </a:r>
+            <a:r>
+              <a:rPr lang="en-US" sz="3400" b="1" dirty="0" smtClean="0">
+                <a:solidFill>
+                  <a:schemeClr val="tx1"/>
+                </a:solidFill>
+                <a:latin typeface="B Nazanin+ Regular" panose="01000506000000020004" pitchFamily="2" charset="-78"/>
+                <a:cs typeface="B Nazanin+ Regular" panose="01000506000000020004" pitchFamily="2" charset="-78"/>
+              </a:rPr>
+              <a:t>HTTP</a:t>
+            </a:r>
+            <a:r>
+              <a:rPr lang="fa-IR" sz="3400" b="1" dirty="0" smtClean="0">
+                <a:solidFill>
+                  <a:schemeClr val="tx1"/>
+                </a:solidFill>
+                <a:latin typeface="B Nazanin+ Regular" panose="01000506000000020004" pitchFamily="2" charset="-78"/>
+                <a:cs typeface="B Nazanin+ Regular" panose="01000506000000020004" pitchFamily="2" charset="-78"/>
+              </a:rPr>
+              <a:t> است با این تفاوت که قابلیت </a:t>
+            </a:r>
+            <a:r>
+              <a:rPr lang="en-US" sz="3400" b="1" dirty="0" smtClean="0">
+                <a:solidFill>
+                  <a:schemeClr val="tx1"/>
+                </a:solidFill>
+                <a:latin typeface="B Nazanin+ Regular" panose="01000506000000020004" pitchFamily="2" charset="-78"/>
+                <a:cs typeface="B Nazanin+ Regular" panose="01000506000000020004" pitchFamily="2" charset="-78"/>
+              </a:rPr>
+              <a:t>“</a:t>
+            </a:r>
+            <a:r>
+              <a:rPr lang="fa-IR" sz="3400" b="1" dirty="0" smtClean="0">
+                <a:solidFill>
+                  <a:schemeClr val="tx1"/>
+                </a:solidFill>
+                <a:latin typeface="B Nazanin+ Regular" panose="01000506000000020004" pitchFamily="2" charset="-78"/>
+                <a:cs typeface="B Nazanin+ Regular" panose="01000506000000020004" pitchFamily="2" charset="-78"/>
+              </a:rPr>
+              <a:t>امنیت</a:t>
+            </a:r>
+            <a:r>
+              <a:rPr lang="en-US" sz="3400" b="1" dirty="0" smtClean="0">
+                <a:solidFill>
+                  <a:schemeClr val="tx1"/>
+                </a:solidFill>
+                <a:latin typeface="B Nazanin+ Regular" panose="01000506000000020004" pitchFamily="2" charset="-78"/>
+                <a:cs typeface="B Nazanin+ Regular" panose="01000506000000020004" pitchFamily="2" charset="-78"/>
+              </a:rPr>
+              <a:t>”</a:t>
+            </a:r>
+            <a:r>
+              <a:rPr lang="fa-IR" sz="3400" b="1" dirty="0" smtClean="0">
+                <a:solidFill>
+                  <a:schemeClr val="tx1"/>
+                </a:solidFill>
+                <a:latin typeface="B Nazanin+ Regular" panose="01000506000000020004" pitchFamily="2" charset="-78"/>
+                <a:cs typeface="B Nazanin+ Regular" panose="01000506000000020004" pitchFamily="2" charset="-78"/>
+              </a:rPr>
+              <a:t> به آن اضافه شده است .</a:t>
+            </a:r>
+            <a:endParaRPr lang="en-US" sz="3400" b="1" dirty="0" smtClean="0">
+              <a:solidFill>
+                <a:schemeClr val="tx1"/>
+              </a:solidFill>
+              <a:latin typeface="B Nazanin+ Regular" panose="01000506000000020004" pitchFamily="2" charset="-78"/>
+              <a:cs typeface="B Nazanin+ Regular" panose="01000506000000020004" pitchFamily="2" charset="-78"/>
+            </a:endParaRPr>
+          </a:p>
+          <a:p>
+            <a:pPr marL="400050" lvl="1" indent="0" rtl="1">
+              <a:buNone/>
+            </a:pPr>
+            <a:r>
+              <a:rPr lang="en-US" sz="3400" b="1" dirty="0" smtClean="0">
+                <a:solidFill>
+                  <a:schemeClr val="tx1"/>
+                </a:solidFill>
+                <a:latin typeface="B Nazanin+ Regular" panose="01000506000000020004" pitchFamily="2" charset="-78"/>
+                <a:cs typeface="B Nazanin+ Regular" panose="01000506000000020004" pitchFamily="2" charset="-78"/>
+              </a:rPr>
+              <a:t>HTTP + Secure Layer = HTTPS</a:t>
+            </a:r>
+            <a:endParaRPr lang="fa-IR" sz="3400" b="1" dirty="0">
+              <a:solidFill>
+                <a:schemeClr val="tx1"/>
+              </a:solidFill>
+              <a:latin typeface="B Nazanin+ Regular" panose="01000506000000020004" pitchFamily="2" charset="-78"/>
+              <a:cs typeface="B Nazanin+ Regular" panose="01000506000000020004" pitchFamily="2" charset="-78"/>
+            </a:endParaRPr>
+          </a:p>
+          <a:p>
+            <a:pPr algn="r" rtl="1">
+              <a:buFont typeface="Wingdings" panose="05000000000000000000" pitchFamily="2" charset="2"/>
+              <a:buChar char="v"/>
+            </a:pPr>
+            <a:r>
+              <a:rPr lang="fa-IR" sz="3600" b="1" dirty="0">
+                <a:solidFill>
+                  <a:schemeClr val="tx1"/>
+                </a:solidFill>
+                <a:latin typeface="B Nazanin+ Regular" panose="01000506000000020004" pitchFamily="2" charset="-78"/>
+                <a:cs typeface="B Nazanin+ Regular" panose="01000506000000020004" pitchFamily="2" charset="-78"/>
+              </a:rPr>
+              <a:t> </a:t>
+            </a:r>
+            <a:r>
+              <a:rPr lang="fa-IR" sz="3600" b="1" dirty="0" smtClean="0">
+                <a:solidFill>
+                  <a:schemeClr val="tx1"/>
+                </a:solidFill>
+                <a:latin typeface="B Nazanin+ Regular" panose="01000506000000020004" pitchFamily="2" charset="-78"/>
+                <a:cs typeface="B Nazanin+ Regular" panose="01000506000000020004" pitchFamily="2" charset="-78"/>
+              </a:rPr>
+              <a:t>برای تأمین امنیت یک لایه ی امنیتی به پروتکل </a:t>
+            </a:r>
+            <a:r>
+              <a:rPr lang="en-US" sz="3600" b="1" dirty="0" smtClean="0">
+                <a:solidFill>
+                  <a:schemeClr val="tx1"/>
+                </a:solidFill>
+                <a:latin typeface="B Nazanin+ Regular" panose="01000506000000020004" pitchFamily="2" charset="-78"/>
+                <a:cs typeface="B Nazanin+ Regular" panose="01000506000000020004" pitchFamily="2" charset="-78"/>
+              </a:rPr>
+              <a:t>HTTP</a:t>
+            </a:r>
+            <a:r>
+              <a:rPr lang="fa-IR" sz="3600" b="1" dirty="0" smtClean="0">
+                <a:solidFill>
+                  <a:schemeClr val="tx1"/>
+                </a:solidFill>
+                <a:latin typeface="B Nazanin+ Regular" panose="01000506000000020004" pitchFamily="2" charset="-78"/>
+                <a:cs typeface="B Nazanin+ Regular" panose="01000506000000020004" pitchFamily="2" charset="-78"/>
+              </a:rPr>
+              <a:t> اضافه شده است .</a:t>
+            </a:r>
+          </a:p>
+          <a:p>
+            <a:pPr algn="r" rtl="1">
+              <a:buFont typeface="Wingdings" panose="05000000000000000000" pitchFamily="2" charset="2"/>
+              <a:buChar char="v"/>
+            </a:pPr>
+            <a:r>
+              <a:rPr lang="fa-IR" sz="3600" b="1" dirty="0">
+                <a:solidFill>
+                  <a:schemeClr val="tx1"/>
+                </a:solidFill>
+                <a:latin typeface="B Nazanin+ Regular" panose="01000506000000020004" pitchFamily="2" charset="-78"/>
+                <a:cs typeface="B Nazanin+ Regular" panose="01000506000000020004" pitchFamily="2" charset="-78"/>
+              </a:rPr>
+              <a:t> </a:t>
+            </a:r>
+            <a:r>
+              <a:rPr lang="fa-IR" sz="3600" b="1" dirty="0" smtClean="0">
+                <a:solidFill>
+                  <a:schemeClr val="tx1"/>
+                </a:solidFill>
+                <a:latin typeface="B Nazanin+ Regular" panose="01000506000000020004" pitchFamily="2" charset="-78"/>
+                <a:cs typeface="B Nazanin+ Regular" panose="01000506000000020004" pitchFamily="2" charset="-78"/>
+              </a:rPr>
+              <a:t>این لایه </a:t>
+            </a:r>
+            <a:r>
+              <a:rPr lang="en-US" sz="3600" b="1" dirty="0" smtClean="0">
+                <a:solidFill>
+                  <a:schemeClr val="tx1"/>
+                </a:solidFill>
+                <a:latin typeface="B Nazanin+ Regular" panose="01000506000000020004" pitchFamily="2" charset="-78"/>
+                <a:cs typeface="B Nazanin+ Regular" panose="01000506000000020004" pitchFamily="2" charset="-78"/>
+              </a:rPr>
+              <a:t>TLS</a:t>
+            </a:r>
+            <a:r>
+              <a:rPr lang="fa-IR" sz="3600" b="1" dirty="0" smtClean="0">
+                <a:solidFill>
+                  <a:schemeClr val="tx1"/>
+                </a:solidFill>
+                <a:latin typeface="B Nazanin+ Regular" panose="01000506000000020004" pitchFamily="2" charset="-78"/>
+                <a:cs typeface="B Nazanin+ Regular" panose="01000506000000020004" pitchFamily="2" charset="-78"/>
+              </a:rPr>
+              <a:t> است یا </a:t>
+            </a:r>
+            <a:r>
+              <a:rPr lang="en-US" sz="3600" b="1" dirty="0" smtClean="0">
+                <a:solidFill>
+                  <a:schemeClr val="tx1"/>
+                </a:solidFill>
+                <a:latin typeface="B Nazanin+ Regular" panose="01000506000000020004" pitchFamily="2" charset="-78"/>
+                <a:cs typeface="B Nazanin+ Regular" panose="01000506000000020004" pitchFamily="2" charset="-78"/>
+              </a:rPr>
+              <a:t>SSL</a:t>
+            </a:r>
+            <a:endParaRPr lang="fa-IR" sz="3600" b="1" dirty="0" smtClean="0">
+              <a:solidFill>
+                <a:schemeClr val="tx1"/>
+              </a:solidFill>
+              <a:latin typeface="B Nazanin+ Regular" panose="01000506000000020004" pitchFamily="2" charset="-78"/>
+              <a:cs typeface="B Nazanin+ Regular" panose="01000506000000020004" pitchFamily="2" charset="-78"/>
+            </a:endParaRPr>
+          </a:p>
+          <a:p>
+            <a:pPr algn="r" rtl="1">
+              <a:buFont typeface="Wingdings" panose="05000000000000000000" pitchFamily="2" charset="2"/>
+              <a:buChar char="v"/>
+            </a:pPr>
+            <a:r>
+              <a:rPr lang="fa-IR" sz="3600" b="1" dirty="0">
+                <a:solidFill>
+                  <a:schemeClr val="tx1"/>
+                </a:solidFill>
+                <a:latin typeface="B Nazanin+ Regular" panose="01000506000000020004" pitchFamily="2" charset="-78"/>
+                <a:cs typeface="B Nazanin+ Regular" panose="01000506000000020004" pitchFamily="2" charset="-78"/>
+              </a:rPr>
+              <a:t> </a:t>
+            </a:r>
+            <a:r>
+              <a:rPr lang="fa-IR" sz="3600" b="1" dirty="0" smtClean="0">
+                <a:solidFill>
+                  <a:schemeClr val="tx1"/>
+                </a:solidFill>
+                <a:latin typeface="B Nazanin+ Regular" panose="01000506000000020004" pitchFamily="2" charset="-78"/>
+                <a:cs typeface="B Nazanin+ Regular" panose="01000506000000020004" pitchFamily="2" charset="-78"/>
+              </a:rPr>
+              <a:t>این لایه برای ایجاد امنیت از رمز گذاری اطلاعات استفاده می کند .</a:t>
+            </a:r>
+          </a:p>
+        </p:txBody>
+      </p:sp>
     </p:spTree>
     <p:extLst>
       <p:ext uri="{BB962C8B-B14F-4D97-AF65-F5344CB8AC3E}">
-        <p14:creationId xmlns:p14="http://schemas.microsoft.com/office/powerpoint/2010/main" val="1895601116"/>
+        <p14:creationId xmlns:p14="http://schemas.microsoft.com/office/powerpoint/2010/main" val="1966253356"/>
       </p:ext>
     </p:extLst>
   </p:cSld>
